--- a/Document/GIANTS_ThirdPresentation.pptx
+++ b/Document/GIANTS_ThirdPresentation.pptx
@@ -9,11 +9,11 @@
     <p:sldId id="257" r:id="rId3"/>
     <p:sldId id="258" r:id="rId4"/>
     <p:sldId id="259" r:id="rId5"/>
-    <p:sldId id="260" r:id="rId6"/>
-    <p:sldId id="261" r:id="rId7"/>
-    <p:sldId id="262" r:id="rId8"/>
-    <p:sldId id="263" r:id="rId9"/>
-    <p:sldId id="264" r:id="rId10"/>
+    <p:sldId id="261" r:id="rId6"/>
+    <p:sldId id="262" r:id="rId7"/>
+    <p:sldId id="263" r:id="rId8"/>
+    <p:sldId id="264" r:id="rId9"/>
+    <p:sldId id="266" r:id="rId10"/>
     <p:sldId id="265" r:id="rId11"/>
   </p:sldIdLst>
   <p:sldSz cx="12192000" cy="6858000"/>
@@ -4397,7 +4397,7 @@
           <a:p>
             <a:fld id="{48A87A34-81AB-432B-8DAE-1953F412C126}" type="datetimeFigureOut">
               <a:rPr lang="en-US" dirty="0"/>
-              <a:t>2/27/17</a:t>
+              <a:t>2/28/17</a:t>
             </a:fld>
             <a:endParaRPr lang="en-US" dirty="0"/>
           </a:p>
@@ -4659,7 +4659,7 @@
           <a:p>
             <a:fld id="{48A87A34-81AB-432B-8DAE-1953F412C126}" type="datetimeFigureOut">
               <a:rPr lang="en-US" dirty="0"/>
-              <a:t>2/27/17</a:t>
+              <a:t>2/28/17</a:t>
             </a:fld>
             <a:endParaRPr lang="en-US" dirty="0"/>
           </a:p>
@@ -4850,7 +4850,7 @@
           <a:p>
             <a:fld id="{48A87A34-81AB-432B-8DAE-1953F412C126}" type="datetimeFigureOut">
               <a:rPr lang="en-US" dirty="0"/>
-              <a:t>2/27/17</a:t>
+              <a:t>2/28/17</a:t>
             </a:fld>
             <a:endParaRPr lang="en-US" dirty="0"/>
           </a:p>
@@ -5108,7 +5108,7 @@
           <a:p>
             <a:fld id="{48A87A34-81AB-432B-8DAE-1953F412C126}" type="datetimeFigureOut">
               <a:rPr lang="en-US" dirty="0"/>
-              <a:t>2/27/17</a:t>
+              <a:t>2/28/17</a:t>
             </a:fld>
             <a:endParaRPr lang="en-US" dirty="0"/>
           </a:p>
@@ -5537,7 +5537,7 @@
           <a:p>
             <a:fld id="{48A87A34-81AB-432B-8DAE-1953F412C126}" type="datetimeFigureOut">
               <a:rPr lang="en-US" dirty="0"/>
-              <a:t>2/27/17</a:t>
+              <a:t>2/28/17</a:t>
             </a:fld>
             <a:endParaRPr lang="en-US" dirty="0"/>
           </a:p>
@@ -6078,7 +6078,7 @@
           <a:p>
             <a:fld id="{48A87A34-81AB-432B-8DAE-1953F412C126}" type="datetimeFigureOut">
               <a:rPr lang="en-US" dirty="0"/>
-              <a:t>2/27/17</a:t>
+              <a:t>2/28/17</a:t>
             </a:fld>
             <a:endParaRPr lang="en-US" dirty="0"/>
           </a:p>
@@ -6793,7 +6793,7 @@
           <a:p>
             <a:fld id="{48A87A34-81AB-432B-8DAE-1953F412C126}" type="datetimeFigureOut">
               <a:rPr lang="en-US" dirty="0"/>
-              <a:t>2/27/17</a:t>
+              <a:t>2/28/17</a:t>
             </a:fld>
             <a:endParaRPr lang="en-US" dirty="0"/>
           </a:p>
@@ -6958,7 +6958,7 @@
           <a:p>
             <a:fld id="{48A87A34-81AB-432B-8DAE-1953F412C126}" type="datetimeFigureOut">
               <a:rPr lang="en-US" dirty="0"/>
-              <a:t>2/27/17</a:t>
+              <a:t>2/28/17</a:t>
             </a:fld>
             <a:endParaRPr lang="en-US" dirty="0"/>
           </a:p>
@@ -7133,7 +7133,7 @@
           <a:p>
             <a:fld id="{48A87A34-81AB-432B-8DAE-1953F412C126}" type="datetimeFigureOut">
               <a:rPr lang="en-US" dirty="0"/>
-              <a:t>2/27/17</a:t>
+              <a:t>2/28/17</a:t>
             </a:fld>
             <a:endParaRPr lang="en-US" dirty="0"/>
           </a:p>
@@ -7298,7 +7298,7 @@
           <a:p>
             <a:fld id="{48A87A34-81AB-432B-8DAE-1953F412C126}" type="datetimeFigureOut">
               <a:rPr lang="en-US" dirty="0"/>
-              <a:t>2/27/17</a:t>
+              <a:t>2/28/17</a:t>
             </a:fld>
             <a:endParaRPr lang="en-US" dirty="0"/>
           </a:p>
@@ -7543,7 +7543,7 @@
           <a:p>
             <a:fld id="{48A87A34-81AB-432B-8DAE-1953F412C126}" type="datetimeFigureOut">
               <a:rPr lang="en-US" dirty="0"/>
-              <a:t>2/27/17</a:t>
+              <a:t>2/28/17</a:t>
             </a:fld>
             <a:endParaRPr lang="en-US" dirty="0"/>
           </a:p>
@@ -7770,7 +7770,7 @@
           <a:p>
             <a:fld id="{48A87A34-81AB-432B-8DAE-1953F412C126}" type="datetimeFigureOut">
               <a:rPr lang="en-US" dirty="0"/>
-              <a:t>2/27/17</a:t>
+              <a:t>2/28/17</a:t>
             </a:fld>
             <a:endParaRPr lang="en-US" dirty="0"/>
           </a:p>
@@ -8146,7 +8146,7 @@
           <a:p>
             <a:fld id="{48A87A34-81AB-432B-8DAE-1953F412C126}" type="datetimeFigureOut">
               <a:rPr lang="en-US" dirty="0"/>
-              <a:t>2/27/17</a:t>
+              <a:t>2/28/17</a:t>
             </a:fld>
             <a:endParaRPr lang="en-US" dirty="0"/>
           </a:p>
@@ -8259,7 +8259,7 @@
           <a:p>
             <a:fld id="{48A87A34-81AB-432B-8DAE-1953F412C126}" type="datetimeFigureOut">
               <a:rPr lang="en-US" dirty="0"/>
-              <a:t>2/27/17</a:t>
+              <a:t>2/28/17</a:t>
             </a:fld>
             <a:endParaRPr lang="en-US" dirty="0"/>
           </a:p>
@@ -8349,7 +8349,7 @@
           <a:p>
             <a:fld id="{48A87A34-81AB-432B-8DAE-1953F412C126}" type="datetimeFigureOut">
               <a:rPr lang="en-US" dirty="0"/>
-              <a:t>2/27/17</a:t>
+              <a:t>2/28/17</a:t>
             </a:fld>
             <a:endParaRPr lang="en-US" dirty="0"/>
           </a:p>
@@ -8593,7 +8593,7 @@
           <a:p>
             <a:fld id="{48A87A34-81AB-432B-8DAE-1953F412C126}" type="datetimeFigureOut">
               <a:rPr lang="en-US" dirty="0"/>
-              <a:t>2/27/17</a:t>
+              <a:t>2/28/17</a:t>
             </a:fld>
             <a:endParaRPr lang="en-US" dirty="0"/>
           </a:p>
@@ -8868,7 +8868,7 @@
           <a:p>
             <a:fld id="{48A87A34-81AB-432B-8DAE-1953F412C126}" type="datetimeFigureOut">
               <a:rPr lang="en-US" dirty="0"/>
-              <a:t>2/27/17</a:t>
+              <a:t>2/28/17</a:t>
             </a:fld>
             <a:endParaRPr lang="en-US" dirty="0"/>
           </a:p>
@@ -11941,7 +11941,7 @@
             <a:fld id="{48A87A34-81AB-432B-8DAE-1953F412C126}" type="datetimeFigureOut">
               <a:rPr lang="en-US" dirty="0"/>
               <a:pPr/>
-              <a:t>2/27/17</a:t>
+              <a:t>2/28/17</a:t>
             </a:fld>
             <a:endParaRPr lang="en-US" dirty="0"/>
           </a:p>
@@ -12554,8 +12554,8 @@
         </p:nvSpPr>
         <p:spPr>
           <a:xfrm>
-            <a:off x="1141413" y="718531"/>
-            <a:ext cx="9905998" cy="467332"/>
+            <a:off x="1141413" y="357188"/>
+            <a:ext cx="9905998" cy="828675"/>
           </a:xfrm>
         </p:spPr>
         <p:txBody>
@@ -12566,15 +12566,19 @@
           <a:p>
             <a:r>
               <a:rPr lang="en-US" sz="2000" cap="none" dirty="0"/>
-              <a:t>Consider the sprint task #32 </a:t>
+              <a:t>Consider the sprint task </a:t>
             </a:r>
             <a:r>
-              <a:rPr lang="en-US" sz="2000" b="1" cap="none" dirty="0"/>
-              <a:t>Test after integrating algorithm and block view</a:t>
+              <a:rPr lang="en-US" altLang="zh-CN" sz="2000" cap="none" dirty="0" smtClean="0"/>
+              <a:t>#</a:t>
+            </a:r>
+            <a:r>
+              <a:rPr lang="en-US" sz="2000" cap="none" dirty="0" smtClean="0"/>
+              <a:t>37 </a:t>
             </a:r>
             <a:r>
               <a:rPr lang="en-US" sz="2000" cap="none" dirty="0"/>
-              <a:t>. Some of the test cases for this task are as follows:</a:t>
+              <a:t>Test after integrating algorithm and graphical view Some of the test cases for this task are as follows:</a:t>
             </a:r>
             <a:r>
               <a:rPr lang="en-US" dirty="0"/>
@@ -13546,6 +13550,13 @@
   <p:clrMapOvr>
     <a:masterClrMapping/>
   </p:clrMapOvr>
+  <p:timing>
+    <p:tnLst>
+      <p:par>
+        <p:cTn id="1" dur="indefinite" restart="never" nodeType="tmRoot"/>
+      </p:par>
+    </p:tnLst>
+  </p:timing>
 </p:sld>
 </file>
 
@@ -13586,7 +13597,6 @@
               <a:rPr lang="en-US" dirty="0"/>
               <a:t>Summary of the feedback</a:t>
             </a:r>
-            <a:endParaRPr lang="en-US" dirty="0"/>
           </a:p>
         </p:txBody>
       </p:sp>
@@ -13721,7 +13731,6 @@
               <a:rPr lang="en-US" dirty="0"/>
               <a:t>Continued</a:t>
             </a:r>
-            <a:endParaRPr lang="en-US" dirty="0"/>
           </a:p>
         </p:txBody>
       </p:sp>
@@ -13867,7 +13876,6 @@
               <a:rPr lang="en-US" dirty="0"/>
               <a:t>A plan of action</a:t>
             </a:r>
-            <a:endParaRPr lang="en-US" dirty="0"/>
           </a:p>
         </p:txBody>
       </p:sp>
@@ -14069,92 +14077,1019 @@
           <a:p>
             <a:pPr algn="ctr"/>
             <a:r>
-              <a:rPr lang="en-US" altLang="zh-CN" dirty="0" smtClean="0"/>
-              <a:t>continued</a:t>
+              <a:rPr lang="en-US" dirty="0"/>
+              <a:t>User stories</a:t>
             </a:r>
-            <a:endParaRPr lang="en-US" dirty="0"/>
           </a:p>
         </p:txBody>
       </p:sp>
-      <p:sp>
-        <p:nvSpPr>
-          <p:cNvPr id="3" name="Content Placeholder 2"/>
-          <p:cNvSpPr>
-            <a:spLocks noGrp="1"/>
-          </p:cNvSpPr>
+      <p:graphicFrame>
+        <p:nvGraphicFramePr>
+          <p:cNvPr id="4" name="Content Placeholder 3"/>
+          <p:cNvGraphicFramePr>
+            <a:graphicFrameLocks noGrp="1"/>
+          </p:cNvGraphicFramePr>
           <p:nvPr>
             <p:ph idx="1"/>
+            <p:extLst>
+              <p:ext uri="{D42A27DB-BD31-4B8C-83A1-F6EECF244321}">
+                <p14:modId xmlns:p14="http://schemas.microsoft.com/office/powerpoint/2010/main" val="1736930134"/>
+              </p:ext>
+            </p:extLst>
           </p:nvPr>
-        </p:nvSpPr>
-        <p:spPr>
-          <a:xfrm>
-            <a:off x="1141412" y="2249486"/>
-            <a:ext cx="9905999" cy="3565527"/>
-          </a:xfrm>
-        </p:spPr>
-        <p:txBody>
-          <a:bodyPr>
-            <a:normAutofit fontScale="92500" lnSpcReduction="10000"/>
-          </a:bodyPr>
-          <a:lstStyle/>
-          <a:p>
-            <a:r>
-              <a:rPr lang="en-US" dirty="0"/>
-              <a:t>Enter fixed number of steps to execute </a:t>
-            </a:r>
-            <a:endParaRPr lang="zh-CN" altLang="en-US" dirty="0" smtClean="0"/>
-          </a:p>
-          <a:p>
-            <a:r>
-              <a:rPr lang="en-US" dirty="0"/>
-              <a:t>Execute the algorithm by fixed number of  steps </a:t>
-            </a:r>
-            <a:endParaRPr lang="zh-CN" altLang="en-US" dirty="0" smtClean="0"/>
-          </a:p>
-          <a:p>
-            <a:r>
-              <a:rPr lang="en-US" dirty="0"/>
-              <a:t>Choose block view </a:t>
-            </a:r>
-            <a:endParaRPr lang="zh-CN" altLang="en-US" dirty="0" smtClean="0"/>
-          </a:p>
-          <a:p>
-            <a:r>
-              <a:rPr lang="en-US" dirty="0"/>
-              <a:t>Choose graphical view </a:t>
-            </a:r>
-            <a:endParaRPr lang="zh-CN" altLang="en-US" dirty="0" smtClean="0"/>
-          </a:p>
-          <a:p>
-            <a:r>
-              <a:rPr lang="en-US" dirty="0"/>
-              <a:t>Switch between two views </a:t>
-            </a:r>
-            <a:endParaRPr lang="zh-CN" altLang="en-US" dirty="0" smtClean="0"/>
-          </a:p>
-          <a:p>
-            <a:r>
-              <a:rPr lang="en-US" dirty="0"/>
-              <a:t>Search the information of a run </a:t>
-            </a:r>
-            <a:endParaRPr lang="zh-CN" altLang="en-US" dirty="0" smtClean="0"/>
-          </a:p>
-          <a:p>
-            <a:r>
-              <a:rPr lang="en-US" dirty="0"/>
-              <a:t>Delete a run </a:t>
-            </a:r>
-            <a:endParaRPr lang="zh-CN" altLang="en-US" dirty="0" smtClean="0"/>
-          </a:p>
-          <a:p>
-            <a:endParaRPr lang="en-US" dirty="0"/>
-          </a:p>
-        </p:txBody>
-      </p:sp>
+        </p:nvGraphicFramePr>
+        <p:xfrm>
+          <a:off x="1141413" y="2249488"/>
+          <a:ext cx="9906000" cy="2712720"/>
+        </p:xfrm>
+        <a:graphic>
+          <a:graphicData uri="http://schemas.openxmlformats.org/drawingml/2006/table">
+            <a:tbl>
+              <a:tblPr firstRow="1" bandRow="1">
+                <a:tableStyleId>{7DF18680-E054-41AD-8BC1-D1AEF772440D}</a:tableStyleId>
+              </a:tblPr>
+              <a:tblGrid>
+                <a:gridCol w="1238250"/>
+                <a:gridCol w="1238250"/>
+                <a:gridCol w="1238250"/>
+                <a:gridCol w="1238250"/>
+                <a:gridCol w="1238250"/>
+                <a:gridCol w="1238250"/>
+                <a:gridCol w="1238250"/>
+                <a:gridCol w="1238250"/>
+              </a:tblGrid>
+              <a:tr h="370840">
+                <a:tc>
+                  <a:txBody>
+                    <a:bodyPr/>
+                    <a:lstStyle/>
+                    <a:p>
+                      <a:pPr algn="just">
+                        <a:spcAft>
+                          <a:spcPts val="0"/>
+                        </a:spcAft>
+                      </a:pPr>
+                      <a:r>
+                        <a:rPr lang="en-US" sz="1200" kern="100" dirty="0">
+                          <a:effectLst/>
+                          <a:latin typeface="DengXian" charset="0"/>
+                          <a:ea typeface="DengXian" charset="0"/>
+                          <a:cs typeface="Times New Roman" charset="0"/>
+                        </a:rPr>
+                        <a:t>S. No.</a:t>
+                      </a:r>
+                    </a:p>
+                  </a:txBody>
+                  <a:tcPr marL="68580" marR="68580" marT="0" marB="0"/>
+                </a:tc>
+                <a:tc>
+                  <a:txBody>
+                    <a:bodyPr/>
+                    <a:lstStyle/>
+                    <a:p>
+                      <a:pPr algn="just">
+                        <a:spcAft>
+                          <a:spcPts val="0"/>
+                        </a:spcAft>
+                      </a:pPr>
+                      <a:r>
+                        <a:rPr lang="en-US" sz="1200" kern="100">
+                          <a:effectLst/>
+                          <a:latin typeface="DengXian" charset="0"/>
+                          <a:ea typeface="DengXian" charset="0"/>
+                          <a:cs typeface="Times New Roman" charset="0"/>
+                        </a:rPr>
+                        <a:t>As a &lt;&lt;type of user&gt;&gt;</a:t>
+                      </a:r>
+                    </a:p>
+                  </a:txBody>
+                  <a:tcPr marL="68580" marR="68580" marT="0" marB="0"/>
+                </a:tc>
+                <a:tc>
+                  <a:txBody>
+                    <a:bodyPr/>
+                    <a:lstStyle/>
+                    <a:p>
+                      <a:pPr algn="just">
+                        <a:spcAft>
+                          <a:spcPts val="0"/>
+                        </a:spcAft>
+                      </a:pPr>
+                      <a:r>
+                        <a:rPr lang="en-US" sz="1200" kern="100">
+                          <a:effectLst/>
+                          <a:latin typeface="DengXian" charset="0"/>
+                          <a:ea typeface="DengXian" charset="0"/>
+                          <a:cs typeface="Times New Roman" charset="0"/>
+                        </a:rPr>
+                        <a:t>I want &lt;&lt;some goal&gt;&gt;</a:t>
+                      </a:r>
+                    </a:p>
+                  </a:txBody>
+                  <a:tcPr marL="68580" marR="68580" marT="0" marB="0"/>
+                </a:tc>
+                <a:tc>
+                  <a:txBody>
+                    <a:bodyPr/>
+                    <a:lstStyle/>
+                    <a:p>
+                      <a:pPr algn="just">
+                        <a:spcAft>
+                          <a:spcPts val="0"/>
+                        </a:spcAft>
+                      </a:pPr>
+                      <a:r>
+                        <a:rPr lang="en-US" sz="1200" kern="100">
+                          <a:effectLst/>
+                          <a:latin typeface="DengXian" charset="0"/>
+                          <a:ea typeface="DengXian" charset="0"/>
+                          <a:cs typeface="Times New Roman" charset="0"/>
+                        </a:rPr>
+                        <a:t>So that &lt;&lt;reason&gt;&gt;</a:t>
+                      </a:r>
+                    </a:p>
+                  </a:txBody>
+                  <a:tcPr marL="68580" marR="68580" marT="0" marB="0"/>
+                </a:tc>
+                <a:tc>
+                  <a:txBody>
+                    <a:bodyPr/>
+                    <a:lstStyle/>
+                    <a:p>
+                      <a:pPr algn="just">
+                        <a:spcAft>
+                          <a:spcPts val="0"/>
+                        </a:spcAft>
+                      </a:pPr>
+                      <a:r>
+                        <a:rPr lang="en-US" sz="1200" kern="100">
+                          <a:effectLst/>
+                          <a:latin typeface="DengXian" charset="0"/>
+                          <a:ea typeface="DengXian" charset="0"/>
+                          <a:cs typeface="Times New Roman" charset="0"/>
+                        </a:rPr>
+                        <a:t>Date introduced</a:t>
+                      </a:r>
+                    </a:p>
+                  </a:txBody>
+                  <a:tcPr marL="68580" marR="68580" marT="0" marB="0"/>
+                </a:tc>
+                <a:tc>
+                  <a:txBody>
+                    <a:bodyPr/>
+                    <a:lstStyle/>
+                    <a:p>
+                      <a:pPr algn="just">
+                        <a:spcAft>
+                          <a:spcPts val="0"/>
+                        </a:spcAft>
+                      </a:pPr>
+                      <a:r>
+                        <a:rPr lang="en-US" sz="1200" kern="100">
+                          <a:effectLst/>
+                          <a:latin typeface="DengXian" charset="0"/>
+                          <a:ea typeface="DengXian" charset="0"/>
+                          <a:cs typeface="Times New Roman" charset="0"/>
+                        </a:rPr>
+                        <a:t>Date considered for implementation</a:t>
+                      </a:r>
+                    </a:p>
+                  </a:txBody>
+                  <a:tcPr marL="68580" marR="68580" marT="0" marB="0"/>
+                </a:tc>
+                <a:tc>
+                  <a:txBody>
+                    <a:bodyPr/>
+                    <a:lstStyle/>
+                    <a:p>
+                      <a:pPr algn="just">
+                        <a:spcAft>
+                          <a:spcPts val="0"/>
+                        </a:spcAft>
+                      </a:pPr>
+                      <a:r>
+                        <a:rPr lang="en-US" sz="1200" kern="100">
+                          <a:effectLst/>
+                          <a:latin typeface="DengXian" charset="0"/>
+                          <a:ea typeface="DengXian" charset="0"/>
+                          <a:cs typeface="Times New Roman" charset="0"/>
+                        </a:rPr>
+                        <a:t>Developer responsible for</a:t>
+                      </a:r>
+                    </a:p>
+                  </a:txBody>
+                  <a:tcPr marL="68580" marR="68580" marT="0" marB="0"/>
+                </a:tc>
+                <a:tc>
+                  <a:txBody>
+                    <a:bodyPr/>
+                    <a:lstStyle/>
+                    <a:p>
+                      <a:pPr algn="just">
+                        <a:spcAft>
+                          <a:spcPts val="0"/>
+                        </a:spcAft>
+                      </a:pPr>
+                      <a:r>
+                        <a:rPr lang="en-US" sz="1200" kern="100" dirty="0">
+                          <a:effectLst/>
+                          <a:latin typeface="DengXian" charset="0"/>
+                          <a:ea typeface="DengXian" charset="0"/>
+                          <a:cs typeface="Times New Roman" charset="0"/>
+                        </a:rPr>
+                        <a:t>Current Status</a:t>
+                      </a:r>
+                    </a:p>
+                  </a:txBody>
+                  <a:tcPr marL="68580" marR="68580" marT="0" marB="0"/>
+                </a:tc>
+              </a:tr>
+              <a:tr h="370840">
+                <a:tc>
+                  <a:txBody>
+                    <a:bodyPr/>
+                    <a:lstStyle/>
+                    <a:p>
+                      <a:pPr algn="ctr"/>
+                      <a:r>
+                        <a:rPr lang="en-US" altLang="zh-CN" dirty="0" smtClean="0"/>
+                        <a:t>5</a:t>
+                      </a:r>
+                      <a:endParaRPr lang="en-US" dirty="0"/>
+                    </a:p>
+                  </a:txBody>
+                  <a:tcPr/>
+                </a:tc>
+                <a:tc>
+                  <a:txBody>
+                    <a:bodyPr/>
+                    <a:lstStyle/>
+                    <a:p>
+                      <a:pPr algn="ctr">
+                        <a:spcAft>
+                          <a:spcPts val="0"/>
+                        </a:spcAft>
+                      </a:pPr>
+                      <a:r>
+                        <a:rPr lang="en-US" sz="1200" kern="100" dirty="0">
+                          <a:effectLst/>
+                          <a:latin typeface="DengXian" charset="0"/>
+                          <a:ea typeface="DengXian" charset="0"/>
+                          <a:cs typeface="Times New Roman" charset="0"/>
+                        </a:rPr>
+                        <a:t>User</a:t>
+                      </a:r>
+                    </a:p>
+                  </a:txBody>
+                  <a:tcPr marL="68580" marR="68580" marT="0" marB="0"/>
+                </a:tc>
+                <a:tc>
+                  <a:txBody>
+                    <a:bodyPr/>
+                    <a:lstStyle/>
+                    <a:p>
+                      <a:pPr algn="ctr">
+                        <a:spcAft>
+                          <a:spcPts val="0"/>
+                        </a:spcAft>
+                      </a:pPr>
+                      <a:r>
+                        <a:rPr lang="en-US" sz="1000" kern="100">
+                          <a:effectLst/>
+                          <a:latin typeface="DengXian" charset="0"/>
+                          <a:ea typeface="DengXian" charset="0"/>
+                          <a:cs typeface="Times New Roman" charset="0"/>
+                        </a:rPr>
+                        <a:t>Load environment files</a:t>
+                      </a:r>
+                      <a:endParaRPr lang="en-US" sz="1200" kern="100">
+                        <a:effectLst/>
+                        <a:latin typeface="DengXian" charset="0"/>
+                        <a:ea typeface="DengXian" charset="0"/>
+                        <a:cs typeface="Times New Roman" charset="0"/>
+                      </a:endParaRPr>
+                    </a:p>
+                  </a:txBody>
+                  <a:tcPr marL="68580" marR="68580" marT="0" marB="0"/>
+                </a:tc>
+                <a:tc>
+                  <a:txBody>
+                    <a:bodyPr/>
+                    <a:lstStyle/>
+                    <a:p>
+                      <a:pPr algn="ctr">
+                        <a:spcAft>
+                          <a:spcPts val="0"/>
+                        </a:spcAft>
+                      </a:pPr>
+                      <a:r>
+                        <a:rPr lang="en-US" sz="1000" kern="100">
+                          <a:effectLst/>
+                          <a:latin typeface="DengXian" charset="0"/>
+                          <a:ea typeface="DengXian" charset="0"/>
+                          <a:cs typeface="Times New Roman" charset="0"/>
+                        </a:rPr>
+                        <a:t>User can use files to load initial environment</a:t>
+                      </a:r>
+                      <a:endParaRPr lang="en-US" sz="1200" kern="100">
+                        <a:effectLst/>
+                        <a:latin typeface="DengXian" charset="0"/>
+                        <a:ea typeface="DengXian" charset="0"/>
+                        <a:cs typeface="Times New Roman" charset="0"/>
+                      </a:endParaRPr>
+                    </a:p>
+                  </a:txBody>
+                  <a:tcPr marL="68580" marR="68580" marT="0" marB="0"/>
+                </a:tc>
+                <a:tc>
+                  <a:txBody>
+                    <a:bodyPr/>
+                    <a:lstStyle/>
+                    <a:p>
+                      <a:pPr algn="ctr">
+                        <a:spcAft>
+                          <a:spcPts val="0"/>
+                        </a:spcAft>
+                      </a:pPr>
+                      <a:r>
+                        <a:rPr lang="en-US" sz="1200" kern="100">
+                          <a:effectLst/>
+                          <a:latin typeface="DengXian" charset="0"/>
+                          <a:ea typeface="DengXian" charset="0"/>
+                          <a:cs typeface="Times New Roman" charset="0"/>
+                        </a:rPr>
+                        <a:t>Feb 24, 2017</a:t>
+                      </a:r>
+                    </a:p>
+                  </a:txBody>
+                  <a:tcPr marL="68580" marR="68580" marT="0" marB="0"/>
+                </a:tc>
+                <a:tc>
+                  <a:txBody>
+                    <a:bodyPr/>
+                    <a:lstStyle/>
+                    <a:p>
+                      <a:pPr algn="ctr">
+                        <a:spcAft>
+                          <a:spcPts val="0"/>
+                        </a:spcAft>
+                      </a:pPr>
+                      <a:r>
+                        <a:rPr lang="en-US" sz="1200" kern="100">
+                          <a:effectLst/>
+                          <a:latin typeface="DengXian" charset="0"/>
+                          <a:ea typeface="DengXian" charset="0"/>
+                          <a:cs typeface="Times New Roman" charset="0"/>
+                        </a:rPr>
+                        <a:t>March 4, 2017</a:t>
+                      </a:r>
+                    </a:p>
+                  </a:txBody>
+                  <a:tcPr marL="68580" marR="68580" marT="0" marB="0"/>
+                </a:tc>
+                <a:tc>
+                  <a:txBody>
+                    <a:bodyPr/>
+                    <a:lstStyle/>
+                    <a:p>
+                      <a:pPr algn="ctr">
+                        <a:spcAft>
+                          <a:spcPts val="0"/>
+                        </a:spcAft>
+                      </a:pPr>
+                      <a:r>
+                        <a:rPr lang="en-US" sz="1200" kern="100">
+                          <a:effectLst/>
+                          <a:latin typeface="DengXian" charset="0"/>
+                          <a:ea typeface="DengXian" charset="0"/>
+                          <a:cs typeface="Times New Roman" charset="0"/>
+                        </a:rPr>
+                        <a:t>Ying Jiang</a:t>
+                      </a:r>
+                    </a:p>
+                  </a:txBody>
+                  <a:tcPr marL="68580" marR="68580" marT="0" marB="0"/>
+                </a:tc>
+                <a:tc>
+                  <a:txBody>
+                    <a:bodyPr/>
+                    <a:lstStyle/>
+                    <a:p>
+                      <a:pPr algn="ctr">
+                        <a:spcAft>
+                          <a:spcPts val="0"/>
+                        </a:spcAft>
+                      </a:pPr>
+                      <a:r>
+                        <a:rPr lang="en-US" sz="1200" kern="100" dirty="0">
+                          <a:effectLst/>
+                          <a:latin typeface="DengXian" charset="0"/>
+                          <a:ea typeface="DengXian" charset="0"/>
+                          <a:cs typeface="Times New Roman" charset="0"/>
+                        </a:rPr>
+                        <a:t>In progress</a:t>
+                      </a:r>
+                    </a:p>
+                  </a:txBody>
+                  <a:tcPr marL="68580" marR="68580" marT="0" marB="0"/>
+                </a:tc>
+              </a:tr>
+              <a:tr h="370840">
+                <a:tc>
+                  <a:txBody>
+                    <a:bodyPr/>
+                    <a:lstStyle/>
+                    <a:p>
+                      <a:pPr algn="ctr"/>
+                      <a:r>
+                        <a:rPr lang="en-US" altLang="zh-CN" dirty="0" smtClean="0"/>
+                        <a:t>7</a:t>
+                      </a:r>
+                      <a:endParaRPr lang="en-US" dirty="0"/>
+                    </a:p>
+                  </a:txBody>
+                  <a:tcPr/>
+                </a:tc>
+                <a:tc>
+                  <a:txBody>
+                    <a:bodyPr/>
+                    <a:lstStyle/>
+                    <a:p>
+                      <a:pPr algn="ctr">
+                        <a:spcAft>
+                          <a:spcPts val="0"/>
+                        </a:spcAft>
+                      </a:pPr>
+                      <a:r>
+                        <a:rPr lang="en-US" sz="1200" kern="100">
+                          <a:effectLst/>
+                          <a:latin typeface="DengXian" charset="0"/>
+                          <a:ea typeface="DengXian" charset="0"/>
+                          <a:cs typeface="Times New Roman" charset="0"/>
+                        </a:rPr>
+                        <a:t>User</a:t>
+                      </a:r>
+                    </a:p>
+                  </a:txBody>
+                  <a:tcPr marL="68580" marR="68580" marT="0" marB="0"/>
+                </a:tc>
+                <a:tc>
+                  <a:txBody>
+                    <a:bodyPr/>
+                    <a:lstStyle/>
+                    <a:p>
+                      <a:pPr algn="ctr">
+                        <a:spcAft>
+                          <a:spcPts val="0"/>
+                        </a:spcAft>
+                      </a:pPr>
+                      <a:r>
+                        <a:rPr lang="en-US" sz="1000" kern="100" dirty="0">
+                          <a:effectLst/>
+                          <a:latin typeface="DengXian" charset="0"/>
+                          <a:ea typeface="DengXian" charset="0"/>
+                          <a:cs typeface="Times New Roman" charset="0"/>
+                        </a:rPr>
+                        <a:t>View graphical view of each region</a:t>
+                      </a:r>
+                      <a:endParaRPr lang="en-US" sz="1200" kern="100" dirty="0">
+                        <a:effectLst/>
+                        <a:latin typeface="DengXian" charset="0"/>
+                        <a:ea typeface="DengXian" charset="0"/>
+                        <a:cs typeface="Times New Roman" charset="0"/>
+                      </a:endParaRPr>
+                    </a:p>
+                  </a:txBody>
+                  <a:tcPr marL="68580" marR="68580" marT="0" marB="0"/>
+                </a:tc>
+                <a:tc>
+                  <a:txBody>
+                    <a:bodyPr/>
+                    <a:lstStyle/>
+                    <a:p>
+                      <a:pPr algn="ctr">
+                        <a:spcAft>
+                          <a:spcPts val="0"/>
+                        </a:spcAft>
+                      </a:pPr>
+                      <a:r>
+                        <a:rPr lang="en-US" sz="1000" kern="100" dirty="0">
+                          <a:effectLst/>
+                          <a:latin typeface="DengXian" charset="0"/>
+                          <a:ea typeface="DengXian" charset="0"/>
+                          <a:cs typeface="Times New Roman" charset="0"/>
+                        </a:rPr>
+                        <a:t>User can view run time information of each region</a:t>
+                      </a:r>
+                      <a:endParaRPr lang="en-US" sz="1200" kern="100" dirty="0">
+                        <a:effectLst/>
+                        <a:latin typeface="DengXian" charset="0"/>
+                        <a:ea typeface="DengXian" charset="0"/>
+                        <a:cs typeface="Times New Roman" charset="0"/>
+                      </a:endParaRPr>
+                    </a:p>
+                  </a:txBody>
+                  <a:tcPr marL="68580" marR="68580" marT="0" marB="0"/>
+                </a:tc>
+                <a:tc>
+                  <a:txBody>
+                    <a:bodyPr/>
+                    <a:lstStyle/>
+                    <a:p>
+                      <a:pPr algn="ctr">
+                        <a:spcAft>
+                          <a:spcPts val="0"/>
+                        </a:spcAft>
+                      </a:pPr>
+                      <a:r>
+                        <a:rPr lang="en-US" sz="1200" kern="100" dirty="0">
+                          <a:effectLst/>
+                          <a:latin typeface="DengXian" charset="0"/>
+                          <a:ea typeface="DengXian" charset="0"/>
+                          <a:cs typeface="Times New Roman" charset="0"/>
+                        </a:rPr>
+                        <a:t>Feb 24, 2017</a:t>
+                      </a:r>
+                    </a:p>
+                  </a:txBody>
+                  <a:tcPr marL="68580" marR="68580" marT="0" marB="0"/>
+                </a:tc>
+                <a:tc>
+                  <a:txBody>
+                    <a:bodyPr/>
+                    <a:lstStyle/>
+                    <a:p>
+                      <a:pPr algn="ctr">
+                        <a:spcAft>
+                          <a:spcPts val="0"/>
+                        </a:spcAft>
+                      </a:pPr>
+                      <a:r>
+                        <a:rPr lang="en-US" sz="1200" kern="100" dirty="0">
+                          <a:effectLst/>
+                          <a:latin typeface="DengXian" charset="0"/>
+                          <a:ea typeface="DengXian" charset="0"/>
+                          <a:cs typeface="Times New Roman" charset="0"/>
+                        </a:rPr>
+                        <a:t>March 4, 2017</a:t>
+                      </a:r>
+                    </a:p>
+                  </a:txBody>
+                  <a:tcPr marL="68580" marR="68580" marT="0" marB="0"/>
+                </a:tc>
+                <a:tc>
+                  <a:txBody>
+                    <a:bodyPr/>
+                    <a:lstStyle/>
+                    <a:p>
+                      <a:pPr algn="ctr">
+                        <a:spcAft>
+                          <a:spcPts val="0"/>
+                        </a:spcAft>
+                      </a:pPr>
+                      <a:r>
+                        <a:rPr lang="en-US" sz="1200" kern="100" dirty="0" err="1">
+                          <a:effectLst/>
+                          <a:latin typeface="DengXian" charset="0"/>
+                          <a:ea typeface="DengXian" charset="0"/>
+                          <a:cs typeface="Times New Roman" charset="0"/>
+                        </a:rPr>
+                        <a:t>Dezheng</a:t>
+                      </a:r>
+                      <a:r>
+                        <a:rPr lang="en-US" sz="1200" kern="100" dirty="0">
+                          <a:effectLst/>
+                          <a:latin typeface="DengXian" charset="0"/>
+                          <a:ea typeface="DengXian" charset="0"/>
+                          <a:cs typeface="Times New Roman" charset="0"/>
+                        </a:rPr>
+                        <a:t> Wang</a:t>
+                      </a:r>
+                    </a:p>
+                  </a:txBody>
+                  <a:tcPr marL="68580" marR="68580" marT="0" marB="0"/>
+                </a:tc>
+                <a:tc>
+                  <a:txBody>
+                    <a:bodyPr/>
+                    <a:lstStyle/>
+                    <a:p>
+                      <a:pPr algn="ctr">
+                        <a:spcAft>
+                          <a:spcPts val="0"/>
+                        </a:spcAft>
+                      </a:pPr>
+                      <a:r>
+                        <a:rPr lang="en-US" sz="1200" kern="100" dirty="0">
+                          <a:effectLst/>
+                          <a:latin typeface="DengXian" charset="0"/>
+                          <a:ea typeface="DengXian" charset="0"/>
+                          <a:cs typeface="Times New Roman" charset="0"/>
+                        </a:rPr>
+                        <a:t>In progress</a:t>
+                      </a:r>
+                    </a:p>
+                  </a:txBody>
+                  <a:tcPr marL="68580" marR="68580" marT="0" marB="0"/>
+                </a:tc>
+              </a:tr>
+              <a:tr h="370840">
+                <a:tc>
+                  <a:txBody>
+                    <a:bodyPr/>
+                    <a:lstStyle/>
+                    <a:p>
+                      <a:pPr algn="ctr"/>
+                      <a:r>
+                        <a:rPr lang="en-US" altLang="zh-CN" dirty="0" smtClean="0"/>
+                        <a:t>8</a:t>
+                      </a:r>
+                      <a:endParaRPr lang="en-US" dirty="0"/>
+                    </a:p>
+                  </a:txBody>
+                  <a:tcPr/>
+                </a:tc>
+                <a:tc>
+                  <a:txBody>
+                    <a:bodyPr/>
+                    <a:lstStyle/>
+                    <a:p>
+                      <a:pPr algn="ctr">
+                        <a:spcAft>
+                          <a:spcPts val="0"/>
+                        </a:spcAft>
+                      </a:pPr>
+                      <a:r>
+                        <a:rPr lang="en-US" sz="1200" kern="100" dirty="0">
+                          <a:effectLst/>
+                          <a:latin typeface="DengXian" charset="0"/>
+                          <a:ea typeface="DengXian" charset="0"/>
+                          <a:cs typeface="Times New Roman" charset="0"/>
+                        </a:rPr>
+                        <a:t>User</a:t>
+                      </a:r>
+                    </a:p>
+                  </a:txBody>
+                  <a:tcPr marL="68580" marR="68580" marT="0" marB="0"/>
+                </a:tc>
+                <a:tc>
+                  <a:txBody>
+                    <a:bodyPr/>
+                    <a:lstStyle/>
+                    <a:p>
+                      <a:pPr algn="ctr">
+                        <a:spcAft>
+                          <a:spcPts val="0"/>
+                        </a:spcAft>
+                      </a:pPr>
+                      <a:r>
+                        <a:rPr lang="en-US" sz="1000" kern="100" dirty="0">
+                          <a:effectLst/>
+                          <a:latin typeface="DengXian" charset="0"/>
+                          <a:ea typeface="DengXian" charset="0"/>
+                          <a:cs typeface="Times New Roman" charset="0"/>
+                        </a:rPr>
+                        <a:t>View details of agents in each node in graphical view</a:t>
+                      </a:r>
+                      <a:endParaRPr lang="en-US" sz="1200" kern="100" dirty="0">
+                        <a:effectLst/>
+                        <a:latin typeface="DengXian" charset="0"/>
+                        <a:ea typeface="DengXian" charset="0"/>
+                        <a:cs typeface="Times New Roman" charset="0"/>
+                      </a:endParaRPr>
+                    </a:p>
+                  </a:txBody>
+                  <a:tcPr marL="68580" marR="68580" marT="0" marB="0"/>
+                </a:tc>
+                <a:tc>
+                  <a:txBody>
+                    <a:bodyPr/>
+                    <a:lstStyle/>
+                    <a:p>
+                      <a:pPr algn="ctr">
+                        <a:spcAft>
+                          <a:spcPts val="0"/>
+                        </a:spcAft>
+                      </a:pPr>
+                      <a:r>
+                        <a:rPr lang="en-US" sz="1000" kern="100" dirty="0">
+                          <a:effectLst/>
+                          <a:latin typeface="DengXian" charset="0"/>
+                          <a:ea typeface="DengXian" charset="0"/>
+                          <a:cs typeface="Times New Roman" charset="0"/>
+                        </a:rPr>
+                        <a:t>User can see each agent’s information</a:t>
+                      </a:r>
+                      <a:endParaRPr lang="en-US" sz="1200" kern="100" dirty="0">
+                        <a:effectLst/>
+                        <a:latin typeface="DengXian" charset="0"/>
+                        <a:ea typeface="DengXian" charset="0"/>
+                        <a:cs typeface="Times New Roman" charset="0"/>
+                      </a:endParaRPr>
+                    </a:p>
+                  </a:txBody>
+                  <a:tcPr marL="68580" marR="68580" marT="0" marB="0"/>
+                </a:tc>
+                <a:tc>
+                  <a:txBody>
+                    <a:bodyPr/>
+                    <a:lstStyle/>
+                    <a:p>
+                      <a:pPr algn="ctr">
+                        <a:spcAft>
+                          <a:spcPts val="0"/>
+                        </a:spcAft>
+                      </a:pPr>
+                      <a:r>
+                        <a:rPr lang="en-US" sz="1200" kern="100" dirty="0">
+                          <a:effectLst/>
+                          <a:latin typeface="DengXian" charset="0"/>
+                          <a:ea typeface="DengXian" charset="0"/>
+                          <a:cs typeface="Times New Roman" charset="0"/>
+                        </a:rPr>
+                        <a:t>Feb 24, 2017</a:t>
+                      </a:r>
+                    </a:p>
+                  </a:txBody>
+                  <a:tcPr marL="68580" marR="68580" marT="0" marB="0"/>
+                </a:tc>
+                <a:tc>
+                  <a:txBody>
+                    <a:bodyPr/>
+                    <a:lstStyle/>
+                    <a:p>
+                      <a:pPr algn="ctr">
+                        <a:spcAft>
+                          <a:spcPts val="0"/>
+                        </a:spcAft>
+                      </a:pPr>
+                      <a:r>
+                        <a:rPr lang="en-US" sz="1200" kern="100" dirty="0">
+                          <a:effectLst/>
+                          <a:latin typeface="DengXian" charset="0"/>
+                          <a:ea typeface="DengXian" charset="0"/>
+                          <a:cs typeface="Times New Roman" charset="0"/>
+                        </a:rPr>
+                        <a:t>March 4, 2017</a:t>
+                      </a:r>
+                    </a:p>
+                  </a:txBody>
+                  <a:tcPr marL="68580" marR="68580" marT="0" marB="0"/>
+                </a:tc>
+                <a:tc>
+                  <a:txBody>
+                    <a:bodyPr/>
+                    <a:lstStyle/>
+                    <a:p>
+                      <a:pPr algn="ctr">
+                        <a:spcAft>
+                          <a:spcPts val="0"/>
+                        </a:spcAft>
+                      </a:pPr>
+                      <a:r>
+                        <a:rPr lang="en-US" sz="1200" kern="100" dirty="0" err="1">
+                          <a:effectLst/>
+                          <a:latin typeface="DengXian" charset="0"/>
+                          <a:ea typeface="DengXian" charset="0"/>
+                          <a:cs typeface="Times New Roman" charset="0"/>
+                        </a:rPr>
+                        <a:t>Dezheng</a:t>
+                      </a:r>
+                      <a:r>
+                        <a:rPr lang="en-US" sz="1200" kern="100" dirty="0">
+                          <a:effectLst/>
+                          <a:latin typeface="DengXian" charset="0"/>
+                          <a:ea typeface="DengXian" charset="0"/>
+                          <a:cs typeface="Times New Roman" charset="0"/>
+                        </a:rPr>
+                        <a:t> Wang</a:t>
+                      </a:r>
+                    </a:p>
+                  </a:txBody>
+                  <a:tcPr marL="68580" marR="68580" marT="0" marB="0"/>
+                </a:tc>
+                <a:tc>
+                  <a:txBody>
+                    <a:bodyPr/>
+                    <a:lstStyle/>
+                    <a:p>
+                      <a:pPr algn="ctr">
+                        <a:spcAft>
+                          <a:spcPts val="0"/>
+                        </a:spcAft>
+                      </a:pPr>
+                      <a:r>
+                        <a:rPr lang="en-US" sz="1200" kern="100" dirty="0">
+                          <a:effectLst/>
+                          <a:latin typeface="DengXian" charset="0"/>
+                          <a:ea typeface="DengXian" charset="0"/>
+                          <a:cs typeface="Times New Roman" charset="0"/>
+                        </a:rPr>
+                        <a:t>In progress</a:t>
+                      </a:r>
+                    </a:p>
+                  </a:txBody>
+                  <a:tcPr marL="68580" marR="68580" marT="0" marB="0"/>
+                </a:tc>
+              </a:tr>
+              <a:tr h="370840">
+                <a:tc>
+                  <a:txBody>
+                    <a:bodyPr/>
+                    <a:lstStyle/>
+                    <a:p>
+                      <a:pPr algn="ctr"/>
+                      <a:r>
+                        <a:rPr lang="en-US" altLang="zh-CN" dirty="0" smtClean="0"/>
+                        <a:t>10</a:t>
+                      </a:r>
+                      <a:endParaRPr lang="en-US" dirty="0"/>
+                    </a:p>
+                  </a:txBody>
+                  <a:tcPr/>
+                </a:tc>
+                <a:tc>
+                  <a:txBody>
+                    <a:bodyPr/>
+                    <a:lstStyle/>
+                    <a:p>
+                      <a:pPr algn="ctr">
+                        <a:spcAft>
+                          <a:spcPts val="0"/>
+                        </a:spcAft>
+                      </a:pPr>
+                      <a:r>
+                        <a:rPr lang="en-US" sz="1200" kern="100">
+                          <a:effectLst/>
+                          <a:latin typeface="DengXian" charset="0"/>
+                          <a:ea typeface="DengXian" charset="0"/>
+                          <a:cs typeface="Times New Roman" charset="0"/>
+                        </a:rPr>
+                        <a:t>User</a:t>
+                      </a:r>
+                    </a:p>
+                  </a:txBody>
+                  <a:tcPr marL="68580" marR="68580" marT="0" marB="0"/>
+                </a:tc>
+                <a:tc>
+                  <a:txBody>
+                    <a:bodyPr/>
+                    <a:lstStyle/>
+                    <a:p>
+                      <a:pPr algn="ctr">
+                        <a:spcAft>
+                          <a:spcPts val="0"/>
+                        </a:spcAft>
+                      </a:pPr>
+                      <a:r>
+                        <a:rPr lang="en-US" sz="1000" kern="100">
+                          <a:effectLst/>
+                          <a:latin typeface="DengXian" charset="0"/>
+                          <a:ea typeface="DengXian" charset="0"/>
+                          <a:cs typeface="Times New Roman" charset="0"/>
+                        </a:rPr>
+                        <a:t>Save run time information of a run as a file</a:t>
+                      </a:r>
+                      <a:endParaRPr lang="en-US" sz="1200" kern="100">
+                        <a:effectLst/>
+                        <a:latin typeface="DengXian" charset="0"/>
+                        <a:ea typeface="DengXian" charset="0"/>
+                        <a:cs typeface="Times New Roman" charset="0"/>
+                      </a:endParaRPr>
+                    </a:p>
+                  </a:txBody>
+                  <a:tcPr marL="68580" marR="68580" marT="0" marB="0"/>
+                </a:tc>
+                <a:tc>
+                  <a:txBody>
+                    <a:bodyPr/>
+                    <a:lstStyle/>
+                    <a:p>
+                      <a:pPr algn="ctr">
+                        <a:spcAft>
+                          <a:spcPts val="0"/>
+                        </a:spcAft>
+                      </a:pPr>
+                      <a:r>
+                        <a:rPr lang="en-US" sz="1000" kern="100">
+                          <a:effectLst/>
+                          <a:latin typeface="DengXian" charset="0"/>
+                          <a:ea typeface="DengXian" charset="0"/>
+                          <a:cs typeface="Times New Roman" charset="0"/>
+                        </a:rPr>
+                        <a:t>User can view it at any time</a:t>
+                      </a:r>
+                      <a:endParaRPr lang="en-US" sz="1200" kern="100">
+                        <a:effectLst/>
+                        <a:latin typeface="DengXian" charset="0"/>
+                        <a:ea typeface="DengXian" charset="0"/>
+                        <a:cs typeface="Times New Roman" charset="0"/>
+                      </a:endParaRPr>
+                    </a:p>
+                  </a:txBody>
+                  <a:tcPr marL="68580" marR="68580" marT="0" marB="0"/>
+                </a:tc>
+                <a:tc>
+                  <a:txBody>
+                    <a:bodyPr/>
+                    <a:lstStyle/>
+                    <a:p>
+                      <a:pPr algn="ctr">
+                        <a:spcAft>
+                          <a:spcPts val="0"/>
+                        </a:spcAft>
+                      </a:pPr>
+                      <a:r>
+                        <a:rPr lang="en-US" sz="1200" kern="100">
+                          <a:effectLst/>
+                          <a:latin typeface="DengXian" charset="0"/>
+                          <a:ea typeface="DengXian" charset="0"/>
+                          <a:cs typeface="Times New Roman" charset="0"/>
+                        </a:rPr>
+                        <a:t>Feb 24, 2017</a:t>
+                      </a:r>
+                    </a:p>
+                  </a:txBody>
+                  <a:tcPr marL="68580" marR="68580" marT="0" marB="0"/>
+                </a:tc>
+                <a:tc>
+                  <a:txBody>
+                    <a:bodyPr/>
+                    <a:lstStyle/>
+                    <a:p>
+                      <a:pPr algn="ctr">
+                        <a:spcAft>
+                          <a:spcPts val="0"/>
+                        </a:spcAft>
+                      </a:pPr>
+                      <a:r>
+                        <a:rPr lang="en-US" sz="1200" kern="100">
+                          <a:effectLst/>
+                          <a:latin typeface="DengXian" charset="0"/>
+                          <a:ea typeface="DengXian" charset="0"/>
+                          <a:cs typeface="Times New Roman" charset="0"/>
+                        </a:rPr>
+                        <a:t>March 4, 2017</a:t>
+                      </a:r>
+                    </a:p>
+                  </a:txBody>
+                  <a:tcPr marL="68580" marR="68580" marT="0" marB="0"/>
+                </a:tc>
+                <a:tc>
+                  <a:txBody>
+                    <a:bodyPr/>
+                    <a:lstStyle/>
+                    <a:p>
+                      <a:pPr algn="ctr">
+                        <a:spcAft>
+                          <a:spcPts val="0"/>
+                        </a:spcAft>
+                      </a:pPr>
+                      <a:r>
+                        <a:rPr lang="en-US" sz="1200" kern="100">
+                          <a:effectLst/>
+                          <a:latin typeface="DengXian" charset="0"/>
+                          <a:ea typeface="DengXian" charset="0"/>
+                          <a:cs typeface="Times New Roman" charset="0"/>
+                        </a:rPr>
+                        <a:t>Ying Jiang</a:t>
+                      </a:r>
+                    </a:p>
+                  </a:txBody>
+                  <a:tcPr marL="68580" marR="68580" marT="0" marB="0"/>
+                </a:tc>
+                <a:tc>
+                  <a:txBody>
+                    <a:bodyPr/>
+                    <a:lstStyle/>
+                    <a:p>
+                      <a:pPr algn="ctr">
+                        <a:spcAft>
+                          <a:spcPts val="0"/>
+                        </a:spcAft>
+                      </a:pPr>
+                      <a:r>
+                        <a:rPr lang="en-US" sz="1200" kern="100" dirty="0">
+                          <a:effectLst/>
+                          <a:latin typeface="DengXian" charset="0"/>
+                          <a:ea typeface="DengXian" charset="0"/>
+                          <a:cs typeface="Times New Roman" charset="0"/>
+                        </a:rPr>
+                        <a:t>In progress</a:t>
+                      </a:r>
+                    </a:p>
+                  </a:txBody>
+                  <a:tcPr marL="68580" marR="68580" marT="0" marB="0"/>
+                </a:tc>
+              </a:tr>
+            </a:tbl>
+          </a:graphicData>
+        </a:graphic>
+      </p:graphicFrame>
     </p:spTree>
     <p:extLst>
       <p:ext uri="{BB962C8B-B14F-4D97-AF65-F5344CB8AC3E}">
-        <p14:creationId xmlns:p14="http://schemas.microsoft.com/office/powerpoint/2010/main" val="1029402243"/>
+        <p14:creationId xmlns:p14="http://schemas.microsoft.com/office/powerpoint/2010/main" val="1097532850"/>
       </p:ext>
     </p:extLst>
   </p:cSld>
@@ -14188,1070 +15123,6 @@
           <a:chExt cx="0" cy="0"/>
         </a:xfrm>
       </p:grpSpPr>
-      <p:sp>
-        <p:nvSpPr>
-          <p:cNvPr id="2" name="Title 1"/>
-          <p:cNvSpPr>
-            <a:spLocks noGrp="1"/>
-          </p:cNvSpPr>
-          <p:nvPr>
-            <p:ph type="title"/>
-          </p:nvPr>
-        </p:nvSpPr>
-        <p:spPr/>
-        <p:txBody>
-          <a:bodyPr/>
-          <a:lstStyle/>
-          <a:p>
-            <a:pPr algn="ctr"/>
-            <a:r>
-              <a:rPr lang="en-US" dirty="0"/>
-              <a:t>User stories</a:t>
-            </a:r>
-            <a:endParaRPr lang="en-US" dirty="0"/>
-          </a:p>
-        </p:txBody>
-      </p:sp>
-      <p:graphicFrame>
-        <p:nvGraphicFramePr>
-          <p:cNvPr id="4" name="Content Placeholder 3"/>
-          <p:cNvGraphicFramePr>
-            <a:graphicFrameLocks noGrp="1"/>
-          </p:cNvGraphicFramePr>
-          <p:nvPr>
-            <p:ph idx="1"/>
-            <p:extLst>
-              <p:ext uri="{D42A27DB-BD31-4B8C-83A1-F6EECF244321}">
-                <p14:modId xmlns:p14="http://schemas.microsoft.com/office/powerpoint/2010/main" val="1755680573"/>
-              </p:ext>
-            </p:extLst>
-          </p:nvPr>
-        </p:nvGraphicFramePr>
-        <p:xfrm>
-          <a:off x="1141413" y="2249488"/>
-          <a:ext cx="9906000" cy="2712720"/>
-        </p:xfrm>
-        <a:graphic>
-          <a:graphicData uri="http://schemas.openxmlformats.org/drawingml/2006/table">
-            <a:tbl>
-              <a:tblPr firstRow="1" bandRow="1">
-                <a:tableStyleId>{7DF18680-E054-41AD-8BC1-D1AEF772440D}</a:tableStyleId>
-              </a:tblPr>
-              <a:tblGrid>
-                <a:gridCol w="1238250"/>
-                <a:gridCol w="1238250"/>
-                <a:gridCol w="1238250"/>
-                <a:gridCol w="1238250"/>
-                <a:gridCol w="1238250"/>
-                <a:gridCol w="1238250"/>
-                <a:gridCol w="1238250"/>
-                <a:gridCol w="1238250"/>
-              </a:tblGrid>
-              <a:tr h="370840">
-                <a:tc>
-                  <a:txBody>
-                    <a:bodyPr/>
-                    <a:lstStyle/>
-                    <a:p>
-                      <a:pPr algn="just">
-                        <a:spcAft>
-                          <a:spcPts val="0"/>
-                        </a:spcAft>
-                      </a:pPr>
-                      <a:r>
-                        <a:rPr lang="en-US" sz="1200" kern="100" dirty="0">
-                          <a:effectLst/>
-                          <a:latin typeface="DengXian" charset="0"/>
-                          <a:ea typeface="DengXian" charset="0"/>
-                          <a:cs typeface="Times New Roman" charset="0"/>
-                        </a:rPr>
-                        <a:t>S. No.</a:t>
-                      </a:r>
-                    </a:p>
-                  </a:txBody>
-                  <a:tcPr marL="68580" marR="68580" marT="0" marB="0"/>
-                </a:tc>
-                <a:tc>
-                  <a:txBody>
-                    <a:bodyPr/>
-                    <a:lstStyle/>
-                    <a:p>
-                      <a:pPr algn="just">
-                        <a:spcAft>
-                          <a:spcPts val="0"/>
-                        </a:spcAft>
-                      </a:pPr>
-                      <a:r>
-                        <a:rPr lang="en-US" sz="1200" kern="100">
-                          <a:effectLst/>
-                          <a:latin typeface="DengXian" charset="0"/>
-                          <a:ea typeface="DengXian" charset="0"/>
-                          <a:cs typeface="Times New Roman" charset="0"/>
-                        </a:rPr>
-                        <a:t>As a &lt;&lt;type of user&gt;&gt;</a:t>
-                      </a:r>
-                    </a:p>
-                  </a:txBody>
-                  <a:tcPr marL="68580" marR="68580" marT="0" marB="0"/>
-                </a:tc>
-                <a:tc>
-                  <a:txBody>
-                    <a:bodyPr/>
-                    <a:lstStyle/>
-                    <a:p>
-                      <a:pPr algn="just">
-                        <a:spcAft>
-                          <a:spcPts val="0"/>
-                        </a:spcAft>
-                      </a:pPr>
-                      <a:r>
-                        <a:rPr lang="en-US" sz="1200" kern="100">
-                          <a:effectLst/>
-                          <a:latin typeface="DengXian" charset="0"/>
-                          <a:ea typeface="DengXian" charset="0"/>
-                          <a:cs typeface="Times New Roman" charset="0"/>
-                        </a:rPr>
-                        <a:t>I want &lt;&lt;some goal&gt;&gt;</a:t>
-                      </a:r>
-                    </a:p>
-                  </a:txBody>
-                  <a:tcPr marL="68580" marR="68580" marT="0" marB="0"/>
-                </a:tc>
-                <a:tc>
-                  <a:txBody>
-                    <a:bodyPr/>
-                    <a:lstStyle/>
-                    <a:p>
-                      <a:pPr algn="just">
-                        <a:spcAft>
-                          <a:spcPts val="0"/>
-                        </a:spcAft>
-                      </a:pPr>
-                      <a:r>
-                        <a:rPr lang="en-US" sz="1200" kern="100">
-                          <a:effectLst/>
-                          <a:latin typeface="DengXian" charset="0"/>
-                          <a:ea typeface="DengXian" charset="0"/>
-                          <a:cs typeface="Times New Roman" charset="0"/>
-                        </a:rPr>
-                        <a:t>So that &lt;&lt;reason&gt;&gt;</a:t>
-                      </a:r>
-                    </a:p>
-                  </a:txBody>
-                  <a:tcPr marL="68580" marR="68580" marT="0" marB="0"/>
-                </a:tc>
-                <a:tc>
-                  <a:txBody>
-                    <a:bodyPr/>
-                    <a:lstStyle/>
-                    <a:p>
-                      <a:pPr algn="just">
-                        <a:spcAft>
-                          <a:spcPts val="0"/>
-                        </a:spcAft>
-                      </a:pPr>
-                      <a:r>
-                        <a:rPr lang="en-US" sz="1200" kern="100">
-                          <a:effectLst/>
-                          <a:latin typeface="DengXian" charset="0"/>
-                          <a:ea typeface="DengXian" charset="0"/>
-                          <a:cs typeface="Times New Roman" charset="0"/>
-                        </a:rPr>
-                        <a:t>Date introduced</a:t>
-                      </a:r>
-                    </a:p>
-                  </a:txBody>
-                  <a:tcPr marL="68580" marR="68580" marT="0" marB="0"/>
-                </a:tc>
-                <a:tc>
-                  <a:txBody>
-                    <a:bodyPr/>
-                    <a:lstStyle/>
-                    <a:p>
-                      <a:pPr algn="just">
-                        <a:spcAft>
-                          <a:spcPts val="0"/>
-                        </a:spcAft>
-                      </a:pPr>
-                      <a:r>
-                        <a:rPr lang="en-US" sz="1200" kern="100">
-                          <a:effectLst/>
-                          <a:latin typeface="DengXian" charset="0"/>
-                          <a:ea typeface="DengXian" charset="0"/>
-                          <a:cs typeface="Times New Roman" charset="0"/>
-                        </a:rPr>
-                        <a:t>Date considered for implementation</a:t>
-                      </a:r>
-                    </a:p>
-                  </a:txBody>
-                  <a:tcPr marL="68580" marR="68580" marT="0" marB="0"/>
-                </a:tc>
-                <a:tc>
-                  <a:txBody>
-                    <a:bodyPr/>
-                    <a:lstStyle/>
-                    <a:p>
-                      <a:pPr algn="just">
-                        <a:spcAft>
-                          <a:spcPts val="0"/>
-                        </a:spcAft>
-                      </a:pPr>
-                      <a:r>
-                        <a:rPr lang="en-US" sz="1200" kern="100">
-                          <a:effectLst/>
-                          <a:latin typeface="DengXian" charset="0"/>
-                          <a:ea typeface="DengXian" charset="0"/>
-                          <a:cs typeface="Times New Roman" charset="0"/>
-                        </a:rPr>
-                        <a:t>Developer responsible for</a:t>
-                      </a:r>
-                    </a:p>
-                  </a:txBody>
-                  <a:tcPr marL="68580" marR="68580" marT="0" marB="0"/>
-                </a:tc>
-                <a:tc>
-                  <a:txBody>
-                    <a:bodyPr/>
-                    <a:lstStyle/>
-                    <a:p>
-                      <a:pPr algn="just">
-                        <a:spcAft>
-                          <a:spcPts val="0"/>
-                        </a:spcAft>
-                      </a:pPr>
-                      <a:r>
-                        <a:rPr lang="en-US" sz="1200" kern="100" dirty="0">
-                          <a:effectLst/>
-                          <a:latin typeface="DengXian" charset="0"/>
-                          <a:ea typeface="DengXian" charset="0"/>
-                          <a:cs typeface="Times New Roman" charset="0"/>
-                        </a:rPr>
-                        <a:t>Current Status</a:t>
-                      </a:r>
-                    </a:p>
-                  </a:txBody>
-                  <a:tcPr marL="68580" marR="68580" marT="0" marB="0"/>
-                </a:tc>
-              </a:tr>
-              <a:tr h="370840">
-                <a:tc>
-                  <a:txBody>
-                    <a:bodyPr/>
-                    <a:lstStyle/>
-                    <a:p>
-                      <a:pPr algn="ctr"/>
-                      <a:r>
-                        <a:rPr lang="en-US" dirty="0" smtClean="0"/>
-                        <a:t>1</a:t>
-                      </a:r>
-                      <a:endParaRPr lang="en-US" dirty="0"/>
-                    </a:p>
-                  </a:txBody>
-                  <a:tcPr/>
-                </a:tc>
-                <a:tc>
-                  <a:txBody>
-                    <a:bodyPr/>
-                    <a:lstStyle/>
-                    <a:p>
-                      <a:pPr algn="ctr">
-                        <a:spcAft>
-                          <a:spcPts val="0"/>
-                        </a:spcAft>
-                      </a:pPr>
-                      <a:r>
-                        <a:rPr lang="en-US" sz="1200" kern="100" dirty="0">
-                          <a:effectLst/>
-                          <a:latin typeface="DengXian" charset="0"/>
-                          <a:ea typeface="DengXian" charset="0"/>
-                          <a:cs typeface="Times New Roman" charset="0"/>
-                        </a:rPr>
-                        <a:t>User</a:t>
-                      </a:r>
-                    </a:p>
-                  </a:txBody>
-                  <a:tcPr marL="68580" marR="68580" marT="0" marB="0"/>
-                </a:tc>
-                <a:tc>
-                  <a:txBody>
-                    <a:bodyPr/>
-                    <a:lstStyle/>
-                    <a:p>
-                      <a:pPr algn="ctr">
-                        <a:spcAft>
-                          <a:spcPts val="0"/>
-                        </a:spcAft>
-                      </a:pPr>
-                      <a:r>
-                        <a:rPr lang="en-US" sz="1000" kern="100">
-                          <a:effectLst/>
-                          <a:latin typeface="DengXian" charset="0"/>
-                          <a:ea typeface="DengXian" charset="0"/>
-                          <a:cs typeface="Times New Roman" charset="0"/>
-                        </a:rPr>
-                        <a:t>Load environment files</a:t>
-                      </a:r>
-                      <a:endParaRPr lang="en-US" sz="1200" kern="100">
-                        <a:effectLst/>
-                        <a:latin typeface="DengXian" charset="0"/>
-                        <a:ea typeface="DengXian" charset="0"/>
-                        <a:cs typeface="Times New Roman" charset="0"/>
-                      </a:endParaRPr>
-                    </a:p>
-                  </a:txBody>
-                  <a:tcPr marL="68580" marR="68580" marT="0" marB="0"/>
-                </a:tc>
-                <a:tc>
-                  <a:txBody>
-                    <a:bodyPr/>
-                    <a:lstStyle/>
-                    <a:p>
-                      <a:pPr algn="ctr">
-                        <a:spcAft>
-                          <a:spcPts val="0"/>
-                        </a:spcAft>
-                      </a:pPr>
-                      <a:r>
-                        <a:rPr lang="en-US" sz="1000" kern="100">
-                          <a:effectLst/>
-                          <a:latin typeface="DengXian" charset="0"/>
-                          <a:ea typeface="DengXian" charset="0"/>
-                          <a:cs typeface="Times New Roman" charset="0"/>
-                        </a:rPr>
-                        <a:t>User can use files to load initial environment</a:t>
-                      </a:r>
-                      <a:endParaRPr lang="en-US" sz="1200" kern="100">
-                        <a:effectLst/>
-                        <a:latin typeface="DengXian" charset="0"/>
-                        <a:ea typeface="DengXian" charset="0"/>
-                        <a:cs typeface="Times New Roman" charset="0"/>
-                      </a:endParaRPr>
-                    </a:p>
-                  </a:txBody>
-                  <a:tcPr marL="68580" marR="68580" marT="0" marB="0"/>
-                </a:tc>
-                <a:tc>
-                  <a:txBody>
-                    <a:bodyPr/>
-                    <a:lstStyle/>
-                    <a:p>
-                      <a:pPr algn="ctr">
-                        <a:spcAft>
-                          <a:spcPts val="0"/>
-                        </a:spcAft>
-                      </a:pPr>
-                      <a:r>
-                        <a:rPr lang="en-US" sz="1200" kern="100">
-                          <a:effectLst/>
-                          <a:latin typeface="DengXian" charset="0"/>
-                          <a:ea typeface="DengXian" charset="0"/>
-                          <a:cs typeface="Times New Roman" charset="0"/>
-                        </a:rPr>
-                        <a:t>Feb 24, 2017</a:t>
-                      </a:r>
-                    </a:p>
-                  </a:txBody>
-                  <a:tcPr marL="68580" marR="68580" marT="0" marB="0"/>
-                </a:tc>
-                <a:tc>
-                  <a:txBody>
-                    <a:bodyPr/>
-                    <a:lstStyle/>
-                    <a:p>
-                      <a:pPr algn="ctr">
-                        <a:spcAft>
-                          <a:spcPts val="0"/>
-                        </a:spcAft>
-                      </a:pPr>
-                      <a:r>
-                        <a:rPr lang="en-US" sz="1200" kern="100">
-                          <a:effectLst/>
-                          <a:latin typeface="DengXian" charset="0"/>
-                          <a:ea typeface="DengXian" charset="0"/>
-                          <a:cs typeface="Times New Roman" charset="0"/>
-                        </a:rPr>
-                        <a:t>March 4, 2017</a:t>
-                      </a:r>
-                    </a:p>
-                  </a:txBody>
-                  <a:tcPr marL="68580" marR="68580" marT="0" marB="0"/>
-                </a:tc>
-                <a:tc>
-                  <a:txBody>
-                    <a:bodyPr/>
-                    <a:lstStyle/>
-                    <a:p>
-                      <a:pPr algn="ctr">
-                        <a:spcAft>
-                          <a:spcPts val="0"/>
-                        </a:spcAft>
-                      </a:pPr>
-                      <a:r>
-                        <a:rPr lang="en-US" sz="1200" kern="100">
-                          <a:effectLst/>
-                          <a:latin typeface="DengXian" charset="0"/>
-                          <a:ea typeface="DengXian" charset="0"/>
-                          <a:cs typeface="Times New Roman" charset="0"/>
-                        </a:rPr>
-                        <a:t>Ying Jiang</a:t>
-                      </a:r>
-                    </a:p>
-                  </a:txBody>
-                  <a:tcPr marL="68580" marR="68580" marT="0" marB="0"/>
-                </a:tc>
-                <a:tc>
-                  <a:txBody>
-                    <a:bodyPr/>
-                    <a:lstStyle/>
-                    <a:p>
-                      <a:pPr algn="ctr">
-                        <a:spcAft>
-                          <a:spcPts val="0"/>
-                        </a:spcAft>
-                      </a:pPr>
-                      <a:r>
-                        <a:rPr lang="en-US" sz="1200" kern="100" dirty="0">
-                          <a:effectLst/>
-                          <a:latin typeface="DengXian" charset="0"/>
-                          <a:ea typeface="DengXian" charset="0"/>
-                          <a:cs typeface="Times New Roman" charset="0"/>
-                        </a:rPr>
-                        <a:t>In progress</a:t>
-                      </a:r>
-                    </a:p>
-                  </a:txBody>
-                  <a:tcPr marL="68580" marR="68580" marT="0" marB="0"/>
-                </a:tc>
-              </a:tr>
-              <a:tr h="370840">
-                <a:tc>
-                  <a:txBody>
-                    <a:bodyPr/>
-                    <a:lstStyle/>
-                    <a:p>
-                      <a:pPr algn="ctr"/>
-                      <a:r>
-                        <a:rPr lang="en-US" dirty="0" smtClean="0"/>
-                        <a:t>2</a:t>
-                      </a:r>
-                      <a:endParaRPr lang="en-US" dirty="0"/>
-                    </a:p>
-                  </a:txBody>
-                  <a:tcPr/>
-                </a:tc>
-                <a:tc>
-                  <a:txBody>
-                    <a:bodyPr/>
-                    <a:lstStyle/>
-                    <a:p>
-                      <a:pPr algn="ctr">
-                        <a:spcAft>
-                          <a:spcPts val="0"/>
-                        </a:spcAft>
-                      </a:pPr>
-                      <a:r>
-                        <a:rPr lang="en-US" sz="1200" kern="100">
-                          <a:effectLst/>
-                          <a:latin typeface="DengXian" charset="0"/>
-                          <a:ea typeface="DengXian" charset="0"/>
-                          <a:cs typeface="Times New Roman" charset="0"/>
-                        </a:rPr>
-                        <a:t>User</a:t>
-                      </a:r>
-                    </a:p>
-                  </a:txBody>
-                  <a:tcPr marL="68580" marR="68580" marT="0" marB="0"/>
-                </a:tc>
-                <a:tc>
-                  <a:txBody>
-                    <a:bodyPr/>
-                    <a:lstStyle/>
-                    <a:p>
-                      <a:pPr algn="ctr">
-                        <a:spcAft>
-                          <a:spcPts val="0"/>
-                        </a:spcAft>
-                      </a:pPr>
-                      <a:r>
-                        <a:rPr lang="en-US" sz="1000" kern="100" dirty="0">
-                          <a:effectLst/>
-                          <a:latin typeface="DengXian" charset="0"/>
-                          <a:ea typeface="DengXian" charset="0"/>
-                          <a:cs typeface="Times New Roman" charset="0"/>
-                        </a:rPr>
-                        <a:t>View graphical view of each region</a:t>
-                      </a:r>
-                      <a:endParaRPr lang="en-US" sz="1200" kern="100" dirty="0">
-                        <a:effectLst/>
-                        <a:latin typeface="DengXian" charset="0"/>
-                        <a:ea typeface="DengXian" charset="0"/>
-                        <a:cs typeface="Times New Roman" charset="0"/>
-                      </a:endParaRPr>
-                    </a:p>
-                  </a:txBody>
-                  <a:tcPr marL="68580" marR="68580" marT="0" marB="0"/>
-                </a:tc>
-                <a:tc>
-                  <a:txBody>
-                    <a:bodyPr/>
-                    <a:lstStyle/>
-                    <a:p>
-                      <a:pPr algn="ctr">
-                        <a:spcAft>
-                          <a:spcPts val="0"/>
-                        </a:spcAft>
-                      </a:pPr>
-                      <a:r>
-                        <a:rPr lang="en-US" sz="1000" kern="100" dirty="0">
-                          <a:effectLst/>
-                          <a:latin typeface="DengXian" charset="0"/>
-                          <a:ea typeface="DengXian" charset="0"/>
-                          <a:cs typeface="Times New Roman" charset="0"/>
-                        </a:rPr>
-                        <a:t>User can view run time information of each region</a:t>
-                      </a:r>
-                      <a:endParaRPr lang="en-US" sz="1200" kern="100" dirty="0">
-                        <a:effectLst/>
-                        <a:latin typeface="DengXian" charset="0"/>
-                        <a:ea typeface="DengXian" charset="0"/>
-                        <a:cs typeface="Times New Roman" charset="0"/>
-                      </a:endParaRPr>
-                    </a:p>
-                  </a:txBody>
-                  <a:tcPr marL="68580" marR="68580" marT="0" marB="0"/>
-                </a:tc>
-                <a:tc>
-                  <a:txBody>
-                    <a:bodyPr/>
-                    <a:lstStyle/>
-                    <a:p>
-                      <a:pPr algn="ctr">
-                        <a:spcAft>
-                          <a:spcPts val="0"/>
-                        </a:spcAft>
-                      </a:pPr>
-                      <a:r>
-                        <a:rPr lang="en-US" sz="1200" kern="100" dirty="0">
-                          <a:effectLst/>
-                          <a:latin typeface="DengXian" charset="0"/>
-                          <a:ea typeface="DengXian" charset="0"/>
-                          <a:cs typeface="Times New Roman" charset="0"/>
-                        </a:rPr>
-                        <a:t>Feb 24, 2017</a:t>
-                      </a:r>
-                    </a:p>
-                  </a:txBody>
-                  <a:tcPr marL="68580" marR="68580" marT="0" marB="0"/>
-                </a:tc>
-                <a:tc>
-                  <a:txBody>
-                    <a:bodyPr/>
-                    <a:lstStyle/>
-                    <a:p>
-                      <a:pPr algn="ctr">
-                        <a:spcAft>
-                          <a:spcPts val="0"/>
-                        </a:spcAft>
-                      </a:pPr>
-                      <a:r>
-                        <a:rPr lang="en-US" sz="1200" kern="100" dirty="0">
-                          <a:effectLst/>
-                          <a:latin typeface="DengXian" charset="0"/>
-                          <a:ea typeface="DengXian" charset="0"/>
-                          <a:cs typeface="Times New Roman" charset="0"/>
-                        </a:rPr>
-                        <a:t>March 4, 2017</a:t>
-                      </a:r>
-                    </a:p>
-                  </a:txBody>
-                  <a:tcPr marL="68580" marR="68580" marT="0" marB="0"/>
-                </a:tc>
-                <a:tc>
-                  <a:txBody>
-                    <a:bodyPr/>
-                    <a:lstStyle/>
-                    <a:p>
-                      <a:pPr algn="ctr">
-                        <a:spcAft>
-                          <a:spcPts val="0"/>
-                        </a:spcAft>
-                      </a:pPr>
-                      <a:r>
-                        <a:rPr lang="en-US" sz="1200" kern="100" dirty="0" err="1">
-                          <a:effectLst/>
-                          <a:latin typeface="DengXian" charset="0"/>
-                          <a:ea typeface="DengXian" charset="0"/>
-                          <a:cs typeface="Times New Roman" charset="0"/>
-                        </a:rPr>
-                        <a:t>Dezheng</a:t>
-                      </a:r>
-                      <a:r>
-                        <a:rPr lang="en-US" sz="1200" kern="100" dirty="0">
-                          <a:effectLst/>
-                          <a:latin typeface="DengXian" charset="0"/>
-                          <a:ea typeface="DengXian" charset="0"/>
-                          <a:cs typeface="Times New Roman" charset="0"/>
-                        </a:rPr>
-                        <a:t> Wang</a:t>
-                      </a:r>
-                    </a:p>
-                  </a:txBody>
-                  <a:tcPr marL="68580" marR="68580" marT="0" marB="0"/>
-                </a:tc>
-                <a:tc>
-                  <a:txBody>
-                    <a:bodyPr/>
-                    <a:lstStyle/>
-                    <a:p>
-                      <a:pPr algn="ctr">
-                        <a:spcAft>
-                          <a:spcPts val="0"/>
-                        </a:spcAft>
-                      </a:pPr>
-                      <a:r>
-                        <a:rPr lang="en-US" sz="1200" kern="100" dirty="0">
-                          <a:effectLst/>
-                          <a:latin typeface="DengXian" charset="0"/>
-                          <a:ea typeface="DengXian" charset="0"/>
-                          <a:cs typeface="Times New Roman" charset="0"/>
-                        </a:rPr>
-                        <a:t>In progress</a:t>
-                      </a:r>
-                    </a:p>
-                  </a:txBody>
-                  <a:tcPr marL="68580" marR="68580" marT="0" marB="0"/>
-                </a:tc>
-              </a:tr>
-              <a:tr h="370840">
-                <a:tc>
-                  <a:txBody>
-                    <a:bodyPr/>
-                    <a:lstStyle/>
-                    <a:p>
-                      <a:pPr algn="ctr"/>
-                      <a:r>
-                        <a:rPr lang="en-US" dirty="0" smtClean="0"/>
-                        <a:t>3</a:t>
-                      </a:r>
-                      <a:endParaRPr lang="en-US" dirty="0"/>
-                    </a:p>
-                  </a:txBody>
-                  <a:tcPr/>
-                </a:tc>
-                <a:tc>
-                  <a:txBody>
-                    <a:bodyPr/>
-                    <a:lstStyle/>
-                    <a:p>
-                      <a:pPr algn="ctr">
-                        <a:spcAft>
-                          <a:spcPts val="0"/>
-                        </a:spcAft>
-                      </a:pPr>
-                      <a:r>
-                        <a:rPr lang="en-US" sz="1200" kern="100" dirty="0">
-                          <a:effectLst/>
-                          <a:latin typeface="DengXian" charset="0"/>
-                          <a:ea typeface="DengXian" charset="0"/>
-                          <a:cs typeface="Times New Roman" charset="0"/>
-                        </a:rPr>
-                        <a:t>User</a:t>
-                      </a:r>
-                    </a:p>
-                  </a:txBody>
-                  <a:tcPr marL="68580" marR="68580" marT="0" marB="0"/>
-                </a:tc>
-                <a:tc>
-                  <a:txBody>
-                    <a:bodyPr/>
-                    <a:lstStyle/>
-                    <a:p>
-                      <a:pPr algn="ctr">
-                        <a:spcAft>
-                          <a:spcPts val="0"/>
-                        </a:spcAft>
-                      </a:pPr>
-                      <a:r>
-                        <a:rPr lang="en-US" sz="1000" kern="100" dirty="0">
-                          <a:effectLst/>
-                          <a:latin typeface="DengXian" charset="0"/>
-                          <a:ea typeface="DengXian" charset="0"/>
-                          <a:cs typeface="Times New Roman" charset="0"/>
-                        </a:rPr>
-                        <a:t>View details of agents in each node in graphical view</a:t>
-                      </a:r>
-                      <a:endParaRPr lang="en-US" sz="1200" kern="100" dirty="0">
-                        <a:effectLst/>
-                        <a:latin typeface="DengXian" charset="0"/>
-                        <a:ea typeface="DengXian" charset="0"/>
-                        <a:cs typeface="Times New Roman" charset="0"/>
-                      </a:endParaRPr>
-                    </a:p>
-                  </a:txBody>
-                  <a:tcPr marL="68580" marR="68580" marT="0" marB="0"/>
-                </a:tc>
-                <a:tc>
-                  <a:txBody>
-                    <a:bodyPr/>
-                    <a:lstStyle/>
-                    <a:p>
-                      <a:pPr algn="ctr">
-                        <a:spcAft>
-                          <a:spcPts val="0"/>
-                        </a:spcAft>
-                      </a:pPr>
-                      <a:r>
-                        <a:rPr lang="en-US" sz="1000" kern="100" dirty="0">
-                          <a:effectLst/>
-                          <a:latin typeface="DengXian" charset="0"/>
-                          <a:ea typeface="DengXian" charset="0"/>
-                          <a:cs typeface="Times New Roman" charset="0"/>
-                        </a:rPr>
-                        <a:t>User can see each agent’s information</a:t>
-                      </a:r>
-                      <a:endParaRPr lang="en-US" sz="1200" kern="100" dirty="0">
-                        <a:effectLst/>
-                        <a:latin typeface="DengXian" charset="0"/>
-                        <a:ea typeface="DengXian" charset="0"/>
-                        <a:cs typeface="Times New Roman" charset="0"/>
-                      </a:endParaRPr>
-                    </a:p>
-                  </a:txBody>
-                  <a:tcPr marL="68580" marR="68580" marT="0" marB="0"/>
-                </a:tc>
-                <a:tc>
-                  <a:txBody>
-                    <a:bodyPr/>
-                    <a:lstStyle/>
-                    <a:p>
-                      <a:pPr algn="ctr">
-                        <a:spcAft>
-                          <a:spcPts val="0"/>
-                        </a:spcAft>
-                      </a:pPr>
-                      <a:r>
-                        <a:rPr lang="en-US" sz="1200" kern="100" dirty="0">
-                          <a:effectLst/>
-                          <a:latin typeface="DengXian" charset="0"/>
-                          <a:ea typeface="DengXian" charset="0"/>
-                          <a:cs typeface="Times New Roman" charset="0"/>
-                        </a:rPr>
-                        <a:t>Feb 24, 2017</a:t>
-                      </a:r>
-                    </a:p>
-                  </a:txBody>
-                  <a:tcPr marL="68580" marR="68580" marT="0" marB="0"/>
-                </a:tc>
-                <a:tc>
-                  <a:txBody>
-                    <a:bodyPr/>
-                    <a:lstStyle/>
-                    <a:p>
-                      <a:pPr algn="ctr">
-                        <a:spcAft>
-                          <a:spcPts val="0"/>
-                        </a:spcAft>
-                      </a:pPr>
-                      <a:r>
-                        <a:rPr lang="en-US" sz="1200" kern="100" dirty="0">
-                          <a:effectLst/>
-                          <a:latin typeface="DengXian" charset="0"/>
-                          <a:ea typeface="DengXian" charset="0"/>
-                          <a:cs typeface="Times New Roman" charset="0"/>
-                        </a:rPr>
-                        <a:t>March 4, 2017</a:t>
-                      </a:r>
-                    </a:p>
-                  </a:txBody>
-                  <a:tcPr marL="68580" marR="68580" marT="0" marB="0"/>
-                </a:tc>
-                <a:tc>
-                  <a:txBody>
-                    <a:bodyPr/>
-                    <a:lstStyle/>
-                    <a:p>
-                      <a:pPr algn="ctr">
-                        <a:spcAft>
-                          <a:spcPts val="0"/>
-                        </a:spcAft>
-                      </a:pPr>
-                      <a:r>
-                        <a:rPr lang="en-US" sz="1200" kern="100" dirty="0" err="1">
-                          <a:effectLst/>
-                          <a:latin typeface="DengXian" charset="0"/>
-                          <a:ea typeface="DengXian" charset="0"/>
-                          <a:cs typeface="Times New Roman" charset="0"/>
-                        </a:rPr>
-                        <a:t>Dezheng</a:t>
-                      </a:r>
-                      <a:r>
-                        <a:rPr lang="en-US" sz="1200" kern="100" dirty="0">
-                          <a:effectLst/>
-                          <a:latin typeface="DengXian" charset="0"/>
-                          <a:ea typeface="DengXian" charset="0"/>
-                          <a:cs typeface="Times New Roman" charset="0"/>
-                        </a:rPr>
-                        <a:t> Wang</a:t>
-                      </a:r>
-                    </a:p>
-                  </a:txBody>
-                  <a:tcPr marL="68580" marR="68580" marT="0" marB="0"/>
-                </a:tc>
-                <a:tc>
-                  <a:txBody>
-                    <a:bodyPr/>
-                    <a:lstStyle/>
-                    <a:p>
-                      <a:pPr algn="ctr">
-                        <a:spcAft>
-                          <a:spcPts val="0"/>
-                        </a:spcAft>
-                      </a:pPr>
-                      <a:r>
-                        <a:rPr lang="en-US" sz="1200" kern="100" dirty="0">
-                          <a:effectLst/>
-                          <a:latin typeface="DengXian" charset="0"/>
-                          <a:ea typeface="DengXian" charset="0"/>
-                          <a:cs typeface="Times New Roman" charset="0"/>
-                        </a:rPr>
-                        <a:t>In progress</a:t>
-                      </a:r>
-                    </a:p>
-                  </a:txBody>
-                  <a:tcPr marL="68580" marR="68580" marT="0" marB="0"/>
-                </a:tc>
-              </a:tr>
-              <a:tr h="370840">
-                <a:tc>
-                  <a:txBody>
-                    <a:bodyPr/>
-                    <a:lstStyle/>
-                    <a:p>
-                      <a:pPr algn="ctr"/>
-                      <a:r>
-                        <a:rPr lang="en-US" dirty="0" smtClean="0"/>
-                        <a:t>4</a:t>
-                      </a:r>
-                      <a:endParaRPr lang="en-US" dirty="0"/>
-                    </a:p>
-                  </a:txBody>
-                  <a:tcPr/>
-                </a:tc>
-                <a:tc>
-                  <a:txBody>
-                    <a:bodyPr/>
-                    <a:lstStyle/>
-                    <a:p>
-                      <a:pPr algn="ctr">
-                        <a:spcAft>
-                          <a:spcPts val="0"/>
-                        </a:spcAft>
-                      </a:pPr>
-                      <a:r>
-                        <a:rPr lang="en-US" sz="1200" kern="100">
-                          <a:effectLst/>
-                          <a:latin typeface="DengXian" charset="0"/>
-                          <a:ea typeface="DengXian" charset="0"/>
-                          <a:cs typeface="Times New Roman" charset="0"/>
-                        </a:rPr>
-                        <a:t>User</a:t>
-                      </a:r>
-                    </a:p>
-                  </a:txBody>
-                  <a:tcPr marL="68580" marR="68580" marT="0" marB="0"/>
-                </a:tc>
-                <a:tc>
-                  <a:txBody>
-                    <a:bodyPr/>
-                    <a:lstStyle/>
-                    <a:p>
-                      <a:pPr algn="ctr">
-                        <a:spcAft>
-                          <a:spcPts val="0"/>
-                        </a:spcAft>
-                      </a:pPr>
-                      <a:r>
-                        <a:rPr lang="en-US" sz="1000" kern="100">
-                          <a:effectLst/>
-                          <a:latin typeface="DengXian" charset="0"/>
-                          <a:ea typeface="DengXian" charset="0"/>
-                          <a:cs typeface="Times New Roman" charset="0"/>
-                        </a:rPr>
-                        <a:t>Save run time information of a run as a file</a:t>
-                      </a:r>
-                      <a:endParaRPr lang="en-US" sz="1200" kern="100">
-                        <a:effectLst/>
-                        <a:latin typeface="DengXian" charset="0"/>
-                        <a:ea typeface="DengXian" charset="0"/>
-                        <a:cs typeface="Times New Roman" charset="0"/>
-                      </a:endParaRPr>
-                    </a:p>
-                  </a:txBody>
-                  <a:tcPr marL="68580" marR="68580" marT="0" marB="0"/>
-                </a:tc>
-                <a:tc>
-                  <a:txBody>
-                    <a:bodyPr/>
-                    <a:lstStyle/>
-                    <a:p>
-                      <a:pPr algn="ctr">
-                        <a:spcAft>
-                          <a:spcPts val="0"/>
-                        </a:spcAft>
-                      </a:pPr>
-                      <a:r>
-                        <a:rPr lang="en-US" sz="1000" kern="100">
-                          <a:effectLst/>
-                          <a:latin typeface="DengXian" charset="0"/>
-                          <a:ea typeface="DengXian" charset="0"/>
-                          <a:cs typeface="Times New Roman" charset="0"/>
-                        </a:rPr>
-                        <a:t>User can view it at any time</a:t>
-                      </a:r>
-                      <a:endParaRPr lang="en-US" sz="1200" kern="100">
-                        <a:effectLst/>
-                        <a:latin typeface="DengXian" charset="0"/>
-                        <a:ea typeface="DengXian" charset="0"/>
-                        <a:cs typeface="Times New Roman" charset="0"/>
-                      </a:endParaRPr>
-                    </a:p>
-                  </a:txBody>
-                  <a:tcPr marL="68580" marR="68580" marT="0" marB="0"/>
-                </a:tc>
-                <a:tc>
-                  <a:txBody>
-                    <a:bodyPr/>
-                    <a:lstStyle/>
-                    <a:p>
-                      <a:pPr algn="ctr">
-                        <a:spcAft>
-                          <a:spcPts val="0"/>
-                        </a:spcAft>
-                      </a:pPr>
-                      <a:r>
-                        <a:rPr lang="en-US" sz="1200" kern="100">
-                          <a:effectLst/>
-                          <a:latin typeface="DengXian" charset="0"/>
-                          <a:ea typeface="DengXian" charset="0"/>
-                          <a:cs typeface="Times New Roman" charset="0"/>
-                        </a:rPr>
-                        <a:t>Feb 24, 2017</a:t>
-                      </a:r>
-                    </a:p>
-                  </a:txBody>
-                  <a:tcPr marL="68580" marR="68580" marT="0" marB="0"/>
-                </a:tc>
-                <a:tc>
-                  <a:txBody>
-                    <a:bodyPr/>
-                    <a:lstStyle/>
-                    <a:p>
-                      <a:pPr algn="ctr">
-                        <a:spcAft>
-                          <a:spcPts val="0"/>
-                        </a:spcAft>
-                      </a:pPr>
-                      <a:r>
-                        <a:rPr lang="en-US" sz="1200" kern="100">
-                          <a:effectLst/>
-                          <a:latin typeface="DengXian" charset="0"/>
-                          <a:ea typeface="DengXian" charset="0"/>
-                          <a:cs typeface="Times New Roman" charset="0"/>
-                        </a:rPr>
-                        <a:t>March 4, 2017</a:t>
-                      </a:r>
-                    </a:p>
-                  </a:txBody>
-                  <a:tcPr marL="68580" marR="68580" marT="0" marB="0"/>
-                </a:tc>
-                <a:tc>
-                  <a:txBody>
-                    <a:bodyPr/>
-                    <a:lstStyle/>
-                    <a:p>
-                      <a:pPr algn="ctr">
-                        <a:spcAft>
-                          <a:spcPts val="0"/>
-                        </a:spcAft>
-                      </a:pPr>
-                      <a:r>
-                        <a:rPr lang="en-US" sz="1200" kern="100">
-                          <a:effectLst/>
-                          <a:latin typeface="DengXian" charset="0"/>
-                          <a:ea typeface="DengXian" charset="0"/>
-                          <a:cs typeface="Times New Roman" charset="0"/>
-                        </a:rPr>
-                        <a:t>Ying Jiang</a:t>
-                      </a:r>
-                    </a:p>
-                  </a:txBody>
-                  <a:tcPr marL="68580" marR="68580" marT="0" marB="0"/>
-                </a:tc>
-                <a:tc>
-                  <a:txBody>
-                    <a:bodyPr/>
-                    <a:lstStyle/>
-                    <a:p>
-                      <a:pPr algn="ctr">
-                        <a:spcAft>
-                          <a:spcPts val="0"/>
-                        </a:spcAft>
-                      </a:pPr>
-                      <a:r>
-                        <a:rPr lang="en-US" sz="1200" kern="100" dirty="0">
-                          <a:effectLst/>
-                          <a:latin typeface="DengXian" charset="0"/>
-                          <a:ea typeface="DengXian" charset="0"/>
-                          <a:cs typeface="Times New Roman" charset="0"/>
-                        </a:rPr>
-                        <a:t>In progress</a:t>
-                      </a:r>
-                    </a:p>
-                  </a:txBody>
-                  <a:tcPr marL="68580" marR="68580" marT="0" marB="0"/>
-                </a:tc>
-              </a:tr>
-            </a:tbl>
-          </a:graphicData>
-        </a:graphic>
-      </p:graphicFrame>
-    </p:spTree>
-    <p:extLst>
-      <p:ext uri="{BB962C8B-B14F-4D97-AF65-F5344CB8AC3E}">
-        <p14:creationId xmlns:p14="http://schemas.microsoft.com/office/powerpoint/2010/main" val="1097532850"/>
-      </p:ext>
-    </p:extLst>
-  </p:cSld>
-  <p:clrMapOvr>
-    <a:masterClrMapping/>
-  </p:clrMapOvr>
-  <p:timing>
-    <p:tnLst>
-      <p:par>
-        <p:cTn id="1" dur="indefinite" restart="never" nodeType="tmRoot"/>
-      </p:par>
-    </p:tnLst>
-  </p:timing>
-</p:sld>
-</file>
-
-<file path=ppt/slides/slide7.xml><?xml version="1.0" encoding="utf-8"?>
-<p:sld xmlns:a="http://schemas.openxmlformats.org/drawingml/2006/main" xmlns:r="http://schemas.openxmlformats.org/officeDocument/2006/relationships" xmlns:p="http://schemas.openxmlformats.org/presentationml/2006/main">
-  <p:cSld>
-    <p:spTree>
-      <p:nvGrpSpPr>
-        <p:cNvPr id="1" name=""/>
-        <p:cNvGrpSpPr/>
-        <p:nvPr/>
-      </p:nvGrpSpPr>
-      <p:grpSpPr>
-        <a:xfrm>
-          <a:off x="0" y="0"/>
-          <a:ext cx="0" cy="0"/>
-          <a:chOff x="0" y="0"/>
-          <a:chExt cx="0" cy="0"/>
-        </a:xfrm>
-      </p:grpSpPr>
       <p:graphicFrame>
         <p:nvGraphicFramePr>
           <p:cNvPr id="2" name="Table 1"/>
@@ -15261,14 +15132,14 @@
           <p:nvPr>
             <p:extLst>
               <p:ext uri="{D42A27DB-BD31-4B8C-83A1-F6EECF244321}">
-                <p14:modId xmlns:p14="http://schemas.microsoft.com/office/powerpoint/2010/main" val="1930238419"/>
+                <p14:modId xmlns:p14="http://schemas.microsoft.com/office/powerpoint/2010/main" val="1695373533"/>
               </p:ext>
             </p:extLst>
           </p:nvPr>
         </p:nvGraphicFramePr>
         <p:xfrm>
           <a:off x="0" y="1"/>
-          <a:ext cx="12192000" cy="7091438"/>
+          <a:ext cx="12192000" cy="6743697"/>
         </p:xfrm>
         <a:graphic>
           <a:graphicData uri="http://schemas.openxmlformats.org/drawingml/2006/table">
@@ -15286,7 +15157,7 @@
                 <a:gridCol w="1524000"/>
                 <a:gridCol w="1524000"/>
               </a:tblGrid>
-              <a:tr h="349095">
+              <a:tr h="370046">
                 <a:tc>
                   <a:txBody>
                     <a:bodyPr/>
@@ -15496,7 +15367,7 @@
                   <a:tcPr marL="68580" marR="68580" marT="0" marB="0"/>
                 </a:tc>
               </a:tr>
-              <a:tr h="284936">
+              <a:tr h="370046">
                 <a:tc>
                   <a:txBody>
                     <a:bodyPr/>
@@ -15778,7 +15649,7 @@
                   <a:tcPr marL="68580" marR="68580" marT="0" marB="0"/>
                 </a:tc>
               </a:tr>
-              <a:tr h="284936">
+              <a:tr h="260754">
                 <a:tc>
                   <a:txBody>
                     <a:bodyPr/>
@@ -16060,7 +15931,7 @@
                   <a:tcPr marL="68580" marR="68580" marT="0" marB="0"/>
                 </a:tc>
               </a:tr>
-              <a:tr h="481823">
+              <a:tr h="440932">
                 <a:tc>
                   <a:txBody>
                     <a:bodyPr/>
@@ -16342,7 +16213,7 @@
                   <a:tcPr marL="68580" marR="68580" marT="0" marB="0"/>
                 </a:tc>
               </a:tr>
-              <a:tr h="321215">
+              <a:tr h="293954">
                 <a:tc>
                   <a:txBody>
                     <a:bodyPr/>
@@ -16624,7 +16495,7 @@
                   <a:tcPr marL="68580" marR="68580" marT="0" marB="0"/>
                 </a:tc>
               </a:tr>
-              <a:tr h="642430">
+              <a:tr h="587908">
                 <a:tc>
                   <a:txBody>
                     <a:bodyPr/>
@@ -16906,7 +16777,7 @@
                   <a:tcPr marL="68580" marR="68580" marT="0" marB="0"/>
                 </a:tc>
               </a:tr>
-              <a:tr h="284936">
+              <a:tr h="260754">
                 <a:tc>
                   <a:txBody>
                     <a:bodyPr/>
@@ -17188,7 +17059,7 @@
                   <a:tcPr marL="68580" marR="68580" marT="0" marB="0"/>
                 </a:tc>
               </a:tr>
-              <a:tr h="481823">
+              <a:tr h="504572">
                 <a:tc>
                   <a:txBody>
                     <a:bodyPr/>
@@ -17470,7 +17341,7 @@
                   <a:tcPr marL="68580" marR="68580" marT="0" marB="0"/>
                 </a:tc>
               </a:tr>
-              <a:tr h="642430">
+              <a:tr h="587908">
                 <a:tc>
                   <a:txBody>
                     <a:bodyPr/>
@@ -17752,7 +17623,7 @@
                   <a:tcPr marL="68580" marR="68580" marT="0" marB="0"/>
                 </a:tc>
               </a:tr>
-              <a:tr h="321215">
+              <a:tr h="336381">
                 <a:tc>
                   <a:txBody>
                     <a:bodyPr/>
@@ -18034,7 +17905,7 @@
                   <a:tcPr marL="68580" marR="68580" marT="0" marB="0"/>
                 </a:tc>
               </a:tr>
-              <a:tr h="642430">
+              <a:tr h="587908">
                 <a:tc>
                   <a:txBody>
                     <a:bodyPr/>
@@ -18316,7 +18187,7 @@
                   <a:tcPr marL="68580" marR="68580" marT="0" marB="0"/>
                 </a:tc>
               </a:tr>
-              <a:tr h="481823">
+              <a:tr h="440932">
                 <a:tc>
                   <a:txBody>
                     <a:bodyPr/>
@@ -18598,7 +18469,7 @@
                   <a:tcPr marL="68580" marR="68580" marT="0" marB="0"/>
                 </a:tc>
               </a:tr>
-              <a:tr h="321215">
+              <a:tr h="336381">
                 <a:tc>
                   <a:txBody>
                     <a:bodyPr/>
@@ -18880,7 +18751,7 @@
                   <a:tcPr marL="68580" marR="68580" marT="0" marB="0"/>
                 </a:tc>
               </a:tr>
-              <a:tr h="481823">
+              <a:tr h="440932">
                 <a:tc>
                   <a:txBody>
                     <a:bodyPr/>
@@ -19162,7 +19033,7 @@
                   <a:tcPr marL="68580" marR="68580" marT="0" marB="0"/>
                 </a:tc>
               </a:tr>
-              <a:tr h="321215">
+              <a:tr h="336381">
                 <a:tc>
                   <a:txBody>
                     <a:bodyPr/>
@@ -19444,7 +19315,7 @@
                   <a:tcPr marL="68580" marR="68580" marT="0" marB="0"/>
                 </a:tc>
               </a:tr>
-              <a:tr h="642430">
+              <a:tr h="587908">
                 <a:tc>
                   <a:txBody>
                     <a:bodyPr/>
@@ -19564,7 +19435,7 @@
                         </a:spcAft>
                       </a:pPr>
                       <a:r>
-                        <a:rPr lang="en-US" sz="1000">
+                        <a:rPr lang="en-US" sz="1000" dirty="0">
                           <a:solidFill>
                             <a:srgbClr val="5B9BD5"/>
                           </a:solidFill>
@@ -19575,7 +19446,7 @@
                         </a:rPr>
                         <a:t>2/24/2017</a:t>
                       </a:r>
-                      <a:endParaRPr lang="en-US" sz="1000">
+                      <a:endParaRPr lang="en-US" sz="1000" dirty="0">
                         <a:effectLst/>
                         <a:latin typeface="Calibri" charset="0"/>
                         <a:ea typeface="等线" charset="0"/>
@@ -19750,7 +19621,7 @@
 </p:sld>
 </file>
 
-<file path=ppt/slides/slide8.xml><?xml version="1.0" encoding="utf-8"?>
+<file path=ppt/slides/slide7.xml><?xml version="1.0" encoding="utf-8"?>
 <p:sld xmlns:a="http://schemas.openxmlformats.org/drawingml/2006/main" xmlns:r="http://schemas.openxmlformats.org/officeDocument/2006/relationships" xmlns:p="http://schemas.openxmlformats.org/presentationml/2006/main">
   <p:cSld>
     <p:spTree>
@@ -20451,10 +20322,17 @@
   <p:clrMapOvr>
     <a:masterClrMapping/>
   </p:clrMapOvr>
+  <p:timing>
+    <p:tnLst>
+      <p:par>
+        <p:cTn id="1" dur="indefinite" restart="never" nodeType="tmRoot"/>
+      </p:par>
+    </p:tnLst>
+  </p:timing>
 </p:sld>
 </file>
 
-<file path=ppt/slides/slide9.xml><?xml version="1.0" encoding="utf-8"?>
+<file path=ppt/slides/slide8.xml><?xml version="1.0" encoding="utf-8"?>
 <p:sld xmlns:a="http://schemas.openxmlformats.org/drawingml/2006/main" xmlns:r="http://schemas.openxmlformats.org/officeDocument/2006/relationships" xmlns:p="http://schemas.openxmlformats.org/presentationml/2006/main">
   <p:cSld>
     <p:spTree>
@@ -20526,7 +20404,7 @@
             <p:ph idx="1"/>
             <p:extLst>
               <p:ext uri="{D42A27DB-BD31-4B8C-83A1-F6EECF244321}">
-                <p14:modId xmlns:p14="http://schemas.microsoft.com/office/powerpoint/2010/main" val="1212621959"/>
+                <p14:modId xmlns:p14="http://schemas.microsoft.com/office/powerpoint/2010/main" val="1671214461"/>
               </p:ext>
             </p:extLst>
           </p:nvPr>
@@ -20823,75 +20701,33 @@
                         </a:spcAft>
                       </a:pPr>
                       <a:r>
-                        <a:rPr lang="en-US" sz="1200" kern="0">
+                        <a:rPr lang="en-US" altLang="zh-CN" sz="1200" kern="0" dirty="0" smtClean="0">
                           <a:effectLst/>
                           <a:latin typeface="Times New Roman" charset="0"/>
                           <a:ea typeface="Times New Roman" charset="0"/>
                           <a:cs typeface="Times New Roman" charset="0"/>
                         </a:rPr>
-                        <a:t>File, 1</a:t>
-                      </a:r>
-                      <a:endParaRPr lang="en-US" sz="1200" kern="100">
-                        <a:effectLst/>
-                        <a:latin typeface="Calibri" charset="0"/>
-                        <a:ea typeface="Calibri" charset="0"/>
-                        <a:cs typeface="Times New Roman" charset="0"/>
-                      </a:endParaRPr>
-                    </a:p>
-                  </a:txBody>
-                  <a:tcPr marL="68580" marR="68580" marT="0" marB="0"/>
-                </a:tc>
-                <a:tc>
-                  <a:txBody>
-                    <a:bodyPr/>
-                    <a:lstStyle/>
-                    <a:p>
-                      <a:pPr algn="l">
-                        <a:spcAft>
-                          <a:spcPts val="0"/>
-                        </a:spcAft>
-                      </a:pPr>
-                      <a:r>
-                        <a:rPr lang="en-US" sz="1200" kern="0">
+                        <a:t>Environment</a:t>
+                      </a:r>
+                      <a:r>
+                        <a:rPr lang="en-US" sz="1200" kern="0" dirty="0" smtClean="0">
                           <a:effectLst/>
                           <a:latin typeface="Times New Roman" charset="0"/>
                           <a:ea typeface="Times New Roman" charset="0"/>
                           <a:cs typeface="Times New Roman" charset="0"/>
                         </a:rPr>
-                        <a:t>The algorithm will return array of agent’s trace. Once target list is empty, it will stop.</a:t>
-                      </a:r>
-                      <a:endParaRPr lang="en-US" sz="1200" kern="100">
-                        <a:effectLst/>
-                        <a:latin typeface="Calibri" charset="0"/>
-                        <a:ea typeface="Calibri" charset="0"/>
-                        <a:cs typeface="Times New Roman" charset="0"/>
-                      </a:endParaRPr>
-                    </a:p>
-                  </a:txBody>
-                  <a:tcPr marL="68580" marR="68580" marT="0" marB="0"/>
-                </a:tc>
-              </a:tr>
-              <a:tr h="396386">
-                <a:tc>
-                  <a:txBody>
-                    <a:bodyPr/>
-                    <a:lstStyle/>
-                    <a:p>
-                      <a:pPr algn="ctr">
-                        <a:spcAft>
-                          <a:spcPts val="0"/>
-                        </a:spcAft>
-                      </a:pPr>
-                      <a:r>
-                        <a:rPr lang="en-US" sz="1200" kern="0">
+                        <a:t>, </a:t>
+                      </a:r>
+                      <a:r>
+                        <a:rPr lang="en-US" sz="1200" kern="0" dirty="0">
                           <a:effectLst/>
                           <a:latin typeface="Times New Roman" charset="0"/>
                           <a:ea typeface="Times New Roman" charset="0"/>
                           <a:cs typeface="Times New Roman" charset="0"/>
                         </a:rPr>
-                        <a:t>2</a:t>
-                      </a:r>
-                      <a:endParaRPr lang="en-US" sz="1200" kern="100">
+                        <a:t>1</a:t>
+                      </a:r>
+                      <a:endParaRPr lang="en-US" sz="1200" kern="100" dirty="0">
                         <a:effectLst/>
                         <a:latin typeface="Calibri" charset="0"/>
                         <a:ea typeface="Calibri" charset="0"/>
@@ -20918,7 +20754,7 @@
                           <a:ea typeface="Times New Roman" charset="0"/>
                           <a:cs typeface="Times New Roman" charset="0"/>
                         </a:rPr>
-                        <a:t>The environment has only one region. The region has only one agent.</a:t>
+                        <a:t>The algorithm will return array of agent’s trace. Once target list is empty, it will stop.</a:t>
                       </a:r>
                       <a:endParaRPr lang="en-US" sz="1200" kern="100">
                         <a:effectLst/>
@@ -20930,6 +20766,8 @@
                   </a:txBody>
                   <a:tcPr marL="68580" marR="68580" marT="0" marB="0"/>
                 </a:tc>
+              </a:tr>
+              <a:tr h="396386">
                 <a:tc>
                   <a:txBody>
                     <a:bodyPr/>
@@ -20947,7 +20785,7 @@
                           <a:ea typeface="Times New Roman" charset="0"/>
                           <a:cs typeface="Times New Roman" charset="0"/>
                         </a:rPr>
-                        <a:t>File, N steps(N&gt;1)</a:t>
+                        <a:t>2</a:t>
                       </a:r>
                       <a:endParaRPr lang="en-US" sz="1200" kern="100">
                         <a:effectLst/>
@@ -20976,7 +20814,7 @@
                           <a:ea typeface="Times New Roman" charset="0"/>
                           <a:cs typeface="Times New Roman" charset="0"/>
                         </a:rPr>
-                        <a:t>The algorithm will return array of each agent’s trace. Once target list is empty, it will stop.</a:t>
+                        <a:t>The environment has only one region. The region has only one agent.</a:t>
                       </a:r>
                       <a:endParaRPr lang="en-US" sz="1200" kern="100">
                         <a:effectLst/>
@@ -20988,8 +20826,6 @@
                   </a:txBody>
                   <a:tcPr marL="68580" marR="68580" marT="0" marB="0"/>
                 </a:tc>
-              </a:tr>
-              <a:tr h="396386">
                 <a:tc>
                   <a:txBody>
                     <a:bodyPr/>
@@ -21001,73 +20837,33 @@
                         </a:spcAft>
                       </a:pPr>
                       <a:r>
-                        <a:rPr lang="en-US" sz="1200" kern="0">
+                        <a:rPr lang="en-US" altLang="zh-CN" sz="1200" kern="0" dirty="0" smtClean="0">
                           <a:effectLst/>
                           <a:latin typeface="Times New Roman" charset="0"/>
                           <a:ea typeface="Times New Roman" charset="0"/>
                           <a:cs typeface="Times New Roman" charset="0"/>
                         </a:rPr>
-                        <a:t>3</a:t>
-                      </a:r>
-                      <a:endParaRPr lang="en-US" sz="1200" kern="100">
-                        <a:effectLst/>
-                        <a:latin typeface="Calibri" charset="0"/>
-                        <a:ea typeface="Calibri" charset="0"/>
-                        <a:cs typeface="Times New Roman" charset="0"/>
-                      </a:endParaRPr>
-                    </a:p>
-                  </a:txBody>
-                  <a:tcPr marL="68580" marR="68580" marT="0" marB="0"/>
-                </a:tc>
-                <a:tc>
-                  <a:txBody>
-                    <a:bodyPr/>
-                    <a:lstStyle/>
-                    <a:p>
-                      <a:pPr algn="l">
-                        <a:spcAft>
-                          <a:spcPts val="0"/>
-                        </a:spcAft>
-                      </a:pPr>
-                      <a:r>
-                        <a:rPr lang="en-US" sz="1200" kern="0">
+                        <a:t>Environment</a:t>
+                      </a:r>
+                      <a:r>
+                        <a:rPr lang="en-US" sz="1200" kern="0" dirty="0" smtClean="0">
                           <a:effectLst/>
                           <a:latin typeface="Times New Roman" charset="0"/>
                           <a:ea typeface="Times New Roman" charset="0"/>
                           <a:cs typeface="Times New Roman" charset="0"/>
                         </a:rPr>
-                        <a:t>The environment has only one region. The region has more than one agent.</a:t>
-                      </a:r>
-                      <a:endParaRPr lang="en-US" sz="1200" kern="100">
-                        <a:effectLst/>
-                        <a:latin typeface="Calibri" charset="0"/>
-                        <a:ea typeface="Calibri" charset="0"/>
-                        <a:cs typeface="Times New Roman" charset="0"/>
-                      </a:endParaRPr>
-                    </a:p>
-                  </a:txBody>
-                  <a:tcPr marL="68580" marR="68580" marT="0" marB="0"/>
-                </a:tc>
-                <a:tc>
-                  <a:txBody>
-                    <a:bodyPr/>
-                    <a:lstStyle/>
-                    <a:p>
-                      <a:pPr algn="ctr">
-                        <a:spcAft>
-                          <a:spcPts val="0"/>
-                        </a:spcAft>
-                      </a:pPr>
-                      <a:r>
-                        <a:rPr lang="en-US" sz="1200" kern="0">
+                        <a:t>, </a:t>
+                      </a:r>
+                      <a:r>
+                        <a:rPr lang="en-US" sz="1200" kern="0" dirty="0">
                           <a:effectLst/>
                           <a:latin typeface="Times New Roman" charset="0"/>
                           <a:ea typeface="Times New Roman" charset="0"/>
                           <a:cs typeface="Times New Roman" charset="0"/>
                         </a:rPr>
-                        <a:t>  File, 1</a:t>
-                      </a:r>
-                      <a:endParaRPr lang="en-US" sz="1200" kern="100">
+                        <a:t>N steps(N&gt;1)</a:t>
+                      </a:r>
+                      <a:endParaRPr lang="en-US" sz="1200" kern="100" dirty="0">
                         <a:effectLst/>
                         <a:latin typeface="Calibri" charset="0"/>
                         <a:ea typeface="Calibri" charset="0"/>
@@ -21125,7 +20921,7 @@
                           <a:ea typeface="Times New Roman" charset="0"/>
                           <a:cs typeface="Times New Roman" charset="0"/>
                         </a:rPr>
-                        <a:t>4</a:t>
+                        <a:t>3</a:t>
                       </a:r>
                       <a:endParaRPr lang="en-US" sz="1200" kern="100">
                         <a:effectLst/>
@@ -21177,104 +20973,42 @@
                         </a:spcAft>
                       </a:pPr>
                       <a:r>
-                        <a:rPr lang="en-US" sz="1200" kern="0">
+                        <a:rPr lang="en-US" sz="1200" kern="0" dirty="0">
                           <a:effectLst/>
                           <a:latin typeface="Times New Roman" charset="0"/>
                           <a:ea typeface="Times New Roman" charset="0"/>
                           <a:cs typeface="Times New Roman" charset="0"/>
                         </a:rPr>
-                        <a:t>File, N(N&gt;1)</a:t>
-                      </a:r>
-                      <a:endParaRPr lang="en-US" sz="1200" kern="100">
-                        <a:effectLst/>
-                        <a:latin typeface="Calibri" charset="0"/>
-                        <a:ea typeface="Calibri" charset="0"/>
-                        <a:cs typeface="Times New Roman" charset="0"/>
-                      </a:endParaRPr>
-                    </a:p>
-                  </a:txBody>
-                  <a:tcPr marL="68580" marR="68580" marT="0" marB="0"/>
-                </a:tc>
-                <a:tc>
-                  <a:txBody>
-                    <a:bodyPr/>
-                    <a:lstStyle/>
-                    <a:p>
-                      <a:pPr algn="l">
-                        <a:spcAft>
-                          <a:spcPts val="0"/>
-                        </a:spcAft>
-                      </a:pPr>
-                      <a:r>
-                        <a:rPr lang="en-US" sz="1200" kern="0">
+                        <a:t>  </a:t>
+                      </a:r>
+                      <a:r>
+                        <a:rPr lang="en-US" altLang="zh-CN" sz="1200" kern="0" dirty="0" smtClean="0">
                           <a:effectLst/>
                           <a:latin typeface="Times New Roman" charset="0"/>
                           <a:ea typeface="Times New Roman" charset="0"/>
                           <a:cs typeface="Times New Roman" charset="0"/>
                         </a:rPr>
-                        <a:t>The algorithm will return array of each agent’s trace. Once target list is empty, it will stop.</a:t>
-                      </a:r>
-                      <a:endParaRPr lang="en-US" sz="1200" kern="100">
-                        <a:effectLst/>
-                        <a:latin typeface="Calibri" charset="0"/>
-                        <a:ea typeface="Calibri" charset="0"/>
-                        <a:cs typeface="Times New Roman" charset="0"/>
-                      </a:endParaRPr>
-                    </a:p>
-                  </a:txBody>
-                  <a:tcPr marL="68580" marR="68580" marT="0" marB="0"/>
-                </a:tc>
-              </a:tr>
-              <a:tr h="396386">
-                <a:tc>
-                  <a:txBody>
-                    <a:bodyPr/>
-                    <a:lstStyle/>
-                    <a:p>
-                      <a:pPr algn="ctr">
-                        <a:spcAft>
-                          <a:spcPts val="0"/>
-                        </a:spcAft>
-                      </a:pPr>
-                      <a:r>
-                        <a:rPr lang="en-US" sz="1200" kern="0">
+                        <a:t>Environment</a:t>
+                      </a:r>
+                      <a:r>
+                        <a:rPr lang="en-US" sz="1200" kern="0" dirty="0" smtClean="0">
                           <a:effectLst/>
                           <a:latin typeface="Times New Roman" charset="0"/>
                           <a:ea typeface="Times New Roman" charset="0"/>
                           <a:cs typeface="Times New Roman" charset="0"/>
                         </a:rPr>
-                        <a:t>5</a:t>
-                      </a:r>
-                      <a:endParaRPr lang="en-US" sz="1200" kern="100">
-                        <a:effectLst/>
-                        <a:latin typeface="Calibri" charset="0"/>
-                        <a:ea typeface="Calibri" charset="0"/>
-                        <a:cs typeface="Times New Roman" charset="0"/>
-                      </a:endParaRPr>
-                    </a:p>
-                  </a:txBody>
-                  <a:tcPr marL="68580" marR="68580" marT="0" marB="0"/>
-                </a:tc>
-                <a:tc>
-                  <a:txBody>
-                    <a:bodyPr/>
-                    <a:lstStyle/>
-                    <a:p>
-                      <a:pPr algn="l">
-                        <a:spcAft>
-                          <a:spcPts val="0"/>
-                        </a:spcAft>
-                      </a:pPr>
-                      <a:r>
-                        <a:rPr lang="en-US" sz="1200" kern="0">
+                        <a:t>, </a:t>
+                      </a:r>
+                      <a:r>
+                        <a:rPr lang="en-US" sz="1200" kern="0" dirty="0">
                           <a:effectLst/>
                           <a:latin typeface="Times New Roman" charset="0"/>
                           <a:ea typeface="Times New Roman" charset="0"/>
                           <a:cs typeface="Times New Roman" charset="0"/>
                         </a:rPr>
-                        <a:t>The environment has more than one region. Each region has only one agent.</a:t>
-                      </a:r>
-                      <a:endParaRPr lang="en-US" sz="1200" kern="100">
+                        <a:t>1</a:t>
+                      </a:r>
+                      <a:endParaRPr lang="en-US" sz="1200" kern="100" dirty="0">
                         <a:effectLst/>
                         <a:latin typeface="Calibri" charset="0"/>
                         <a:ea typeface="Calibri" charset="0"/>
@@ -21289,7 +21023,7 @@
                     <a:bodyPr/>
                     <a:lstStyle/>
                     <a:p>
-                      <a:pPr algn="ctr">
+                      <a:pPr algn="l">
                         <a:spcAft>
                           <a:spcPts val="0"/>
                         </a:spcAft>
@@ -21301,7 +21035,7 @@
                           <a:ea typeface="Times New Roman" charset="0"/>
                           <a:cs typeface="Times New Roman" charset="0"/>
                         </a:rPr>
-                        <a:t>  File, 1</a:t>
+                        <a:t>The algorithm will return array of each agent’s trace. Once target list is empty, it will stop.</a:t>
                       </a:r>
                       <a:endParaRPr lang="en-US" sz="1200" kern="100">
                         <a:effectLst/>
@@ -21313,12 +21047,14 @@
                   </a:txBody>
                   <a:tcPr marL="68580" marR="68580" marT="0" marB="0"/>
                 </a:tc>
-                <a:tc>
-                  <a:txBody>
-                    <a:bodyPr/>
-                    <a:lstStyle/>
-                    <a:p>
-                      <a:pPr algn="l">
+              </a:tr>
+              <a:tr h="396386">
+                <a:tc>
+                  <a:txBody>
+                    <a:bodyPr/>
+                    <a:lstStyle/>
+                    <a:p>
+                      <a:pPr algn="ctr">
                         <a:spcAft>
                           <a:spcPts val="0"/>
                         </a:spcAft>
@@ -21330,7 +21066,7 @@
                           <a:ea typeface="Times New Roman" charset="0"/>
                           <a:cs typeface="Times New Roman" charset="0"/>
                         </a:rPr>
-                        <a:t>The algorithm will return array of each agent’s trace. Once target list is empty, it will stop.</a:t>
+                        <a:t>4</a:t>
                       </a:r>
                       <a:endParaRPr lang="en-US" sz="1200" kern="100">
                         <a:effectLst/>
@@ -21342,14 +21078,12 @@
                   </a:txBody>
                   <a:tcPr marL="68580" marR="68580" marT="0" marB="0"/>
                 </a:tc>
-              </a:tr>
-              <a:tr h="396386">
-                <a:tc>
-                  <a:txBody>
-                    <a:bodyPr/>
-                    <a:lstStyle/>
-                    <a:p>
-                      <a:pPr algn="ctr">
+                <a:tc>
+                  <a:txBody>
+                    <a:bodyPr/>
+                    <a:lstStyle/>
+                    <a:p>
+                      <a:pPr algn="l">
                         <a:spcAft>
                           <a:spcPts val="0"/>
                         </a:spcAft>
@@ -21361,7 +21095,7 @@
                           <a:ea typeface="Times New Roman" charset="0"/>
                           <a:cs typeface="Times New Roman" charset="0"/>
                         </a:rPr>
-                        <a:t>6</a:t>
+                        <a:t>The environment has only one region. The region has more than one agent.</a:t>
                       </a:r>
                       <a:endParaRPr lang="en-US" sz="1200" kern="100">
                         <a:effectLst/>
@@ -21378,79 +21112,39 @@
                     <a:bodyPr/>
                     <a:lstStyle/>
                     <a:p>
-                      <a:pPr algn="l">
-                        <a:spcAft>
-                          <a:spcPts val="0"/>
-                        </a:spcAft>
-                      </a:pPr>
-                      <a:r>
-                        <a:rPr lang="en-US" sz="1200" kern="0">
+                      <a:pPr algn="ctr">
+                        <a:spcAft>
+                          <a:spcPts val="0"/>
+                        </a:spcAft>
+                      </a:pPr>
+                      <a:r>
+                        <a:rPr lang="en-US" altLang="zh-CN" sz="1200" kern="0" dirty="0" smtClean="0">
                           <a:effectLst/>
                           <a:latin typeface="Times New Roman" charset="0"/>
                           <a:ea typeface="Times New Roman" charset="0"/>
                           <a:cs typeface="Times New Roman" charset="0"/>
                         </a:rPr>
-                        <a:t>The environment has more than one region. Each region has only one agent.</a:t>
-                      </a:r>
-                      <a:endParaRPr lang="en-US" sz="1200" kern="100">
-                        <a:effectLst/>
-                        <a:latin typeface="Calibri" charset="0"/>
-                        <a:ea typeface="Calibri" charset="0"/>
-                        <a:cs typeface="Times New Roman" charset="0"/>
-                      </a:endParaRPr>
-                    </a:p>
-                  </a:txBody>
-                  <a:tcPr marL="68580" marR="68580" marT="0" marB="0"/>
-                </a:tc>
-                <a:tc>
-                  <a:txBody>
-                    <a:bodyPr/>
-                    <a:lstStyle/>
-                    <a:p>
-                      <a:pPr algn="ctr">
-                        <a:spcAft>
-                          <a:spcPts val="0"/>
-                        </a:spcAft>
-                      </a:pPr>
-                      <a:r>
-                        <a:rPr lang="en-US" sz="1200" kern="0">
+                        <a:t>Environment</a:t>
+                      </a:r>
+                      <a:r>
+                        <a:rPr lang="en-US" sz="1200" kern="0" dirty="0" smtClean="0">
                           <a:effectLst/>
                           <a:latin typeface="Times New Roman" charset="0"/>
                           <a:ea typeface="Times New Roman" charset="0"/>
                           <a:cs typeface="Times New Roman" charset="0"/>
                         </a:rPr>
-                        <a:t>  File, N(N&gt;1)</a:t>
-                      </a:r>
-                      <a:endParaRPr lang="en-US" sz="1200" kern="100">
-                        <a:effectLst/>
-                        <a:latin typeface="Calibri" charset="0"/>
-                        <a:ea typeface="Calibri" charset="0"/>
-                        <a:cs typeface="Times New Roman" charset="0"/>
-                      </a:endParaRPr>
-                    </a:p>
-                  </a:txBody>
-                  <a:tcPr marL="68580" marR="68580" marT="0" marB="0"/>
-                </a:tc>
-                <a:tc>
-                  <a:txBody>
-                    <a:bodyPr/>
-                    <a:lstStyle/>
-                    <a:p>
-                      <a:pPr algn="l">
-                        <a:spcAft>
-                          <a:spcPts val="0"/>
-                        </a:spcAft>
-                      </a:pPr>
-                      <a:r>
-                        <a:rPr lang="en-US" sz="1200" kern="0">
+                        <a:t>, </a:t>
+                      </a:r>
+                      <a:r>
+                        <a:rPr lang="en-US" sz="1200" kern="0" dirty="0">
                           <a:effectLst/>
                           <a:latin typeface="Times New Roman" charset="0"/>
                           <a:ea typeface="Times New Roman" charset="0"/>
                           <a:cs typeface="Times New Roman" charset="0"/>
                         </a:rPr>
-                        <a:t>The algorithm will return array of each agent’s trace. Once target list is empty, it will stop.</a:t>
-                      </a:r>
-                      <a:endParaRPr lang="en-US" sz="1200" kern="100">
+                        <a:t>N(N&gt;1)</a:t>
+                      </a:r>
+                      <a:endParaRPr lang="en-US" sz="1200" kern="100" dirty="0">
                         <a:effectLst/>
                         <a:latin typeface="Calibri" charset="0"/>
                         <a:ea typeface="Calibri" charset="0"/>
@@ -21460,14 +21154,12 @@
                   </a:txBody>
                   <a:tcPr marL="68580" marR="68580" marT="0" marB="0"/>
                 </a:tc>
-              </a:tr>
-              <a:tr h="396386">
-                <a:tc>
-                  <a:txBody>
-                    <a:bodyPr/>
-                    <a:lstStyle/>
-                    <a:p>
-                      <a:pPr algn="ctr">
+                <a:tc>
+                  <a:txBody>
+                    <a:bodyPr/>
+                    <a:lstStyle/>
+                    <a:p>
+                      <a:pPr algn="l">
                         <a:spcAft>
                           <a:spcPts val="0"/>
                         </a:spcAft>
@@ -21479,7 +21171,7 @@
                           <a:ea typeface="Times New Roman" charset="0"/>
                           <a:cs typeface="Times New Roman" charset="0"/>
                         </a:rPr>
-                        <a:t>7</a:t>
+                        <a:t>The algorithm will return array of each agent’s trace. Once target list is empty, it will stop.</a:t>
                       </a:r>
                       <a:endParaRPr lang="en-US" sz="1200" kern="100">
                         <a:effectLst/>
@@ -21491,12 +21183,14 @@
                   </a:txBody>
                   <a:tcPr marL="68580" marR="68580" marT="0" marB="0"/>
                 </a:tc>
-                <a:tc>
-                  <a:txBody>
-                    <a:bodyPr/>
-                    <a:lstStyle/>
-                    <a:p>
-                      <a:pPr algn="l">
+              </a:tr>
+              <a:tr h="396386">
+                <a:tc>
+                  <a:txBody>
+                    <a:bodyPr/>
+                    <a:lstStyle/>
+                    <a:p>
+                      <a:pPr algn="ctr">
                         <a:spcAft>
                           <a:spcPts val="0"/>
                         </a:spcAft>
@@ -21508,7 +21202,7 @@
                           <a:ea typeface="Times New Roman" charset="0"/>
                           <a:cs typeface="Times New Roman" charset="0"/>
                         </a:rPr>
-                        <a:t>The environment has more than one region. Each region has more than one agent.</a:t>
+                        <a:t>5</a:t>
                       </a:r>
                       <a:endParaRPr lang="en-US" sz="1200" kern="100">
                         <a:effectLst/>
@@ -21525,7 +21219,7 @@
                     <a:bodyPr/>
                     <a:lstStyle/>
                     <a:p>
-                      <a:pPr algn="ctr">
+                      <a:pPr algn="l">
                         <a:spcAft>
                           <a:spcPts val="0"/>
                         </a:spcAft>
@@ -21537,7 +21231,7 @@
                           <a:ea typeface="Times New Roman" charset="0"/>
                           <a:cs typeface="Times New Roman" charset="0"/>
                         </a:rPr>
-                        <a:t>  File, 1</a:t>
+                        <a:t>The environment has more than one region. Each region has only one agent.</a:t>
                       </a:r>
                       <a:endParaRPr lang="en-US" sz="1200" kern="100">
                         <a:effectLst/>
@@ -21554,7 +21248,7 @@
                     <a:bodyPr/>
                     <a:lstStyle/>
                     <a:p>
-                      <a:pPr algn="l">
+                      <a:pPr algn="ctr">
                         <a:spcAft>
                           <a:spcPts val="0"/>
                         </a:spcAft>
@@ -21566,98 +21260,36 @@
                           <a:ea typeface="Times New Roman" charset="0"/>
                           <a:cs typeface="Times New Roman" charset="0"/>
                         </a:rPr>
-                        <a:t>The algorithm will return array of each agent’s trace. Once target list is empty, it will stop.</a:t>
-                      </a:r>
-                      <a:endParaRPr lang="en-US" sz="1200" kern="100" dirty="0">
-                        <a:effectLst/>
-                        <a:latin typeface="Calibri" charset="0"/>
-                        <a:ea typeface="Calibri" charset="0"/>
-                        <a:cs typeface="Times New Roman" charset="0"/>
-                      </a:endParaRPr>
-                    </a:p>
-                  </a:txBody>
-                  <a:tcPr marL="68580" marR="68580" marT="0" marB="0"/>
-                </a:tc>
-              </a:tr>
-              <a:tr h="396386">
-                <a:tc>
-                  <a:txBody>
-                    <a:bodyPr/>
-                    <a:lstStyle/>
-                    <a:p>
-                      <a:pPr algn="ctr">
-                        <a:spcAft>
-                          <a:spcPts val="0"/>
-                        </a:spcAft>
-                      </a:pPr>
-                      <a:r>
-                        <a:rPr lang="en-US" sz="1200" kern="0">
+                        <a:t>  </a:t>
+                      </a:r>
+                      <a:r>
+                        <a:rPr lang="en-US" altLang="zh-CN" sz="1200" kern="0" dirty="0" smtClean="0">
                           <a:effectLst/>
                           <a:latin typeface="Times New Roman" charset="0"/>
                           <a:ea typeface="Times New Roman" charset="0"/>
                           <a:cs typeface="Times New Roman" charset="0"/>
                         </a:rPr>
-                        <a:t>8</a:t>
-                      </a:r>
-                      <a:endParaRPr lang="en-US" sz="1200" kern="100">
-                        <a:effectLst/>
-                        <a:latin typeface="Calibri" charset="0"/>
-                        <a:ea typeface="Calibri" charset="0"/>
-                        <a:cs typeface="Times New Roman" charset="0"/>
-                      </a:endParaRPr>
-                    </a:p>
-                  </a:txBody>
-                  <a:tcPr marL="68580" marR="68580" marT="0" marB="0"/>
-                </a:tc>
-                <a:tc>
-                  <a:txBody>
-                    <a:bodyPr/>
-                    <a:lstStyle/>
-                    <a:p>
-                      <a:pPr algn="l">
-                        <a:spcAft>
-                          <a:spcPts val="0"/>
-                        </a:spcAft>
-                      </a:pPr>
-                      <a:r>
-                        <a:rPr lang="en-US" sz="1200" kern="0">
+                        <a:t>Environment</a:t>
+                      </a:r>
+                      <a:r>
+                        <a:rPr lang="en-US" sz="1200" kern="0" dirty="0" smtClean="0">
                           <a:effectLst/>
                           <a:latin typeface="Times New Roman" charset="0"/>
                           <a:ea typeface="Times New Roman" charset="0"/>
                           <a:cs typeface="Times New Roman" charset="0"/>
                         </a:rPr>
-                        <a:t>The environment has more than one region. Each region has more than one agent.</a:t>
-                      </a:r>
-                      <a:endParaRPr lang="en-US" sz="1200" kern="100">
-                        <a:effectLst/>
-                        <a:latin typeface="Calibri" charset="0"/>
-                        <a:ea typeface="Calibri" charset="0"/>
-                        <a:cs typeface="Times New Roman" charset="0"/>
-                      </a:endParaRPr>
-                    </a:p>
-                  </a:txBody>
-                  <a:tcPr marL="68580" marR="68580" marT="0" marB="0"/>
-                </a:tc>
-                <a:tc>
-                  <a:txBody>
-                    <a:bodyPr/>
-                    <a:lstStyle/>
-                    <a:p>
-                      <a:pPr algn="ctr">
-                        <a:spcAft>
-                          <a:spcPts val="0"/>
-                        </a:spcAft>
-                      </a:pPr>
-                      <a:r>
-                        <a:rPr lang="en-US" sz="1200" kern="0">
+                        <a:t>, </a:t>
+                      </a:r>
+                      <a:r>
+                        <a:rPr lang="en-US" sz="1200" kern="0" dirty="0">
                           <a:effectLst/>
                           <a:latin typeface="Times New Roman" charset="0"/>
                           <a:ea typeface="Times New Roman" charset="0"/>
                           <a:cs typeface="Times New Roman" charset="0"/>
                         </a:rPr>
-                        <a:t>  File, N(N&gt;1)</a:t>
-                      </a:r>
-                      <a:endParaRPr lang="en-US" sz="1200" kern="100">
+                        <a:t>1</a:t>
+                      </a:r>
+                      <a:endParaRPr lang="en-US" sz="1200" kern="100" dirty="0">
                         <a:effectLst/>
                         <a:latin typeface="Calibri" charset="0"/>
                         <a:ea typeface="Calibri" charset="0"/>
@@ -21678,7 +21310,7 @@
                         </a:spcAft>
                       </a:pPr>
                       <a:r>
-                        <a:rPr lang="en-US" sz="1200" kern="0" dirty="0">
+                        <a:rPr lang="en-US" sz="1200" kern="0">
                           <a:effectLst/>
                           <a:latin typeface="Times New Roman" charset="0"/>
                           <a:ea typeface="Times New Roman" charset="0"/>
@@ -21686,7 +21318,7 @@
                         </a:rPr>
                         <a:t>The algorithm will return array of each agent’s trace. Once target list is empty, it will stop.</a:t>
                       </a:r>
-                      <a:endParaRPr lang="en-US" sz="1200" kern="100" dirty="0">
+                      <a:endParaRPr lang="en-US" sz="1200" kern="100">
                         <a:effectLst/>
                         <a:latin typeface="Calibri" charset="0"/>
                         <a:ea typeface="Calibri" charset="0"/>
@@ -21715,7 +21347,7 @@
                           <a:ea typeface="Times New Roman" charset="0"/>
                           <a:cs typeface="Times New Roman" charset="0"/>
                         </a:rPr>
-                        <a:t>9</a:t>
+                        <a:t>6</a:t>
                       </a:r>
                       <a:endParaRPr lang="en-US" sz="1200" kern="100">
                         <a:effectLst/>
@@ -21744,7 +21376,7 @@
                           <a:ea typeface="Times New Roman" charset="0"/>
                           <a:cs typeface="Times New Roman" charset="0"/>
                         </a:rPr>
-                        <a:t>The environment has more than one region. Each region has more than one agent.</a:t>
+                        <a:t>The environment has more than one region. Each region has only one agent.</a:t>
                       </a:r>
                       <a:endParaRPr lang="en-US" sz="1200" kern="100">
                         <a:effectLst/>
@@ -21767,104 +21399,42 @@
                         </a:spcAft>
                       </a:pPr>
                       <a:r>
-                        <a:rPr lang="en-US" sz="1200" kern="0">
+                        <a:rPr lang="en-US" sz="1200" kern="0" dirty="0">
                           <a:effectLst/>
                           <a:latin typeface="Times New Roman" charset="0"/>
                           <a:ea typeface="Times New Roman" charset="0"/>
                           <a:cs typeface="Times New Roman" charset="0"/>
                         </a:rPr>
-                        <a:t>File, 0</a:t>
-                      </a:r>
-                      <a:endParaRPr lang="en-US" sz="1200" kern="100">
-                        <a:effectLst/>
-                        <a:latin typeface="Calibri" charset="0"/>
-                        <a:ea typeface="Calibri" charset="0"/>
-                        <a:cs typeface="Times New Roman" charset="0"/>
-                      </a:endParaRPr>
-                    </a:p>
-                  </a:txBody>
-                  <a:tcPr marL="68580" marR="68580" marT="0" marB="0"/>
-                </a:tc>
-                <a:tc>
-                  <a:txBody>
-                    <a:bodyPr/>
-                    <a:lstStyle/>
-                    <a:p>
-                      <a:pPr algn="l">
-                        <a:spcAft>
-                          <a:spcPts val="0"/>
-                        </a:spcAft>
-                      </a:pPr>
-                      <a:r>
-                        <a:rPr lang="en-US" sz="1200" kern="0" dirty="0">
+                        <a:t>  </a:t>
+                      </a:r>
+                      <a:r>
+                        <a:rPr lang="en-US" altLang="zh-CN" sz="1200" kern="0" dirty="0" smtClean="0">
                           <a:effectLst/>
                           <a:latin typeface="Times New Roman" charset="0"/>
                           <a:ea typeface="Times New Roman" charset="0"/>
                           <a:cs typeface="Times New Roman" charset="0"/>
                         </a:rPr>
-                        <a:t>Nothing will display. Return error message</a:t>
-                      </a:r>
-                      <a:endParaRPr lang="en-US" sz="1200" kern="100" dirty="0">
-                        <a:effectLst/>
-                        <a:latin typeface="Calibri" charset="0"/>
-                        <a:ea typeface="Calibri" charset="0"/>
-                        <a:cs typeface="Times New Roman" charset="0"/>
-                      </a:endParaRPr>
-                    </a:p>
-                  </a:txBody>
-                  <a:tcPr marL="68580" marR="68580" marT="0" marB="0"/>
-                </a:tc>
-              </a:tr>
-              <a:tr h="396386">
-                <a:tc>
-                  <a:txBody>
-                    <a:bodyPr/>
-                    <a:lstStyle/>
-                    <a:p>
-                      <a:pPr algn="ctr">
-                        <a:spcAft>
-                          <a:spcPts val="0"/>
-                        </a:spcAft>
-                      </a:pPr>
-                      <a:r>
-                        <a:rPr lang="en-US" sz="1200" kern="0">
+                        <a:t>Environment</a:t>
+                      </a:r>
+                      <a:r>
+                        <a:rPr lang="en-US" sz="1200" kern="0" dirty="0" smtClean="0">
                           <a:effectLst/>
                           <a:latin typeface="Times New Roman" charset="0"/>
                           <a:ea typeface="Times New Roman" charset="0"/>
                           <a:cs typeface="Times New Roman" charset="0"/>
                         </a:rPr>
-                        <a:t>10</a:t>
-                      </a:r>
-                      <a:endParaRPr lang="en-US" sz="1200" kern="100">
-                        <a:effectLst/>
-                        <a:latin typeface="Calibri" charset="0"/>
-                        <a:ea typeface="Calibri" charset="0"/>
-                        <a:cs typeface="Times New Roman" charset="0"/>
-                      </a:endParaRPr>
-                    </a:p>
-                  </a:txBody>
-                  <a:tcPr marL="68580" marR="68580" marT="0" marB="0"/>
-                </a:tc>
-                <a:tc>
-                  <a:txBody>
-                    <a:bodyPr/>
-                    <a:lstStyle/>
-                    <a:p>
-                      <a:pPr algn="l">
-                        <a:spcAft>
-                          <a:spcPts val="0"/>
-                        </a:spcAft>
-                      </a:pPr>
-                      <a:r>
-                        <a:rPr lang="en-US" sz="1200" kern="0">
+                        <a:t>, </a:t>
+                      </a:r>
+                      <a:r>
+                        <a:rPr lang="en-US" sz="1200" kern="0" dirty="0">
                           <a:effectLst/>
                           <a:latin typeface="Times New Roman" charset="0"/>
                           <a:ea typeface="Times New Roman" charset="0"/>
                           <a:cs typeface="Times New Roman" charset="0"/>
                         </a:rPr>
-                        <a:t>The environment has more than one region. Each region has more than one agent.</a:t>
-                      </a:r>
-                      <a:endParaRPr lang="en-US" sz="1200" kern="100">
+                        <a:t>N(N&gt;1)</a:t>
+                      </a:r>
+                      <a:endParaRPr lang="en-US" sz="1200" kern="100" dirty="0">
                         <a:effectLst/>
                         <a:latin typeface="Calibri" charset="0"/>
                         <a:ea typeface="Calibri" charset="0"/>
@@ -21879,7 +21449,7 @@
                     <a:bodyPr/>
                     <a:lstStyle/>
                     <a:p>
-                      <a:pPr algn="ctr">
+                      <a:pPr algn="l">
                         <a:spcAft>
                           <a:spcPts val="0"/>
                         </a:spcAft>
@@ -21891,9 +21461,542 @@
                           <a:ea typeface="Times New Roman" charset="0"/>
                           <a:cs typeface="Times New Roman" charset="0"/>
                         </a:rPr>
-                        <a:t>File, 10000</a:t>
+                        <a:t>The algorithm will return array of each agent’s trace. Once target list is empty, it will stop.</a:t>
                       </a:r>
                       <a:endParaRPr lang="en-US" sz="1200" kern="100">
+                        <a:effectLst/>
+                        <a:latin typeface="Calibri" charset="0"/>
+                        <a:ea typeface="Calibri" charset="0"/>
+                        <a:cs typeface="Times New Roman" charset="0"/>
+                      </a:endParaRPr>
+                    </a:p>
+                  </a:txBody>
+                  <a:tcPr marL="68580" marR="68580" marT="0" marB="0"/>
+                </a:tc>
+              </a:tr>
+              <a:tr h="396386">
+                <a:tc>
+                  <a:txBody>
+                    <a:bodyPr/>
+                    <a:lstStyle/>
+                    <a:p>
+                      <a:pPr algn="ctr">
+                        <a:spcAft>
+                          <a:spcPts val="0"/>
+                        </a:spcAft>
+                      </a:pPr>
+                      <a:r>
+                        <a:rPr lang="en-US" sz="1200" kern="0">
+                          <a:effectLst/>
+                          <a:latin typeface="Times New Roman" charset="0"/>
+                          <a:ea typeface="Times New Roman" charset="0"/>
+                          <a:cs typeface="Times New Roman" charset="0"/>
+                        </a:rPr>
+                        <a:t>7</a:t>
+                      </a:r>
+                      <a:endParaRPr lang="en-US" sz="1200" kern="100">
+                        <a:effectLst/>
+                        <a:latin typeface="Calibri" charset="0"/>
+                        <a:ea typeface="Calibri" charset="0"/>
+                        <a:cs typeface="Times New Roman" charset="0"/>
+                      </a:endParaRPr>
+                    </a:p>
+                  </a:txBody>
+                  <a:tcPr marL="68580" marR="68580" marT="0" marB="0"/>
+                </a:tc>
+                <a:tc>
+                  <a:txBody>
+                    <a:bodyPr/>
+                    <a:lstStyle/>
+                    <a:p>
+                      <a:pPr algn="l">
+                        <a:spcAft>
+                          <a:spcPts val="0"/>
+                        </a:spcAft>
+                      </a:pPr>
+                      <a:r>
+                        <a:rPr lang="en-US" sz="1200" kern="0">
+                          <a:effectLst/>
+                          <a:latin typeface="Times New Roman" charset="0"/>
+                          <a:ea typeface="Times New Roman" charset="0"/>
+                          <a:cs typeface="Times New Roman" charset="0"/>
+                        </a:rPr>
+                        <a:t>The environment has more than one region. Each region has more than one agent.</a:t>
+                      </a:r>
+                      <a:endParaRPr lang="en-US" sz="1200" kern="100">
+                        <a:effectLst/>
+                        <a:latin typeface="Calibri" charset="0"/>
+                        <a:ea typeface="Calibri" charset="0"/>
+                        <a:cs typeface="Times New Roman" charset="0"/>
+                      </a:endParaRPr>
+                    </a:p>
+                  </a:txBody>
+                  <a:tcPr marL="68580" marR="68580" marT="0" marB="0"/>
+                </a:tc>
+                <a:tc>
+                  <a:txBody>
+                    <a:bodyPr/>
+                    <a:lstStyle/>
+                    <a:p>
+                      <a:pPr algn="ctr">
+                        <a:spcAft>
+                          <a:spcPts val="0"/>
+                        </a:spcAft>
+                      </a:pPr>
+                      <a:r>
+                        <a:rPr lang="en-US" sz="1200" kern="0" dirty="0">
+                          <a:effectLst/>
+                          <a:latin typeface="Times New Roman" charset="0"/>
+                          <a:ea typeface="Times New Roman" charset="0"/>
+                          <a:cs typeface="Times New Roman" charset="0"/>
+                        </a:rPr>
+                        <a:t>  </a:t>
+                      </a:r>
+                      <a:r>
+                        <a:rPr lang="en-US" altLang="zh-CN" sz="1200" kern="0" dirty="0" smtClean="0">
+                          <a:effectLst/>
+                          <a:latin typeface="Times New Roman" charset="0"/>
+                          <a:ea typeface="Times New Roman" charset="0"/>
+                          <a:cs typeface="Times New Roman" charset="0"/>
+                        </a:rPr>
+                        <a:t>Environment</a:t>
+                      </a:r>
+                      <a:r>
+                        <a:rPr lang="en-US" sz="1200" kern="0" dirty="0" smtClean="0">
+                          <a:effectLst/>
+                          <a:latin typeface="Times New Roman" charset="0"/>
+                          <a:ea typeface="Times New Roman" charset="0"/>
+                          <a:cs typeface="Times New Roman" charset="0"/>
+                        </a:rPr>
+                        <a:t>, </a:t>
+                      </a:r>
+                      <a:r>
+                        <a:rPr lang="en-US" sz="1200" kern="0" dirty="0">
+                          <a:effectLst/>
+                          <a:latin typeface="Times New Roman" charset="0"/>
+                          <a:ea typeface="Times New Roman" charset="0"/>
+                          <a:cs typeface="Times New Roman" charset="0"/>
+                        </a:rPr>
+                        <a:t>1</a:t>
+                      </a:r>
+                      <a:endParaRPr lang="en-US" sz="1200" kern="100" dirty="0">
+                        <a:effectLst/>
+                        <a:latin typeface="Calibri" charset="0"/>
+                        <a:ea typeface="Calibri" charset="0"/>
+                        <a:cs typeface="Times New Roman" charset="0"/>
+                      </a:endParaRPr>
+                    </a:p>
+                  </a:txBody>
+                  <a:tcPr marL="68580" marR="68580" marT="0" marB="0"/>
+                </a:tc>
+                <a:tc>
+                  <a:txBody>
+                    <a:bodyPr/>
+                    <a:lstStyle/>
+                    <a:p>
+                      <a:pPr algn="l">
+                        <a:spcAft>
+                          <a:spcPts val="0"/>
+                        </a:spcAft>
+                      </a:pPr>
+                      <a:r>
+                        <a:rPr lang="en-US" sz="1200" kern="0" dirty="0">
+                          <a:effectLst/>
+                          <a:latin typeface="Times New Roman" charset="0"/>
+                          <a:ea typeface="Times New Roman" charset="0"/>
+                          <a:cs typeface="Times New Roman" charset="0"/>
+                        </a:rPr>
+                        <a:t>The algorithm will return array of each agent’s trace. Once target list is empty, it will stop.</a:t>
+                      </a:r>
+                      <a:endParaRPr lang="en-US" sz="1200" kern="100" dirty="0">
+                        <a:effectLst/>
+                        <a:latin typeface="Calibri" charset="0"/>
+                        <a:ea typeface="Calibri" charset="0"/>
+                        <a:cs typeface="Times New Roman" charset="0"/>
+                      </a:endParaRPr>
+                    </a:p>
+                  </a:txBody>
+                  <a:tcPr marL="68580" marR="68580" marT="0" marB="0"/>
+                </a:tc>
+              </a:tr>
+              <a:tr h="396386">
+                <a:tc>
+                  <a:txBody>
+                    <a:bodyPr/>
+                    <a:lstStyle/>
+                    <a:p>
+                      <a:pPr algn="ctr">
+                        <a:spcAft>
+                          <a:spcPts val="0"/>
+                        </a:spcAft>
+                      </a:pPr>
+                      <a:r>
+                        <a:rPr lang="en-US" sz="1200" kern="0">
+                          <a:effectLst/>
+                          <a:latin typeface="Times New Roman" charset="0"/>
+                          <a:ea typeface="Times New Roman" charset="0"/>
+                          <a:cs typeface="Times New Roman" charset="0"/>
+                        </a:rPr>
+                        <a:t>8</a:t>
+                      </a:r>
+                      <a:endParaRPr lang="en-US" sz="1200" kern="100">
+                        <a:effectLst/>
+                        <a:latin typeface="Calibri" charset="0"/>
+                        <a:ea typeface="Calibri" charset="0"/>
+                        <a:cs typeface="Times New Roman" charset="0"/>
+                      </a:endParaRPr>
+                    </a:p>
+                  </a:txBody>
+                  <a:tcPr marL="68580" marR="68580" marT="0" marB="0"/>
+                </a:tc>
+                <a:tc>
+                  <a:txBody>
+                    <a:bodyPr/>
+                    <a:lstStyle/>
+                    <a:p>
+                      <a:pPr algn="l">
+                        <a:spcAft>
+                          <a:spcPts val="0"/>
+                        </a:spcAft>
+                      </a:pPr>
+                      <a:r>
+                        <a:rPr lang="en-US" sz="1200" kern="0">
+                          <a:effectLst/>
+                          <a:latin typeface="Times New Roman" charset="0"/>
+                          <a:ea typeface="Times New Roman" charset="0"/>
+                          <a:cs typeface="Times New Roman" charset="0"/>
+                        </a:rPr>
+                        <a:t>The environment has more than one region. Each region has more than one agent.</a:t>
+                      </a:r>
+                      <a:endParaRPr lang="en-US" sz="1200" kern="100">
+                        <a:effectLst/>
+                        <a:latin typeface="Calibri" charset="0"/>
+                        <a:ea typeface="Calibri" charset="0"/>
+                        <a:cs typeface="Times New Roman" charset="0"/>
+                      </a:endParaRPr>
+                    </a:p>
+                  </a:txBody>
+                  <a:tcPr marL="68580" marR="68580" marT="0" marB="0"/>
+                </a:tc>
+                <a:tc>
+                  <a:txBody>
+                    <a:bodyPr/>
+                    <a:lstStyle/>
+                    <a:p>
+                      <a:pPr algn="ctr">
+                        <a:spcAft>
+                          <a:spcPts val="0"/>
+                        </a:spcAft>
+                      </a:pPr>
+                      <a:r>
+                        <a:rPr lang="en-US" sz="1200" kern="0" dirty="0">
+                          <a:effectLst/>
+                          <a:latin typeface="Times New Roman" charset="0"/>
+                          <a:ea typeface="Times New Roman" charset="0"/>
+                          <a:cs typeface="Times New Roman" charset="0"/>
+                        </a:rPr>
+                        <a:t>  </a:t>
+                      </a:r>
+                      <a:r>
+                        <a:rPr lang="en-US" altLang="zh-CN" sz="1200" kern="0" dirty="0" smtClean="0">
+                          <a:effectLst/>
+                          <a:latin typeface="Times New Roman" charset="0"/>
+                          <a:ea typeface="Times New Roman" charset="0"/>
+                          <a:cs typeface="Times New Roman" charset="0"/>
+                        </a:rPr>
+                        <a:t>Environment</a:t>
+                      </a:r>
+                      <a:r>
+                        <a:rPr lang="en-US" sz="1200" kern="0" dirty="0" smtClean="0">
+                          <a:effectLst/>
+                          <a:latin typeface="Times New Roman" charset="0"/>
+                          <a:ea typeface="Times New Roman" charset="0"/>
+                          <a:cs typeface="Times New Roman" charset="0"/>
+                        </a:rPr>
+                        <a:t>, </a:t>
+                      </a:r>
+                      <a:r>
+                        <a:rPr lang="en-US" sz="1200" kern="0" dirty="0">
+                          <a:effectLst/>
+                          <a:latin typeface="Times New Roman" charset="0"/>
+                          <a:ea typeface="Times New Roman" charset="0"/>
+                          <a:cs typeface="Times New Roman" charset="0"/>
+                        </a:rPr>
+                        <a:t>N(N&gt;1)</a:t>
+                      </a:r>
+                      <a:endParaRPr lang="en-US" sz="1200" kern="100" dirty="0">
+                        <a:effectLst/>
+                        <a:latin typeface="Calibri" charset="0"/>
+                        <a:ea typeface="Calibri" charset="0"/>
+                        <a:cs typeface="Times New Roman" charset="0"/>
+                      </a:endParaRPr>
+                    </a:p>
+                  </a:txBody>
+                  <a:tcPr marL="68580" marR="68580" marT="0" marB="0"/>
+                </a:tc>
+                <a:tc>
+                  <a:txBody>
+                    <a:bodyPr/>
+                    <a:lstStyle/>
+                    <a:p>
+                      <a:pPr algn="l">
+                        <a:spcAft>
+                          <a:spcPts val="0"/>
+                        </a:spcAft>
+                      </a:pPr>
+                      <a:r>
+                        <a:rPr lang="en-US" sz="1200" kern="0" dirty="0">
+                          <a:effectLst/>
+                          <a:latin typeface="Times New Roman" charset="0"/>
+                          <a:ea typeface="Times New Roman" charset="0"/>
+                          <a:cs typeface="Times New Roman" charset="0"/>
+                        </a:rPr>
+                        <a:t>The algorithm will return array of each agent’s trace. Once target list is empty, it will stop.</a:t>
+                      </a:r>
+                      <a:endParaRPr lang="en-US" sz="1200" kern="100" dirty="0">
+                        <a:effectLst/>
+                        <a:latin typeface="Calibri" charset="0"/>
+                        <a:ea typeface="Calibri" charset="0"/>
+                        <a:cs typeface="Times New Roman" charset="0"/>
+                      </a:endParaRPr>
+                    </a:p>
+                  </a:txBody>
+                  <a:tcPr marL="68580" marR="68580" marT="0" marB="0"/>
+                </a:tc>
+              </a:tr>
+              <a:tr h="396386">
+                <a:tc>
+                  <a:txBody>
+                    <a:bodyPr/>
+                    <a:lstStyle/>
+                    <a:p>
+                      <a:pPr algn="ctr">
+                        <a:spcAft>
+                          <a:spcPts val="0"/>
+                        </a:spcAft>
+                      </a:pPr>
+                      <a:r>
+                        <a:rPr lang="en-US" sz="1200" kern="0">
+                          <a:effectLst/>
+                          <a:latin typeface="Times New Roman" charset="0"/>
+                          <a:ea typeface="Times New Roman" charset="0"/>
+                          <a:cs typeface="Times New Roman" charset="0"/>
+                        </a:rPr>
+                        <a:t>9</a:t>
+                      </a:r>
+                      <a:endParaRPr lang="en-US" sz="1200" kern="100">
+                        <a:effectLst/>
+                        <a:latin typeface="Calibri" charset="0"/>
+                        <a:ea typeface="Calibri" charset="0"/>
+                        <a:cs typeface="Times New Roman" charset="0"/>
+                      </a:endParaRPr>
+                    </a:p>
+                  </a:txBody>
+                  <a:tcPr marL="68580" marR="68580" marT="0" marB="0"/>
+                </a:tc>
+                <a:tc>
+                  <a:txBody>
+                    <a:bodyPr/>
+                    <a:lstStyle/>
+                    <a:p>
+                      <a:pPr algn="l">
+                        <a:spcAft>
+                          <a:spcPts val="0"/>
+                        </a:spcAft>
+                      </a:pPr>
+                      <a:r>
+                        <a:rPr lang="en-US" sz="1200" kern="0">
+                          <a:effectLst/>
+                          <a:latin typeface="Times New Roman" charset="0"/>
+                          <a:ea typeface="Times New Roman" charset="0"/>
+                          <a:cs typeface="Times New Roman" charset="0"/>
+                        </a:rPr>
+                        <a:t>The environment has more than one region. Each region has more than one agent.</a:t>
+                      </a:r>
+                      <a:endParaRPr lang="en-US" sz="1200" kern="100">
+                        <a:effectLst/>
+                        <a:latin typeface="Calibri" charset="0"/>
+                        <a:ea typeface="Calibri" charset="0"/>
+                        <a:cs typeface="Times New Roman" charset="0"/>
+                      </a:endParaRPr>
+                    </a:p>
+                  </a:txBody>
+                  <a:tcPr marL="68580" marR="68580" marT="0" marB="0"/>
+                </a:tc>
+                <a:tc>
+                  <a:txBody>
+                    <a:bodyPr/>
+                    <a:lstStyle/>
+                    <a:p>
+                      <a:pPr algn="ctr">
+                        <a:spcAft>
+                          <a:spcPts val="0"/>
+                        </a:spcAft>
+                      </a:pPr>
+                      <a:r>
+                        <a:rPr lang="en-US" altLang="zh-CN" sz="1200" kern="0" dirty="0" smtClean="0">
+                          <a:effectLst/>
+                          <a:latin typeface="Times New Roman" charset="0"/>
+                          <a:ea typeface="Times New Roman" charset="0"/>
+                          <a:cs typeface="Times New Roman" charset="0"/>
+                        </a:rPr>
+                        <a:t>Environment</a:t>
+                      </a:r>
+                      <a:r>
+                        <a:rPr lang="en-US" sz="1200" kern="0" dirty="0" smtClean="0">
+                          <a:effectLst/>
+                          <a:latin typeface="Times New Roman" charset="0"/>
+                          <a:ea typeface="Times New Roman" charset="0"/>
+                          <a:cs typeface="Times New Roman" charset="0"/>
+                        </a:rPr>
+                        <a:t>, </a:t>
+                      </a:r>
+                      <a:r>
+                        <a:rPr lang="en-US" sz="1200" kern="0" dirty="0">
+                          <a:effectLst/>
+                          <a:latin typeface="Times New Roman" charset="0"/>
+                          <a:ea typeface="Times New Roman" charset="0"/>
+                          <a:cs typeface="Times New Roman" charset="0"/>
+                        </a:rPr>
+                        <a:t>0</a:t>
+                      </a:r>
+                      <a:endParaRPr lang="en-US" sz="1200" kern="100" dirty="0">
+                        <a:effectLst/>
+                        <a:latin typeface="Calibri" charset="0"/>
+                        <a:ea typeface="Calibri" charset="0"/>
+                        <a:cs typeface="Times New Roman" charset="0"/>
+                      </a:endParaRPr>
+                    </a:p>
+                  </a:txBody>
+                  <a:tcPr marL="68580" marR="68580" marT="0" marB="0"/>
+                </a:tc>
+                <a:tc>
+                  <a:txBody>
+                    <a:bodyPr/>
+                    <a:lstStyle/>
+                    <a:p>
+                      <a:pPr algn="l">
+                        <a:spcAft>
+                          <a:spcPts val="0"/>
+                        </a:spcAft>
+                      </a:pPr>
+                      <a:r>
+                        <a:rPr lang="en-US" sz="1200" kern="0" dirty="0">
+                          <a:effectLst/>
+                          <a:latin typeface="Times New Roman" charset="0"/>
+                          <a:ea typeface="Times New Roman" charset="0"/>
+                          <a:cs typeface="Times New Roman" charset="0"/>
+                        </a:rPr>
+                        <a:t>Nothing will display. Return error message</a:t>
+                      </a:r>
+                      <a:endParaRPr lang="en-US" sz="1200" kern="100" dirty="0">
+                        <a:effectLst/>
+                        <a:latin typeface="Calibri" charset="0"/>
+                        <a:ea typeface="Calibri" charset="0"/>
+                        <a:cs typeface="Times New Roman" charset="0"/>
+                      </a:endParaRPr>
+                    </a:p>
+                  </a:txBody>
+                  <a:tcPr marL="68580" marR="68580" marT="0" marB="0"/>
+                </a:tc>
+              </a:tr>
+              <a:tr h="396386">
+                <a:tc>
+                  <a:txBody>
+                    <a:bodyPr/>
+                    <a:lstStyle/>
+                    <a:p>
+                      <a:pPr algn="ctr">
+                        <a:spcAft>
+                          <a:spcPts val="0"/>
+                        </a:spcAft>
+                      </a:pPr>
+                      <a:r>
+                        <a:rPr lang="en-US" sz="1200" kern="0">
+                          <a:effectLst/>
+                          <a:latin typeface="Times New Roman" charset="0"/>
+                          <a:ea typeface="Times New Roman" charset="0"/>
+                          <a:cs typeface="Times New Roman" charset="0"/>
+                        </a:rPr>
+                        <a:t>10</a:t>
+                      </a:r>
+                      <a:endParaRPr lang="en-US" sz="1200" kern="100">
+                        <a:effectLst/>
+                        <a:latin typeface="Calibri" charset="0"/>
+                        <a:ea typeface="Calibri" charset="0"/>
+                        <a:cs typeface="Times New Roman" charset="0"/>
+                      </a:endParaRPr>
+                    </a:p>
+                  </a:txBody>
+                  <a:tcPr marL="68580" marR="68580" marT="0" marB="0"/>
+                </a:tc>
+                <a:tc>
+                  <a:txBody>
+                    <a:bodyPr/>
+                    <a:lstStyle/>
+                    <a:p>
+                      <a:pPr algn="l">
+                        <a:spcAft>
+                          <a:spcPts val="0"/>
+                        </a:spcAft>
+                      </a:pPr>
+                      <a:r>
+                        <a:rPr lang="en-US" sz="1200" kern="0">
+                          <a:effectLst/>
+                          <a:latin typeface="Times New Roman" charset="0"/>
+                          <a:ea typeface="Times New Roman" charset="0"/>
+                          <a:cs typeface="Times New Roman" charset="0"/>
+                        </a:rPr>
+                        <a:t>The environment has more than one region. Each region has more than one agent.</a:t>
+                      </a:r>
+                      <a:endParaRPr lang="en-US" sz="1200" kern="100">
+                        <a:effectLst/>
+                        <a:latin typeface="Calibri" charset="0"/>
+                        <a:ea typeface="Calibri" charset="0"/>
+                        <a:cs typeface="Times New Roman" charset="0"/>
+                      </a:endParaRPr>
+                    </a:p>
+                  </a:txBody>
+                  <a:tcPr marL="68580" marR="68580" marT="0" marB="0"/>
+                </a:tc>
+                <a:tc>
+                  <a:txBody>
+                    <a:bodyPr/>
+                    <a:lstStyle/>
+                    <a:p>
+                      <a:pPr algn="ctr">
+                        <a:spcAft>
+                          <a:spcPts val="0"/>
+                        </a:spcAft>
+                      </a:pPr>
+                      <a:r>
+                        <a:rPr lang="en-US" altLang="zh-CN" sz="1200" kern="0" dirty="0" smtClean="0">
+                          <a:effectLst/>
+                          <a:latin typeface="Times New Roman" charset="0"/>
+                          <a:ea typeface="Times New Roman" charset="0"/>
+                          <a:cs typeface="Times New Roman" charset="0"/>
+                        </a:rPr>
+                        <a:t>Environment</a:t>
+                      </a:r>
+                      <a:r>
+                        <a:rPr lang="en-US" sz="1200" kern="0" dirty="0" smtClean="0">
+                          <a:effectLst/>
+                          <a:latin typeface="Times New Roman" charset="0"/>
+                          <a:ea typeface="Times New Roman" charset="0"/>
+                          <a:cs typeface="Times New Roman" charset="0"/>
+                        </a:rPr>
+                        <a:t>, </a:t>
+                      </a:r>
+                      <a:r>
+                        <a:rPr lang="en-US" sz="1200" kern="0" dirty="0">
+                          <a:effectLst/>
+                          <a:latin typeface="Times New Roman" charset="0"/>
+                          <a:ea typeface="Times New Roman" charset="0"/>
+                          <a:cs typeface="Times New Roman" charset="0"/>
+                        </a:rPr>
+                        <a:t>10000</a:t>
+                      </a:r>
+                      <a:endParaRPr lang="en-US" sz="1200" kern="100" dirty="0">
                         <a:effectLst/>
                         <a:latin typeface="Calibri" charset="0"/>
                         <a:ea typeface="Calibri" charset="0"/>
@@ -21947,6 +22050,1516 @@
   <p:clrMapOvr>
     <a:masterClrMapping/>
   </p:clrMapOvr>
+  <p:timing>
+    <p:tnLst>
+      <p:par>
+        <p:cTn id="1" dur="indefinite" restart="never" nodeType="tmRoot"/>
+      </p:par>
+    </p:tnLst>
+  </p:timing>
+</p:sld>
+</file>
+
+<file path=ppt/slides/slide9.xml><?xml version="1.0" encoding="utf-8"?>
+<p:sld xmlns:a="http://schemas.openxmlformats.org/drawingml/2006/main" xmlns:r="http://schemas.openxmlformats.org/officeDocument/2006/relationships" xmlns:p="http://schemas.openxmlformats.org/presentationml/2006/main">
+  <p:cSld>
+    <p:spTree>
+      <p:nvGrpSpPr>
+        <p:cNvPr id="1" name=""/>
+        <p:cNvGrpSpPr/>
+        <p:nvPr/>
+      </p:nvGrpSpPr>
+      <p:grpSpPr>
+        <a:xfrm>
+          <a:off x="0" y="0"/>
+          <a:ext cx="0" cy="0"/>
+          <a:chOff x="0" y="0"/>
+          <a:chExt cx="0" cy="0"/>
+        </a:xfrm>
+      </p:grpSpPr>
+      <p:sp>
+        <p:nvSpPr>
+          <p:cNvPr id="2" name="Title 1"/>
+          <p:cNvSpPr>
+            <a:spLocks noGrp="1"/>
+          </p:cNvSpPr>
+          <p:nvPr>
+            <p:ph type="title"/>
+          </p:nvPr>
+        </p:nvSpPr>
+        <p:spPr>
+          <a:xfrm>
+            <a:off x="1141411" y="289905"/>
+            <a:ext cx="9905998" cy="553057"/>
+          </a:xfrm>
+        </p:spPr>
+        <p:txBody>
+          <a:bodyPr>
+            <a:normAutofit fontScale="90000"/>
+          </a:bodyPr>
+          <a:lstStyle/>
+          <a:p>
+            <a:r>
+              <a:rPr lang="en-US" sz="1800" cap="none" dirty="0"/>
+              <a:t>Consider the sprint task #32 </a:t>
+            </a:r>
+            <a:r>
+              <a:rPr lang="en-US" sz="1800" b="1" cap="none" dirty="0"/>
+              <a:t>Test after integrating algorithm and block view</a:t>
+            </a:r>
+            <a:r>
+              <a:rPr lang="en-US" sz="1800" cap="none" dirty="0"/>
+              <a:t>. Some of the test cases for this task are as follows:</a:t>
+            </a:r>
+            <a:r>
+              <a:rPr lang="en-US" dirty="0"/>
+              <a:t/>
+            </a:r>
+            <a:br>
+              <a:rPr lang="en-US" dirty="0"/>
+            </a:br>
+            <a:endParaRPr lang="en-US" dirty="0"/>
+          </a:p>
+        </p:txBody>
+      </p:sp>
+      <p:graphicFrame>
+        <p:nvGraphicFramePr>
+          <p:cNvPr id="4" name="Content Placeholder 3"/>
+          <p:cNvGraphicFramePr>
+            <a:graphicFrameLocks noGrp="1"/>
+          </p:cNvGraphicFramePr>
+          <p:nvPr>
+            <p:ph idx="1"/>
+            <p:extLst>
+              <p:ext uri="{D42A27DB-BD31-4B8C-83A1-F6EECF244321}">
+                <p14:modId xmlns:p14="http://schemas.microsoft.com/office/powerpoint/2010/main" val="361225659"/>
+              </p:ext>
+            </p:extLst>
+          </p:nvPr>
+        </p:nvGraphicFramePr>
+        <p:xfrm>
+          <a:off x="-1" y="371475"/>
+          <a:ext cx="12192000" cy="6510716"/>
+        </p:xfrm>
+        <a:graphic>
+          <a:graphicData uri="http://schemas.openxmlformats.org/drawingml/2006/table">
+            <a:tbl>
+              <a:tblPr firstRow="1" bandRow="1">
+                <a:tableStyleId>{7DF18680-E054-41AD-8BC1-D1AEF772440D}</a:tableStyleId>
+              </a:tblPr>
+              <a:tblGrid>
+                <a:gridCol w="3048000"/>
+                <a:gridCol w="3048000"/>
+                <a:gridCol w="3048000"/>
+                <a:gridCol w="3048000"/>
+              </a:tblGrid>
+              <a:tr h="560718">
+                <a:tc>
+                  <a:txBody>
+                    <a:bodyPr/>
+                    <a:lstStyle/>
+                    <a:p>
+                      <a:pPr algn="ctr">
+                        <a:spcAft>
+                          <a:spcPts val="0"/>
+                        </a:spcAft>
+                      </a:pPr>
+                      <a:r>
+                        <a:rPr lang="en-US" sz="1200" kern="0">
+                          <a:effectLst/>
+                          <a:latin typeface="Times New Roman" charset="0"/>
+                          <a:ea typeface="Times New Roman" charset="0"/>
+                          <a:cs typeface="Times New Roman" charset="0"/>
+                        </a:rPr>
+                        <a:t>Test case</a:t>
+                      </a:r>
+                      <a:endParaRPr lang="en-US" sz="1200" kern="100">
+                        <a:effectLst/>
+                        <a:latin typeface="Calibri" charset="0"/>
+                        <a:ea typeface="Calibri" charset="0"/>
+                        <a:cs typeface="Times New Roman" charset="0"/>
+                      </a:endParaRPr>
+                    </a:p>
+                    <a:p>
+                      <a:pPr algn="ctr">
+                        <a:spcAft>
+                          <a:spcPts val="0"/>
+                        </a:spcAft>
+                      </a:pPr>
+                      <a:r>
+                        <a:rPr lang="en-US" sz="1200" kern="0">
+                          <a:effectLst/>
+                          <a:latin typeface="Times New Roman" charset="0"/>
+                          <a:ea typeface="Times New Roman" charset="0"/>
+                          <a:cs typeface="Times New Roman" charset="0"/>
+                        </a:rPr>
+                        <a:t>#</a:t>
+                      </a:r>
+                      <a:endParaRPr lang="en-US" sz="1200" kern="100">
+                        <a:effectLst/>
+                        <a:latin typeface="Calibri" charset="0"/>
+                        <a:ea typeface="Calibri" charset="0"/>
+                        <a:cs typeface="Times New Roman" charset="0"/>
+                      </a:endParaRPr>
+                    </a:p>
+                  </a:txBody>
+                  <a:tcPr marL="68580" marR="68580" marT="0" marB="0"/>
+                </a:tc>
+                <a:tc>
+                  <a:txBody>
+                    <a:bodyPr/>
+                    <a:lstStyle/>
+                    <a:p>
+                      <a:pPr algn="ctr">
+                        <a:spcAft>
+                          <a:spcPts val="0"/>
+                        </a:spcAft>
+                      </a:pPr>
+                      <a:r>
+                        <a:rPr lang="en-US" sz="1200" kern="0" dirty="0">
+                          <a:effectLst/>
+                          <a:latin typeface="Times New Roman" charset="0"/>
+                          <a:ea typeface="Times New Roman" charset="0"/>
+                          <a:cs typeface="Times New Roman" charset="0"/>
+                        </a:rPr>
+                        <a:t>Scenario</a:t>
+                      </a:r>
+                      <a:endParaRPr lang="en-US" sz="1200" kern="100" dirty="0">
+                        <a:effectLst/>
+                        <a:latin typeface="Calibri" charset="0"/>
+                        <a:ea typeface="Calibri" charset="0"/>
+                        <a:cs typeface="Times New Roman" charset="0"/>
+                      </a:endParaRPr>
+                    </a:p>
+                    <a:p>
+                      <a:pPr algn="l">
+                        <a:spcAft>
+                          <a:spcPts val="0"/>
+                        </a:spcAft>
+                      </a:pPr>
+                      <a:r>
+                        <a:rPr lang="en-US" sz="1200" kern="0" dirty="0">
+                          <a:effectLst/>
+                          <a:latin typeface="Times New Roman" charset="0"/>
+                          <a:ea typeface="Times New Roman" charset="0"/>
+                          <a:cs typeface="Times New Roman" charset="0"/>
+                        </a:rPr>
+                        <a:t> </a:t>
+                      </a:r>
+                      <a:endParaRPr lang="en-US" sz="1200" kern="100" dirty="0">
+                        <a:effectLst/>
+                        <a:latin typeface="Calibri" charset="0"/>
+                        <a:ea typeface="Calibri" charset="0"/>
+                        <a:cs typeface="Times New Roman" charset="0"/>
+                      </a:endParaRPr>
+                    </a:p>
+                  </a:txBody>
+                  <a:tcPr marL="68580" marR="68580" marT="0" marB="0"/>
+                </a:tc>
+                <a:tc>
+                  <a:txBody>
+                    <a:bodyPr/>
+                    <a:lstStyle/>
+                    <a:p>
+                      <a:pPr algn="ctr">
+                        <a:spcAft>
+                          <a:spcPts val="0"/>
+                        </a:spcAft>
+                      </a:pPr>
+                      <a:r>
+                        <a:rPr lang="en-US" sz="1200" kern="0">
+                          <a:effectLst/>
+                          <a:latin typeface="Times New Roman" charset="0"/>
+                          <a:ea typeface="Times New Roman" charset="0"/>
+                          <a:cs typeface="Times New Roman" charset="0"/>
+                        </a:rPr>
+                        <a:t>Input(s)</a:t>
+                      </a:r>
+                      <a:endParaRPr lang="en-US" sz="1200" kern="100">
+                        <a:effectLst/>
+                        <a:latin typeface="Calibri" charset="0"/>
+                        <a:ea typeface="Calibri" charset="0"/>
+                        <a:cs typeface="Times New Roman" charset="0"/>
+                      </a:endParaRPr>
+                    </a:p>
+                    <a:p>
+                      <a:pPr algn="l">
+                        <a:spcAft>
+                          <a:spcPts val="0"/>
+                        </a:spcAft>
+                      </a:pPr>
+                      <a:r>
+                        <a:rPr lang="en-US" sz="1200" kern="0">
+                          <a:effectLst/>
+                          <a:latin typeface="Times New Roman" charset="0"/>
+                          <a:ea typeface="Times New Roman" charset="0"/>
+                          <a:cs typeface="Times New Roman" charset="0"/>
+                        </a:rPr>
+                        <a:t> </a:t>
+                      </a:r>
+                      <a:endParaRPr lang="en-US" sz="1200" kern="100">
+                        <a:effectLst/>
+                        <a:latin typeface="Calibri" charset="0"/>
+                        <a:ea typeface="Calibri" charset="0"/>
+                        <a:cs typeface="Times New Roman" charset="0"/>
+                      </a:endParaRPr>
+                    </a:p>
+                  </a:txBody>
+                  <a:tcPr marL="68580" marR="68580" marT="0" marB="0"/>
+                </a:tc>
+                <a:tc>
+                  <a:txBody>
+                    <a:bodyPr/>
+                    <a:lstStyle/>
+                    <a:p>
+                      <a:pPr algn="ctr">
+                        <a:spcAft>
+                          <a:spcPts val="0"/>
+                        </a:spcAft>
+                      </a:pPr>
+                      <a:r>
+                        <a:rPr lang="en-US" sz="1200" kern="0">
+                          <a:effectLst/>
+                          <a:latin typeface="Times New Roman" charset="0"/>
+                          <a:ea typeface="Times New Roman" charset="0"/>
+                          <a:cs typeface="Times New Roman" charset="0"/>
+                        </a:rPr>
+                        <a:t>Expected output</a:t>
+                      </a:r>
+                      <a:endParaRPr lang="en-US" sz="1200" kern="100">
+                        <a:effectLst/>
+                        <a:latin typeface="Calibri" charset="0"/>
+                        <a:ea typeface="Calibri" charset="0"/>
+                        <a:cs typeface="Times New Roman" charset="0"/>
+                      </a:endParaRPr>
+                    </a:p>
+                    <a:p>
+                      <a:pPr algn="l">
+                        <a:spcAft>
+                          <a:spcPts val="0"/>
+                        </a:spcAft>
+                      </a:pPr>
+                      <a:r>
+                        <a:rPr lang="en-US" sz="1200" kern="0">
+                          <a:effectLst/>
+                          <a:latin typeface="Times New Roman" charset="0"/>
+                          <a:ea typeface="Times New Roman" charset="0"/>
+                          <a:cs typeface="Times New Roman" charset="0"/>
+                        </a:rPr>
+                        <a:t> </a:t>
+                      </a:r>
+                      <a:endParaRPr lang="en-US" sz="1200" kern="100">
+                        <a:effectLst/>
+                        <a:latin typeface="Calibri" charset="0"/>
+                        <a:ea typeface="Calibri" charset="0"/>
+                        <a:cs typeface="Times New Roman" charset="0"/>
+                      </a:endParaRPr>
+                    </a:p>
+                  </a:txBody>
+                  <a:tcPr marL="68580" marR="68580" marT="0" marB="0"/>
+                </a:tc>
+              </a:tr>
+              <a:tr h="617298">
+                <a:tc>
+                  <a:txBody>
+                    <a:bodyPr/>
+                    <a:lstStyle/>
+                    <a:p>
+                      <a:pPr algn="ctr">
+                        <a:spcAft>
+                          <a:spcPts val="0"/>
+                        </a:spcAft>
+                      </a:pPr>
+                      <a:r>
+                        <a:rPr lang="en-US" sz="1200" kern="0">
+                          <a:effectLst/>
+                          <a:latin typeface="Times New Roman" charset="0"/>
+                          <a:ea typeface="Times New Roman" charset="0"/>
+                          <a:cs typeface="Times New Roman" charset="0"/>
+                        </a:rPr>
+                        <a:t>1</a:t>
+                      </a:r>
+                      <a:endParaRPr lang="en-US" sz="1200" kern="100">
+                        <a:effectLst/>
+                        <a:latin typeface="Calibri" charset="0"/>
+                        <a:ea typeface="Calibri" charset="0"/>
+                        <a:cs typeface="Times New Roman" charset="0"/>
+                      </a:endParaRPr>
+                    </a:p>
+                  </a:txBody>
+                  <a:tcPr marL="68580" marR="68580" marT="0" marB="0"/>
+                </a:tc>
+                <a:tc>
+                  <a:txBody>
+                    <a:bodyPr/>
+                    <a:lstStyle/>
+                    <a:p>
+                      <a:pPr algn="l">
+                        <a:spcAft>
+                          <a:spcPts val="0"/>
+                        </a:spcAft>
+                      </a:pPr>
+                      <a:r>
+                        <a:rPr lang="en-US" sz="1200" kern="0">
+                          <a:effectLst/>
+                          <a:latin typeface="Times New Roman" charset="0"/>
+                          <a:ea typeface="Times New Roman" charset="0"/>
+                          <a:cs typeface="Times New Roman" charset="0"/>
+                        </a:rPr>
+                        <a:t>The environment has only one region. The region has only one agent.</a:t>
+                      </a:r>
+                      <a:endParaRPr lang="en-US" sz="1200" kern="100">
+                        <a:effectLst/>
+                        <a:latin typeface="Calibri" charset="0"/>
+                        <a:ea typeface="Calibri" charset="0"/>
+                        <a:cs typeface="Times New Roman" charset="0"/>
+                      </a:endParaRPr>
+                    </a:p>
+                  </a:txBody>
+                  <a:tcPr marL="68580" marR="68580" marT="0" marB="0"/>
+                </a:tc>
+                <a:tc>
+                  <a:txBody>
+                    <a:bodyPr/>
+                    <a:lstStyle/>
+                    <a:p>
+                      <a:pPr algn="ctr">
+                        <a:spcAft>
+                          <a:spcPts val="0"/>
+                        </a:spcAft>
+                      </a:pPr>
+                      <a:r>
+                        <a:rPr lang="en-US" sz="1200" kern="0">
+                          <a:effectLst/>
+                          <a:latin typeface="Times New Roman" charset="0"/>
+                          <a:ea typeface="Times New Roman" charset="0"/>
+                          <a:cs typeface="Times New Roman" charset="0"/>
+                        </a:rPr>
+                        <a:t>File, 1</a:t>
+                      </a:r>
+                      <a:endParaRPr lang="en-US" sz="1200" kern="100">
+                        <a:effectLst/>
+                        <a:latin typeface="Calibri" charset="0"/>
+                        <a:ea typeface="Calibri" charset="0"/>
+                        <a:cs typeface="Times New Roman" charset="0"/>
+                      </a:endParaRPr>
+                    </a:p>
+                  </a:txBody>
+                  <a:tcPr marL="68580" marR="68580" marT="0" marB="0"/>
+                </a:tc>
+                <a:tc>
+                  <a:txBody>
+                    <a:bodyPr/>
+                    <a:lstStyle/>
+                    <a:p>
+                      <a:pPr algn="l">
+                        <a:spcAft>
+                          <a:spcPts val="0"/>
+                        </a:spcAft>
+                      </a:pPr>
+                      <a:r>
+                        <a:rPr lang="en-US" sz="1200" kern="0">
+                          <a:effectLst/>
+                          <a:latin typeface="Times New Roman" charset="0"/>
+                          <a:ea typeface="Times New Roman" charset="0"/>
+                          <a:cs typeface="Times New Roman" charset="0"/>
+                        </a:rPr>
+                        <a:t>The screen should show agent’s moving trace and the color of trace should change.  Once target list is empty, it will stop.</a:t>
+                      </a:r>
+                      <a:endParaRPr lang="en-US" sz="1200" kern="100">
+                        <a:effectLst/>
+                        <a:latin typeface="Calibri" charset="0"/>
+                        <a:ea typeface="Calibri" charset="0"/>
+                        <a:cs typeface="Times New Roman" charset="0"/>
+                      </a:endParaRPr>
+                    </a:p>
+                  </a:txBody>
+                  <a:tcPr marL="68580" marR="68580" marT="0" marB="0"/>
+                </a:tc>
+              </a:tr>
+              <a:tr h="617298">
+                <a:tc>
+                  <a:txBody>
+                    <a:bodyPr/>
+                    <a:lstStyle/>
+                    <a:p>
+                      <a:pPr algn="ctr">
+                        <a:spcAft>
+                          <a:spcPts val="0"/>
+                        </a:spcAft>
+                      </a:pPr>
+                      <a:r>
+                        <a:rPr lang="en-US" sz="1200" kern="0">
+                          <a:effectLst/>
+                          <a:latin typeface="Times New Roman" charset="0"/>
+                          <a:ea typeface="Times New Roman" charset="0"/>
+                          <a:cs typeface="Times New Roman" charset="0"/>
+                        </a:rPr>
+                        <a:t>2</a:t>
+                      </a:r>
+                      <a:endParaRPr lang="en-US" sz="1200" kern="100">
+                        <a:effectLst/>
+                        <a:latin typeface="Calibri" charset="0"/>
+                        <a:ea typeface="Calibri" charset="0"/>
+                        <a:cs typeface="Times New Roman" charset="0"/>
+                      </a:endParaRPr>
+                    </a:p>
+                  </a:txBody>
+                  <a:tcPr marL="68580" marR="68580" marT="0" marB="0"/>
+                </a:tc>
+                <a:tc>
+                  <a:txBody>
+                    <a:bodyPr/>
+                    <a:lstStyle/>
+                    <a:p>
+                      <a:pPr algn="l">
+                        <a:spcAft>
+                          <a:spcPts val="0"/>
+                        </a:spcAft>
+                      </a:pPr>
+                      <a:r>
+                        <a:rPr lang="en-US" sz="1200" kern="0">
+                          <a:effectLst/>
+                          <a:latin typeface="Times New Roman" charset="0"/>
+                          <a:ea typeface="Times New Roman" charset="0"/>
+                          <a:cs typeface="Times New Roman" charset="0"/>
+                        </a:rPr>
+                        <a:t>The environment has only one region. The region has only one agent.</a:t>
+                      </a:r>
+                      <a:endParaRPr lang="en-US" sz="1200" kern="100">
+                        <a:effectLst/>
+                        <a:latin typeface="Calibri" charset="0"/>
+                        <a:ea typeface="Calibri" charset="0"/>
+                        <a:cs typeface="Times New Roman" charset="0"/>
+                      </a:endParaRPr>
+                    </a:p>
+                  </a:txBody>
+                  <a:tcPr marL="68580" marR="68580" marT="0" marB="0"/>
+                </a:tc>
+                <a:tc>
+                  <a:txBody>
+                    <a:bodyPr/>
+                    <a:lstStyle/>
+                    <a:p>
+                      <a:pPr algn="ctr">
+                        <a:spcAft>
+                          <a:spcPts val="0"/>
+                        </a:spcAft>
+                      </a:pPr>
+                      <a:r>
+                        <a:rPr lang="en-US" sz="1200" kern="0">
+                          <a:effectLst/>
+                          <a:latin typeface="Times New Roman" charset="0"/>
+                          <a:ea typeface="Times New Roman" charset="0"/>
+                          <a:cs typeface="Times New Roman" charset="0"/>
+                        </a:rPr>
+                        <a:t>File, N steps(N&gt;1)</a:t>
+                      </a:r>
+                      <a:endParaRPr lang="en-US" sz="1200" kern="100">
+                        <a:effectLst/>
+                        <a:latin typeface="Calibri" charset="0"/>
+                        <a:ea typeface="Calibri" charset="0"/>
+                        <a:cs typeface="Times New Roman" charset="0"/>
+                      </a:endParaRPr>
+                    </a:p>
+                  </a:txBody>
+                  <a:tcPr marL="68580" marR="68580" marT="0" marB="0"/>
+                </a:tc>
+                <a:tc>
+                  <a:txBody>
+                    <a:bodyPr/>
+                    <a:lstStyle/>
+                    <a:p>
+                      <a:pPr algn="l">
+                        <a:spcAft>
+                          <a:spcPts val="0"/>
+                        </a:spcAft>
+                      </a:pPr>
+                      <a:r>
+                        <a:rPr lang="en-US" sz="1200" kern="0">
+                          <a:effectLst/>
+                          <a:latin typeface="Times New Roman" charset="0"/>
+                          <a:ea typeface="Times New Roman" charset="0"/>
+                          <a:cs typeface="Times New Roman" charset="0"/>
+                        </a:rPr>
+                        <a:t>The screen should show agent’s moving trace and the color of trace should change.  Once target list is empty, it will stop.</a:t>
+                      </a:r>
+                      <a:endParaRPr lang="en-US" sz="1200" kern="100">
+                        <a:effectLst/>
+                        <a:latin typeface="Calibri" charset="0"/>
+                        <a:ea typeface="Calibri" charset="0"/>
+                        <a:cs typeface="Times New Roman" charset="0"/>
+                      </a:endParaRPr>
+                    </a:p>
+                  </a:txBody>
+                  <a:tcPr marL="68580" marR="68580" marT="0" marB="0"/>
+                </a:tc>
+              </a:tr>
+              <a:tr h="617298">
+                <a:tc>
+                  <a:txBody>
+                    <a:bodyPr/>
+                    <a:lstStyle/>
+                    <a:p>
+                      <a:pPr algn="ctr">
+                        <a:spcAft>
+                          <a:spcPts val="0"/>
+                        </a:spcAft>
+                      </a:pPr>
+                      <a:r>
+                        <a:rPr lang="en-US" sz="1200" kern="0">
+                          <a:effectLst/>
+                          <a:latin typeface="Times New Roman" charset="0"/>
+                          <a:ea typeface="Times New Roman" charset="0"/>
+                          <a:cs typeface="Times New Roman" charset="0"/>
+                        </a:rPr>
+                        <a:t>3</a:t>
+                      </a:r>
+                      <a:endParaRPr lang="en-US" sz="1200" kern="100">
+                        <a:effectLst/>
+                        <a:latin typeface="Calibri" charset="0"/>
+                        <a:ea typeface="Calibri" charset="0"/>
+                        <a:cs typeface="Times New Roman" charset="0"/>
+                      </a:endParaRPr>
+                    </a:p>
+                  </a:txBody>
+                  <a:tcPr marL="68580" marR="68580" marT="0" marB="0"/>
+                </a:tc>
+                <a:tc>
+                  <a:txBody>
+                    <a:bodyPr/>
+                    <a:lstStyle/>
+                    <a:p>
+                      <a:pPr algn="l">
+                        <a:spcAft>
+                          <a:spcPts val="0"/>
+                        </a:spcAft>
+                      </a:pPr>
+                      <a:r>
+                        <a:rPr lang="en-US" sz="1200" kern="0">
+                          <a:effectLst/>
+                          <a:latin typeface="Times New Roman" charset="0"/>
+                          <a:ea typeface="Times New Roman" charset="0"/>
+                          <a:cs typeface="Times New Roman" charset="0"/>
+                        </a:rPr>
+                        <a:t>The environment has only one region. The region has more than one agent.</a:t>
+                      </a:r>
+                      <a:endParaRPr lang="en-US" sz="1200" kern="100">
+                        <a:effectLst/>
+                        <a:latin typeface="Calibri" charset="0"/>
+                        <a:ea typeface="Calibri" charset="0"/>
+                        <a:cs typeface="Times New Roman" charset="0"/>
+                      </a:endParaRPr>
+                    </a:p>
+                  </a:txBody>
+                  <a:tcPr marL="68580" marR="68580" marT="0" marB="0"/>
+                </a:tc>
+                <a:tc>
+                  <a:txBody>
+                    <a:bodyPr/>
+                    <a:lstStyle/>
+                    <a:p>
+                      <a:pPr algn="ctr">
+                        <a:spcAft>
+                          <a:spcPts val="0"/>
+                        </a:spcAft>
+                      </a:pPr>
+                      <a:r>
+                        <a:rPr lang="en-US" sz="1200" kern="0">
+                          <a:effectLst/>
+                          <a:latin typeface="Times New Roman" charset="0"/>
+                          <a:ea typeface="Times New Roman" charset="0"/>
+                          <a:cs typeface="Times New Roman" charset="0"/>
+                        </a:rPr>
+                        <a:t>  File, 1</a:t>
+                      </a:r>
+                      <a:endParaRPr lang="en-US" sz="1200" kern="100">
+                        <a:effectLst/>
+                        <a:latin typeface="Calibri" charset="0"/>
+                        <a:ea typeface="Calibri" charset="0"/>
+                        <a:cs typeface="Times New Roman" charset="0"/>
+                      </a:endParaRPr>
+                    </a:p>
+                  </a:txBody>
+                  <a:tcPr marL="68580" marR="68580" marT="0" marB="0"/>
+                </a:tc>
+                <a:tc>
+                  <a:txBody>
+                    <a:bodyPr/>
+                    <a:lstStyle/>
+                    <a:p>
+                      <a:pPr algn="l">
+                        <a:spcAft>
+                          <a:spcPts val="0"/>
+                        </a:spcAft>
+                      </a:pPr>
+                      <a:r>
+                        <a:rPr lang="en-US" sz="1200" kern="0">
+                          <a:effectLst/>
+                          <a:latin typeface="Times New Roman" charset="0"/>
+                          <a:ea typeface="Times New Roman" charset="0"/>
+                          <a:cs typeface="Times New Roman" charset="0"/>
+                        </a:rPr>
+                        <a:t>The screen should show agent’s moving trace and the color of trace should change.  Once target list is empty, it will stop.</a:t>
+                      </a:r>
+                      <a:endParaRPr lang="en-US" sz="1200" kern="100">
+                        <a:effectLst/>
+                        <a:latin typeface="Calibri" charset="0"/>
+                        <a:ea typeface="Calibri" charset="0"/>
+                        <a:cs typeface="Times New Roman" charset="0"/>
+                      </a:endParaRPr>
+                    </a:p>
+                  </a:txBody>
+                  <a:tcPr marL="68580" marR="68580" marT="0" marB="0"/>
+                </a:tc>
+              </a:tr>
+              <a:tr h="617298">
+                <a:tc>
+                  <a:txBody>
+                    <a:bodyPr/>
+                    <a:lstStyle/>
+                    <a:p>
+                      <a:pPr algn="ctr">
+                        <a:spcAft>
+                          <a:spcPts val="0"/>
+                        </a:spcAft>
+                      </a:pPr>
+                      <a:r>
+                        <a:rPr lang="en-US" sz="1200" kern="0">
+                          <a:effectLst/>
+                          <a:latin typeface="Times New Roman" charset="0"/>
+                          <a:ea typeface="Times New Roman" charset="0"/>
+                          <a:cs typeface="Times New Roman" charset="0"/>
+                        </a:rPr>
+                        <a:t>4</a:t>
+                      </a:r>
+                      <a:endParaRPr lang="en-US" sz="1200" kern="100">
+                        <a:effectLst/>
+                        <a:latin typeface="Calibri" charset="0"/>
+                        <a:ea typeface="Calibri" charset="0"/>
+                        <a:cs typeface="Times New Roman" charset="0"/>
+                      </a:endParaRPr>
+                    </a:p>
+                  </a:txBody>
+                  <a:tcPr marL="68580" marR="68580" marT="0" marB="0"/>
+                </a:tc>
+                <a:tc>
+                  <a:txBody>
+                    <a:bodyPr/>
+                    <a:lstStyle/>
+                    <a:p>
+                      <a:pPr algn="l">
+                        <a:spcAft>
+                          <a:spcPts val="0"/>
+                        </a:spcAft>
+                      </a:pPr>
+                      <a:r>
+                        <a:rPr lang="en-US" sz="1200" kern="0">
+                          <a:effectLst/>
+                          <a:latin typeface="Times New Roman" charset="0"/>
+                          <a:ea typeface="Times New Roman" charset="0"/>
+                          <a:cs typeface="Times New Roman" charset="0"/>
+                        </a:rPr>
+                        <a:t>The environment has only one region. The region has more than one agent.</a:t>
+                      </a:r>
+                      <a:endParaRPr lang="en-US" sz="1200" kern="100">
+                        <a:effectLst/>
+                        <a:latin typeface="Calibri" charset="0"/>
+                        <a:ea typeface="Calibri" charset="0"/>
+                        <a:cs typeface="Times New Roman" charset="0"/>
+                      </a:endParaRPr>
+                    </a:p>
+                  </a:txBody>
+                  <a:tcPr marL="68580" marR="68580" marT="0" marB="0"/>
+                </a:tc>
+                <a:tc>
+                  <a:txBody>
+                    <a:bodyPr/>
+                    <a:lstStyle/>
+                    <a:p>
+                      <a:pPr algn="ctr">
+                        <a:spcAft>
+                          <a:spcPts val="0"/>
+                        </a:spcAft>
+                      </a:pPr>
+                      <a:r>
+                        <a:rPr lang="en-US" sz="1200" kern="0">
+                          <a:effectLst/>
+                          <a:latin typeface="Times New Roman" charset="0"/>
+                          <a:ea typeface="Times New Roman" charset="0"/>
+                          <a:cs typeface="Times New Roman" charset="0"/>
+                        </a:rPr>
+                        <a:t>File, N(N&gt;1)</a:t>
+                      </a:r>
+                      <a:endParaRPr lang="en-US" sz="1200" kern="100">
+                        <a:effectLst/>
+                        <a:latin typeface="Calibri" charset="0"/>
+                        <a:ea typeface="Calibri" charset="0"/>
+                        <a:cs typeface="Times New Roman" charset="0"/>
+                      </a:endParaRPr>
+                    </a:p>
+                  </a:txBody>
+                  <a:tcPr marL="68580" marR="68580" marT="0" marB="0"/>
+                </a:tc>
+                <a:tc>
+                  <a:txBody>
+                    <a:bodyPr/>
+                    <a:lstStyle/>
+                    <a:p>
+                      <a:pPr algn="l">
+                        <a:spcAft>
+                          <a:spcPts val="0"/>
+                        </a:spcAft>
+                      </a:pPr>
+                      <a:r>
+                        <a:rPr lang="en-US" sz="1200" kern="0">
+                          <a:effectLst/>
+                          <a:latin typeface="Times New Roman" charset="0"/>
+                          <a:ea typeface="Times New Roman" charset="0"/>
+                          <a:cs typeface="Times New Roman" charset="0"/>
+                        </a:rPr>
+                        <a:t>The screen should show agent’s moving trace and the color of trace should change.  Once target list is empty, it will stop.</a:t>
+                      </a:r>
+                      <a:endParaRPr lang="en-US" sz="1200" kern="100">
+                        <a:effectLst/>
+                        <a:latin typeface="Calibri" charset="0"/>
+                        <a:ea typeface="Calibri" charset="0"/>
+                        <a:cs typeface="Times New Roman" charset="0"/>
+                      </a:endParaRPr>
+                    </a:p>
+                  </a:txBody>
+                  <a:tcPr marL="68580" marR="68580" marT="0" marB="0"/>
+                </a:tc>
+              </a:tr>
+              <a:tr h="617298">
+                <a:tc>
+                  <a:txBody>
+                    <a:bodyPr/>
+                    <a:lstStyle/>
+                    <a:p>
+                      <a:pPr algn="ctr">
+                        <a:spcAft>
+                          <a:spcPts val="0"/>
+                        </a:spcAft>
+                      </a:pPr>
+                      <a:r>
+                        <a:rPr lang="en-US" sz="1200" kern="0">
+                          <a:effectLst/>
+                          <a:latin typeface="Times New Roman" charset="0"/>
+                          <a:ea typeface="Times New Roman" charset="0"/>
+                          <a:cs typeface="Times New Roman" charset="0"/>
+                        </a:rPr>
+                        <a:t>5</a:t>
+                      </a:r>
+                      <a:endParaRPr lang="en-US" sz="1200" kern="100">
+                        <a:effectLst/>
+                        <a:latin typeface="Calibri" charset="0"/>
+                        <a:ea typeface="Calibri" charset="0"/>
+                        <a:cs typeface="Times New Roman" charset="0"/>
+                      </a:endParaRPr>
+                    </a:p>
+                  </a:txBody>
+                  <a:tcPr marL="68580" marR="68580" marT="0" marB="0"/>
+                </a:tc>
+                <a:tc>
+                  <a:txBody>
+                    <a:bodyPr/>
+                    <a:lstStyle/>
+                    <a:p>
+                      <a:pPr algn="l">
+                        <a:spcAft>
+                          <a:spcPts val="0"/>
+                        </a:spcAft>
+                      </a:pPr>
+                      <a:r>
+                        <a:rPr lang="en-US" sz="1200" kern="0">
+                          <a:effectLst/>
+                          <a:latin typeface="Times New Roman" charset="0"/>
+                          <a:ea typeface="Times New Roman" charset="0"/>
+                          <a:cs typeface="Times New Roman" charset="0"/>
+                        </a:rPr>
+                        <a:t>The environment has more than one region. Each region has only one agent.</a:t>
+                      </a:r>
+                      <a:endParaRPr lang="en-US" sz="1200" kern="100">
+                        <a:effectLst/>
+                        <a:latin typeface="Calibri" charset="0"/>
+                        <a:ea typeface="Calibri" charset="0"/>
+                        <a:cs typeface="Times New Roman" charset="0"/>
+                      </a:endParaRPr>
+                    </a:p>
+                  </a:txBody>
+                  <a:tcPr marL="68580" marR="68580" marT="0" marB="0"/>
+                </a:tc>
+                <a:tc>
+                  <a:txBody>
+                    <a:bodyPr/>
+                    <a:lstStyle/>
+                    <a:p>
+                      <a:pPr algn="ctr">
+                        <a:spcAft>
+                          <a:spcPts val="0"/>
+                        </a:spcAft>
+                      </a:pPr>
+                      <a:r>
+                        <a:rPr lang="en-US" sz="1200" kern="0">
+                          <a:effectLst/>
+                          <a:latin typeface="Times New Roman" charset="0"/>
+                          <a:ea typeface="Times New Roman" charset="0"/>
+                          <a:cs typeface="Times New Roman" charset="0"/>
+                        </a:rPr>
+                        <a:t>  File, 1</a:t>
+                      </a:r>
+                      <a:endParaRPr lang="en-US" sz="1200" kern="100">
+                        <a:effectLst/>
+                        <a:latin typeface="Calibri" charset="0"/>
+                        <a:ea typeface="Calibri" charset="0"/>
+                        <a:cs typeface="Times New Roman" charset="0"/>
+                      </a:endParaRPr>
+                    </a:p>
+                  </a:txBody>
+                  <a:tcPr marL="68580" marR="68580" marT="0" marB="0"/>
+                </a:tc>
+                <a:tc>
+                  <a:txBody>
+                    <a:bodyPr/>
+                    <a:lstStyle/>
+                    <a:p>
+                      <a:pPr algn="l">
+                        <a:spcAft>
+                          <a:spcPts val="0"/>
+                        </a:spcAft>
+                      </a:pPr>
+                      <a:r>
+                        <a:rPr lang="en-US" sz="1200" kern="0">
+                          <a:effectLst/>
+                          <a:latin typeface="Times New Roman" charset="0"/>
+                          <a:ea typeface="Times New Roman" charset="0"/>
+                          <a:cs typeface="Times New Roman" charset="0"/>
+                        </a:rPr>
+                        <a:t>The screen should show agent’s moving trace and the color of trace should change.  Once target list is empty, it will stop.</a:t>
+                      </a:r>
+                      <a:endParaRPr lang="en-US" sz="1200" kern="100">
+                        <a:effectLst/>
+                        <a:latin typeface="Calibri" charset="0"/>
+                        <a:ea typeface="Calibri" charset="0"/>
+                        <a:cs typeface="Times New Roman" charset="0"/>
+                      </a:endParaRPr>
+                    </a:p>
+                  </a:txBody>
+                  <a:tcPr marL="68580" marR="68580" marT="0" marB="0"/>
+                </a:tc>
+              </a:tr>
+              <a:tr h="617298">
+                <a:tc>
+                  <a:txBody>
+                    <a:bodyPr/>
+                    <a:lstStyle/>
+                    <a:p>
+                      <a:pPr algn="ctr">
+                        <a:spcAft>
+                          <a:spcPts val="0"/>
+                        </a:spcAft>
+                      </a:pPr>
+                      <a:r>
+                        <a:rPr lang="en-US" sz="1200" kern="0">
+                          <a:effectLst/>
+                          <a:latin typeface="Times New Roman" charset="0"/>
+                          <a:ea typeface="Times New Roman" charset="0"/>
+                          <a:cs typeface="Times New Roman" charset="0"/>
+                        </a:rPr>
+                        <a:t>6</a:t>
+                      </a:r>
+                      <a:endParaRPr lang="en-US" sz="1200" kern="100">
+                        <a:effectLst/>
+                        <a:latin typeface="Calibri" charset="0"/>
+                        <a:ea typeface="Calibri" charset="0"/>
+                        <a:cs typeface="Times New Roman" charset="0"/>
+                      </a:endParaRPr>
+                    </a:p>
+                  </a:txBody>
+                  <a:tcPr marL="68580" marR="68580" marT="0" marB="0"/>
+                </a:tc>
+                <a:tc>
+                  <a:txBody>
+                    <a:bodyPr/>
+                    <a:lstStyle/>
+                    <a:p>
+                      <a:pPr algn="l">
+                        <a:spcAft>
+                          <a:spcPts val="0"/>
+                        </a:spcAft>
+                      </a:pPr>
+                      <a:r>
+                        <a:rPr lang="en-US" sz="1200" kern="0">
+                          <a:effectLst/>
+                          <a:latin typeface="Times New Roman" charset="0"/>
+                          <a:ea typeface="Times New Roman" charset="0"/>
+                          <a:cs typeface="Times New Roman" charset="0"/>
+                        </a:rPr>
+                        <a:t>The environment has more than one region. Each region has only one agent.</a:t>
+                      </a:r>
+                      <a:endParaRPr lang="en-US" sz="1200" kern="100">
+                        <a:effectLst/>
+                        <a:latin typeface="Calibri" charset="0"/>
+                        <a:ea typeface="Calibri" charset="0"/>
+                        <a:cs typeface="Times New Roman" charset="0"/>
+                      </a:endParaRPr>
+                    </a:p>
+                  </a:txBody>
+                  <a:tcPr marL="68580" marR="68580" marT="0" marB="0"/>
+                </a:tc>
+                <a:tc>
+                  <a:txBody>
+                    <a:bodyPr/>
+                    <a:lstStyle/>
+                    <a:p>
+                      <a:pPr algn="ctr">
+                        <a:spcAft>
+                          <a:spcPts val="0"/>
+                        </a:spcAft>
+                      </a:pPr>
+                      <a:r>
+                        <a:rPr lang="en-US" sz="1200" kern="0">
+                          <a:effectLst/>
+                          <a:latin typeface="Times New Roman" charset="0"/>
+                          <a:ea typeface="Times New Roman" charset="0"/>
+                          <a:cs typeface="Times New Roman" charset="0"/>
+                        </a:rPr>
+                        <a:t>  File, N(N&gt;1)</a:t>
+                      </a:r>
+                      <a:endParaRPr lang="en-US" sz="1200" kern="100">
+                        <a:effectLst/>
+                        <a:latin typeface="Calibri" charset="0"/>
+                        <a:ea typeface="Calibri" charset="0"/>
+                        <a:cs typeface="Times New Roman" charset="0"/>
+                      </a:endParaRPr>
+                    </a:p>
+                  </a:txBody>
+                  <a:tcPr marL="68580" marR="68580" marT="0" marB="0"/>
+                </a:tc>
+                <a:tc>
+                  <a:txBody>
+                    <a:bodyPr/>
+                    <a:lstStyle/>
+                    <a:p>
+                      <a:pPr algn="l">
+                        <a:spcAft>
+                          <a:spcPts val="0"/>
+                        </a:spcAft>
+                      </a:pPr>
+                      <a:r>
+                        <a:rPr lang="en-US" sz="1200" kern="0">
+                          <a:effectLst/>
+                          <a:latin typeface="Times New Roman" charset="0"/>
+                          <a:ea typeface="Times New Roman" charset="0"/>
+                          <a:cs typeface="Times New Roman" charset="0"/>
+                        </a:rPr>
+                        <a:t>The screen should show agent’s moving trace and the color of trace should change.  Once target list is empty, it will stop.</a:t>
+                      </a:r>
+                      <a:endParaRPr lang="en-US" sz="1200" kern="100">
+                        <a:effectLst/>
+                        <a:latin typeface="Calibri" charset="0"/>
+                        <a:ea typeface="Calibri" charset="0"/>
+                        <a:cs typeface="Times New Roman" charset="0"/>
+                      </a:endParaRPr>
+                    </a:p>
+                  </a:txBody>
+                  <a:tcPr marL="68580" marR="68580" marT="0" marB="0"/>
+                </a:tc>
+              </a:tr>
+              <a:tr h="617298">
+                <a:tc>
+                  <a:txBody>
+                    <a:bodyPr/>
+                    <a:lstStyle/>
+                    <a:p>
+                      <a:pPr algn="ctr">
+                        <a:spcAft>
+                          <a:spcPts val="0"/>
+                        </a:spcAft>
+                      </a:pPr>
+                      <a:r>
+                        <a:rPr lang="en-US" sz="1200" kern="0">
+                          <a:effectLst/>
+                          <a:latin typeface="Times New Roman" charset="0"/>
+                          <a:ea typeface="Times New Roman" charset="0"/>
+                          <a:cs typeface="Times New Roman" charset="0"/>
+                        </a:rPr>
+                        <a:t>7</a:t>
+                      </a:r>
+                      <a:endParaRPr lang="en-US" sz="1200" kern="100">
+                        <a:effectLst/>
+                        <a:latin typeface="Calibri" charset="0"/>
+                        <a:ea typeface="Calibri" charset="0"/>
+                        <a:cs typeface="Times New Roman" charset="0"/>
+                      </a:endParaRPr>
+                    </a:p>
+                  </a:txBody>
+                  <a:tcPr marL="68580" marR="68580" marT="0" marB="0"/>
+                </a:tc>
+                <a:tc>
+                  <a:txBody>
+                    <a:bodyPr/>
+                    <a:lstStyle/>
+                    <a:p>
+                      <a:pPr algn="l">
+                        <a:spcAft>
+                          <a:spcPts val="0"/>
+                        </a:spcAft>
+                      </a:pPr>
+                      <a:r>
+                        <a:rPr lang="en-US" sz="1200" kern="0">
+                          <a:effectLst/>
+                          <a:latin typeface="Times New Roman" charset="0"/>
+                          <a:ea typeface="Times New Roman" charset="0"/>
+                          <a:cs typeface="Times New Roman" charset="0"/>
+                        </a:rPr>
+                        <a:t>The environment has more than one region. Each region has more than one agent.</a:t>
+                      </a:r>
+                      <a:endParaRPr lang="en-US" sz="1200" kern="100">
+                        <a:effectLst/>
+                        <a:latin typeface="Calibri" charset="0"/>
+                        <a:ea typeface="Calibri" charset="0"/>
+                        <a:cs typeface="Times New Roman" charset="0"/>
+                      </a:endParaRPr>
+                    </a:p>
+                  </a:txBody>
+                  <a:tcPr marL="68580" marR="68580" marT="0" marB="0"/>
+                </a:tc>
+                <a:tc>
+                  <a:txBody>
+                    <a:bodyPr/>
+                    <a:lstStyle/>
+                    <a:p>
+                      <a:pPr algn="ctr">
+                        <a:spcAft>
+                          <a:spcPts val="0"/>
+                        </a:spcAft>
+                      </a:pPr>
+                      <a:r>
+                        <a:rPr lang="en-US" sz="1200" kern="0">
+                          <a:effectLst/>
+                          <a:latin typeface="Times New Roman" charset="0"/>
+                          <a:ea typeface="Times New Roman" charset="0"/>
+                          <a:cs typeface="Times New Roman" charset="0"/>
+                        </a:rPr>
+                        <a:t>  File, 1</a:t>
+                      </a:r>
+                      <a:endParaRPr lang="en-US" sz="1200" kern="100">
+                        <a:effectLst/>
+                        <a:latin typeface="Calibri" charset="0"/>
+                        <a:ea typeface="Calibri" charset="0"/>
+                        <a:cs typeface="Times New Roman" charset="0"/>
+                      </a:endParaRPr>
+                    </a:p>
+                  </a:txBody>
+                  <a:tcPr marL="68580" marR="68580" marT="0" marB="0"/>
+                </a:tc>
+                <a:tc>
+                  <a:txBody>
+                    <a:bodyPr/>
+                    <a:lstStyle/>
+                    <a:p>
+                      <a:pPr algn="l">
+                        <a:spcAft>
+                          <a:spcPts val="0"/>
+                        </a:spcAft>
+                      </a:pPr>
+                      <a:r>
+                        <a:rPr lang="en-US" sz="1200" kern="0">
+                          <a:effectLst/>
+                          <a:latin typeface="Times New Roman" charset="0"/>
+                          <a:ea typeface="Times New Roman" charset="0"/>
+                          <a:cs typeface="Times New Roman" charset="0"/>
+                        </a:rPr>
+                        <a:t>The screen should show agent’s moving trace and the color of trace should change.  Once target list is empty, it will stop.</a:t>
+                      </a:r>
+                      <a:endParaRPr lang="en-US" sz="1200" kern="100">
+                        <a:effectLst/>
+                        <a:latin typeface="Calibri" charset="0"/>
+                        <a:ea typeface="Calibri" charset="0"/>
+                        <a:cs typeface="Times New Roman" charset="0"/>
+                      </a:endParaRPr>
+                    </a:p>
+                  </a:txBody>
+                  <a:tcPr marL="68580" marR="68580" marT="0" marB="0"/>
+                </a:tc>
+              </a:tr>
+              <a:tr h="617298">
+                <a:tc>
+                  <a:txBody>
+                    <a:bodyPr/>
+                    <a:lstStyle/>
+                    <a:p>
+                      <a:pPr algn="ctr">
+                        <a:spcAft>
+                          <a:spcPts val="0"/>
+                        </a:spcAft>
+                      </a:pPr>
+                      <a:r>
+                        <a:rPr lang="en-US" sz="1200" kern="0">
+                          <a:effectLst/>
+                          <a:latin typeface="Times New Roman" charset="0"/>
+                          <a:ea typeface="Times New Roman" charset="0"/>
+                          <a:cs typeface="Times New Roman" charset="0"/>
+                        </a:rPr>
+                        <a:t>8</a:t>
+                      </a:r>
+                      <a:endParaRPr lang="en-US" sz="1200" kern="100">
+                        <a:effectLst/>
+                        <a:latin typeface="Calibri" charset="0"/>
+                        <a:ea typeface="Calibri" charset="0"/>
+                        <a:cs typeface="Times New Roman" charset="0"/>
+                      </a:endParaRPr>
+                    </a:p>
+                  </a:txBody>
+                  <a:tcPr marL="68580" marR="68580" marT="0" marB="0"/>
+                </a:tc>
+                <a:tc>
+                  <a:txBody>
+                    <a:bodyPr/>
+                    <a:lstStyle/>
+                    <a:p>
+                      <a:pPr algn="l">
+                        <a:spcAft>
+                          <a:spcPts val="0"/>
+                        </a:spcAft>
+                      </a:pPr>
+                      <a:r>
+                        <a:rPr lang="en-US" sz="1200" kern="0">
+                          <a:effectLst/>
+                          <a:latin typeface="Times New Roman" charset="0"/>
+                          <a:ea typeface="Times New Roman" charset="0"/>
+                          <a:cs typeface="Times New Roman" charset="0"/>
+                        </a:rPr>
+                        <a:t>The environment has more than one region. Each region has more than one agent.</a:t>
+                      </a:r>
+                      <a:endParaRPr lang="en-US" sz="1200" kern="100">
+                        <a:effectLst/>
+                        <a:latin typeface="Calibri" charset="0"/>
+                        <a:ea typeface="Calibri" charset="0"/>
+                        <a:cs typeface="Times New Roman" charset="0"/>
+                      </a:endParaRPr>
+                    </a:p>
+                  </a:txBody>
+                  <a:tcPr marL="68580" marR="68580" marT="0" marB="0"/>
+                </a:tc>
+                <a:tc>
+                  <a:txBody>
+                    <a:bodyPr/>
+                    <a:lstStyle/>
+                    <a:p>
+                      <a:pPr algn="ctr">
+                        <a:spcAft>
+                          <a:spcPts val="0"/>
+                        </a:spcAft>
+                      </a:pPr>
+                      <a:r>
+                        <a:rPr lang="en-US" sz="1200" kern="0" dirty="0">
+                          <a:effectLst/>
+                          <a:latin typeface="Times New Roman" charset="0"/>
+                          <a:ea typeface="Times New Roman" charset="0"/>
+                          <a:cs typeface="Times New Roman" charset="0"/>
+                        </a:rPr>
+                        <a:t>  File, N(N&gt;1)</a:t>
+                      </a:r>
+                      <a:endParaRPr lang="en-US" sz="1200" kern="100" dirty="0">
+                        <a:effectLst/>
+                        <a:latin typeface="Calibri" charset="0"/>
+                        <a:ea typeface="Calibri" charset="0"/>
+                        <a:cs typeface="Times New Roman" charset="0"/>
+                      </a:endParaRPr>
+                    </a:p>
+                  </a:txBody>
+                  <a:tcPr marL="68580" marR="68580" marT="0" marB="0"/>
+                </a:tc>
+                <a:tc>
+                  <a:txBody>
+                    <a:bodyPr/>
+                    <a:lstStyle/>
+                    <a:p>
+                      <a:pPr algn="l">
+                        <a:spcAft>
+                          <a:spcPts val="0"/>
+                        </a:spcAft>
+                      </a:pPr>
+                      <a:r>
+                        <a:rPr lang="en-US" sz="1200" kern="0">
+                          <a:effectLst/>
+                          <a:latin typeface="Times New Roman" charset="0"/>
+                          <a:ea typeface="Times New Roman" charset="0"/>
+                          <a:cs typeface="Times New Roman" charset="0"/>
+                        </a:rPr>
+                        <a:t>The screen should show agent’s moving trace and the color of trace should change.  Once target list is empty, it will stop.</a:t>
+                      </a:r>
+                      <a:endParaRPr lang="en-US" sz="1200" kern="100">
+                        <a:effectLst/>
+                        <a:latin typeface="Calibri" charset="0"/>
+                        <a:ea typeface="Calibri" charset="0"/>
+                        <a:cs typeface="Times New Roman" charset="0"/>
+                      </a:endParaRPr>
+                    </a:p>
+                  </a:txBody>
+                  <a:tcPr marL="68580" marR="68580" marT="0" marB="0"/>
+                </a:tc>
+              </a:tr>
+              <a:tr h="462974">
+                <a:tc>
+                  <a:txBody>
+                    <a:bodyPr/>
+                    <a:lstStyle/>
+                    <a:p>
+                      <a:pPr algn="ctr">
+                        <a:spcAft>
+                          <a:spcPts val="0"/>
+                        </a:spcAft>
+                      </a:pPr>
+                      <a:r>
+                        <a:rPr lang="en-US" sz="1200" kern="0">
+                          <a:effectLst/>
+                          <a:latin typeface="Times New Roman" charset="0"/>
+                          <a:ea typeface="Times New Roman" charset="0"/>
+                          <a:cs typeface="Times New Roman" charset="0"/>
+                        </a:rPr>
+                        <a:t>9</a:t>
+                      </a:r>
+                      <a:endParaRPr lang="en-US" sz="1200" kern="100">
+                        <a:effectLst/>
+                        <a:latin typeface="Calibri" charset="0"/>
+                        <a:ea typeface="Calibri" charset="0"/>
+                        <a:cs typeface="Times New Roman" charset="0"/>
+                      </a:endParaRPr>
+                    </a:p>
+                  </a:txBody>
+                  <a:tcPr marL="68580" marR="68580" marT="0" marB="0"/>
+                </a:tc>
+                <a:tc>
+                  <a:txBody>
+                    <a:bodyPr/>
+                    <a:lstStyle/>
+                    <a:p>
+                      <a:pPr algn="l">
+                        <a:spcAft>
+                          <a:spcPts val="0"/>
+                        </a:spcAft>
+                      </a:pPr>
+                      <a:r>
+                        <a:rPr lang="en-US" sz="1200" kern="0">
+                          <a:effectLst/>
+                          <a:latin typeface="Times New Roman" charset="0"/>
+                          <a:ea typeface="Times New Roman" charset="0"/>
+                          <a:cs typeface="Times New Roman" charset="0"/>
+                        </a:rPr>
+                        <a:t>The environment has more than one region. Each region has more than one agent.</a:t>
+                      </a:r>
+                      <a:endParaRPr lang="en-US" sz="1200" kern="100">
+                        <a:effectLst/>
+                        <a:latin typeface="Calibri" charset="0"/>
+                        <a:ea typeface="Calibri" charset="0"/>
+                        <a:cs typeface="Times New Roman" charset="0"/>
+                      </a:endParaRPr>
+                    </a:p>
+                  </a:txBody>
+                  <a:tcPr marL="68580" marR="68580" marT="0" marB="0"/>
+                </a:tc>
+                <a:tc>
+                  <a:txBody>
+                    <a:bodyPr/>
+                    <a:lstStyle/>
+                    <a:p>
+                      <a:pPr algn="ctr">
+                        <a:spcAft>
+                          <a:spcPts val="0"/>
+                        </a:spcAft>
+                      </a:pPr>
+                      <a:r>
+                        <a:rPr lang="en-US" sz="1200" kern="0">
+                          <a:effectLst/>
+                          <a:latin typeface="Times New Roman" charset="0"/>
+                          <a:ea typeface="Times New Roman" charset="0"/>
+                          <a:cs typeface="Times New Roman" charset="0"/>
+                        </a:rPr>
+                        <a:t>File, 0</a:t>
+                      </a:r>
+                      <a:endParaRPr lang="en-US" sz="1200" kern="100">
+                        <a:effectLst/>
+                        <a:latin typeface="Calibri" charset="0"/>
+                        <a:ea typeface="Calibri" charset="0"/>
+                        <a:cs typeface="Times New Roman" charset="0"/>
+                      </a:endParaRPr>
+                    </a:p>
+                  </a:txBody>
+                  <a:tcPr marL="68580" marR="68580" marT="0" marB="0"/>
+                </a:tc>
+                <a:tc>
+                  <a:txBody>
+                    <a:bodyPr/>
+                    <a:lstStyle/>
+                    <a:p>
+                      <a:pPr algn="l">
+                        <a:spcAft>
+                          <a:spcPts val="0"/>
+                        </a:spcAft>
+                      </a:pPr>
+                      <a:r>
+                        <a:rPr lang="en-US" sz="1200" kern="0">
+                          <a:effectLst/>
+                          <a:latin typeface="Times New Roman" charset="0"/>
+                          <a:ea typeface="Times New Roman" charset="0"/>
+                          <a:cs typeface="Times New Roman" charset="0"/>
+                        </a:rPr>
+                        <a:t>The screen should show error message.</a:t>
+                      </a:r>
+                      <a:endParaRPr lang="en-US" sz="1200" kern="100">
+                        <a:effectLst/>
+                        <a:latin typeface="Calibri" charset="0"/>
+                        <a:ea typeface="Calibri" charset="0"/>
+                        <a:cs typeface="Times New Roman" charset="0"/>
+                      </a:endParaRPr>
+                    </a:p>
+                  </a:txBody>
+                  <a:tcPr marL="68580" marR="68580" marT="0" marB="0"/>
+                </a:tc>
+              </a:tr>
+              <a:tr h="462974">
+                <a:tc>
+                  <a:txBody>
+                    <a:bodyPr/>
+                    <a:lstStyle/>
+                    <a:p>
+                      <a:pPr algn="ctr">
+                        <a:spcAft>
+                          <a:spcPts val="0"/>
+                        </a:spcAft>
+                      </a:pPr>
+                      <a:r>
+                        <a:rPr lang="en-US" sz="1200" kern="0">
+                          <a:effectLst/>
+                          <a:latin typeface="Times New Roman" charset="0"/>
+                          <a:ea typeface="Times New Roman" charset="0"/>
+                          <a:cs typeface="Times New Roman" charset="0"/>
+                        </a:rPr>
+                        <a:t>10</a:t>
+                      </a:r>
+                      <a:endParaRPr lang="en-US" sz="1200" kern="100">
+                        <a:effectLst/>
+                        <a:latin typeface="Calibri" charset="0"/>
+                        <a:ea typeface="Calibri" charset="0"/>
+                        <a:cs typeface="Times New Roman" charset="0"/>
+                      </a:endParaRPr>
+                    </a:p>
+                  </a:txBody>
+                  <a:tcPr marL="68580" marR="68580" marT="0" marB="0"/>
+                </a:tc>
+                <a:tc>
+                  <a:txBody>
+                    <a:bodyPr/>
+                    <a:lstStyle/>
+                    <a:p>
+                      <a:pPr algn="l">
+                        <a:spcAft>
+                          <a:spcPts val="0"/>
+                        </a:spcAft>
+                      </a:pPr>
+                      <a:r>
+                        <a:rPr lang="en-US" sz="1200" kern="0">
+                          <a:effectLst/>
+                          <a:latin typeface="Times New Roman" charset="0"/>
+                          <a:ea typeface="Times New Roman" charset="0"/>
+                          <a:cs typeface="Times New Roman" charset="0"/>
+                        </a:rPr>
+                        <a:t>The environment has more than one region. Each region has more than one agent.</a:t>
+                      </a:r>
+                      <a:endParaRPr lang="en-US" sz="1200" kern="100">
+                        <a:effectLst/>
+                        <a:latin typeface="Calibri" charset="0"/>
+                        <a:ea typeface="Calibri" charset="0"/>
+                        <a:cs typeface="Times New Roman" charset="0"/>
+                      </a:endParaRPr>
+                    </a:p>
+                  </a:txBody>
+                  <a:tcPr marL="68580" marR="68580" marT="0" marB="0"/>
+                </a:tc>
+                <a:tc>
+                  <a:txBody>
+                    <a:bodyPr/>
+                    <a:lstStyle/>
+                    <a:p>
+                      <a:pPr algn="ctr">
+                        <a:spcAft>
+                          <a:spcPts val="0"/>
+                        </a:spcAft>
+                      </a:pPr>
+                      <a:r>
+                        <a:rPr lang="en-US" sz="1200" kern="0">
+                          <a:effectLst/>
+                          <a:latin typeface="Times New Roman" charset="0"/>
+                          <a:ea typeface="Times New Roman" charset="0"/>
+                          <a:cs typeface="Times New Roman" charset="0"/>
+                        </a:rPr>
+                        <a:t>File, 10000</a:t>
+                      </a:r>
+                      <a:endParaRPr lang="en-US" sz="1200" kern="100">
+                        <a:effectLst/>
+                        <a:latin typeface="Calibri" charset="0"/>
+                        <a:ea typeface="Calibri" charset="0"/>
+                        <a:cs typeface="Times New Roman" charset="0"/>
+                      </a:endParaRPr>
+                    </a:p>
+                  </a:txBody>
+                  <a:tcPr marL="68580" marR="68580" marT="0" marB="0"/>
+                </a:tc>
+                <a:tc>
+                  <a:txBody>
+                    <a:bodyPr/>
+                    <a:lstStyle/>
+                    <a:p>
+                      <a:pPr algn="l">
+                        <a:spcAft>
+                          <a:spcPts val="0"/>
+                        </a:spcAft>
+                      </a:pPr>
+                      <a:r>
+                        <a:rPr lang="en-US" sz="1200" kern="0" dirty="0">
+                          <a:effectLst/>
+                          <a:latin typeface="Times New Roman" charset="0"/>
+                          <a:ea typeface="Times New Roman" charset="0"/>
+                          <a:cs typeface="Times New Roman" charset="0"/>
+                        </a:rPr>
+                        <a:t>The algorithm will stop. The screen should show agent’s moving trace and the color of trace should change.  </a:t>
+                      </a:r>
+                      <a:endParaRPr lang="en-US" sz="1200" kern="100" dirty="0">
+                        <a:effectLst/>
+                        <a:latin typeface="Calibri" charset="0"/>
+                        <a:ea typeface="Calibri" charset="0"/>
+                        <a:cs typeface="Times New Roman" charset="0"/>
+                      </a:endParaRPr>
+                    </a:p>
+                  </a:txBody>
+                  <a:tcPr marL="68580" marR="68580" marT="0" marB="0"/>
+                </a:tc>
+              </a:tr>
+            </a:tbl>
+          </a:graphicData>
+        </a:graphic>
+      </p:graphicFrame>
+    </p:spTree>
+    <p:extLst>
+      <p:ext uri="{BB962C8B-B14F-4D97-AF65-F5344CB8AC3E}">
+        <p14:creationId xmlns:p14="http://schemas.microsoft.com/office/powerpoint/2010/main" val="206629802"/>
+      </p:ext>
+    </p:extLst>
+  </p:cSld>
+  <p:clrMapOvr>
+    <a:masterClrMapping/>
+  </p:clrMapOvr>
+  <p:timing>
+    <p:tnLst>
+      <p:par>
+        <p:cTn id="1" dur="indefinite" restart="never" nodeType="tmRoot"/>
+      </p:par>
+    </p:tnLst>
+  </p:timing>
 </p:sld>
 </file>
 
